--- a/画面遷移図.pptx
+++ b/画面遷移図.pptx
@@ -6355,7 +6355,7 @@
                     <a:schemeClr val="dk2"/>
                   </a:solidFill>
                 </a:rPr>
-                <a:t>・マイアカウント</a:t>
+                <a:t>・マイページ</a:t>
               </a:r>
               <a:endParaRPr sz="700">
                 <a:solidFill>
@@ -6497,7 +6497,7 @@
                     <a:schemeClr val="dk2"/>
                   </a:solidFill>
                 </a:rPr>
-                <a:t>新規登録</a:t>
+                <a:t>会員登録</a:t>
               </a:r>
               <a:endParaRPr b="1" sz="800">
                 <a:solidFill>
@@ -8494,7 +8494,7 @@
                     <a:schemeClr val="dk2"/>
                   </a:solidFill>
                 </a:rPr>
-                <a:t>・マイアカウント</a:t>
+                <a:t>・マイページ</a:t>
               </a:r>
               <a:endParaRPr sz="700">
                 <a:solidFill>
@@ -9437,7 +9437,7 @@
                     <a:schemeClr val="dk2"/>
                   </a:solidFill>
                 </a:rPr>
-                <a:t>マイアカウント</a:t>
+                <a:t>マイページ</a:t>
               </a:r>
               <a:endParaRPr b="1" sz="800">
                 <a:solidFill>
@@ -10254,7 +10254,7 @@
                     <a:schemeClr val="dk2"/>
                   </a:solidFill>
                 </a:rPr>
-                <a:t>マイアカウント</a:t>
+                <a:t>マイページ</a:t>
               </a:r>
               <a:endParaRPr b="1" sz="800">
                 <a:solidFill>
@@ -11204,8 +11204,32 @@
               <a:t>購入者(</a:t>
             </a:r>
             <a:r>
+              <a:rPr b="1" lang="ja" sz="800">
+                <a:solidFill>
+                  <a:schemeClr val="dk2"/>
+                </a:solidFill>
+              </a:rPr>
+              <a:t>マイページ</a:t>
+            </a:r>
+            <a:endParaRPr b="1" sz="800">
+              <a:solidFill>
+                <a:schemeClr val="dk2"/>
+              </a:solidFill>
+            </a:endParaRPr>
+          </a:p>
+          <a:p>
+            <a:pPr indent="0" lvl="0" marL="0" rtl="0" algn="l">
+              <a:spcBef>
+                <a:spcPts val="0"/>
+              </a:spcBef>
+              <a:spcAft>
+                <a:spcPts val="0"/>
+              </a:spcAft>
+              <a:buNone/>
+            </a:pPr>
+            <a:r>
               <a:rPr lang="ja"/>
-              <a:t>マイアカウントのみ抜粋)</a:t>
+              <a:t>のみ抜粋)</a:t>
             </a:r>
             <a:endParaRPr/>
           </a:p>
@@ -13599,7 +13623,15 @@
             </a:pPr>
             <a:r>
               <a:rPr lang="ja"/>
-              <a:t>購入者(マイアカウントのみ抜粋)</a:t>
+              <a:t>購入者(</a:t>
+            </a:r>
+            <a:r>
+              <a:rPr lang="ja"/>
+              <a:t>マイページ</a:t>
+            </a:r>
+            <a:r>
+              <a:rPr lang="ja"/>
+              <a:t>のみ抜粋)</a:t>
             </a:r>
             <a:endParaRPr/>
           </a:p>
@@ -15050,6 +15082,11 @@
                 <a:spcAft>
                   <a:spcPts val="0"/>
                 </a:spcAft>
+                <a:buClr>
+                  <a:schemeClr val="dk1"/>
+                </a:buClr>
+                <a:buSzPts val="1100"/>
+                <a:buFont typeface="Arial"/>
                 <a:buNone/>
               </a:pPr>
               <a:r>
@@ -15058,7 +15095,7 @@
                     <a:schemeClr val="dk2"/>
                   </a:solidFill>
                 </a:rPr>
-                <a:t>マイアカウント</a:t>
+                <a:t>マイページ</a:t>
               </a:r>
               <a:endParaRPr b="1" sz="800">
                 <a:solidFill>

--- a/画面遷移図.pptx
+++ b/画面遷移図.pptx
@@ -1091,7 +1091,7 @@
   <p:cSld>
     <p:spTree>
       <p:nvGrpSpPr>
-        <p:cNvPr id="337" name="Shape 337"/>
+        <p:cNvPr id="332" name="Shape 332"/>
         <p:cNvGrpSpPr/>
         <p:nvPr/>
       </p:nvGrpSpPr>
@@ -1105,7 +1105,7 @@
       </p:grpSpPr>
       <p:sp>
         <p:nvSpPr>
-          <p:cNvPr id="338" name="Google Shape;338;g2de390b1053_1_221:notes"/>
+          <p:cNvPr id="333" name="Google Shape;333;g2de390b1053_1_221:notes"/>
           <p:cNvSpPr/>
           <p:nvPr>
             <p:ph idx="2" type="sldImg"/>
@@ -1140,7 +1140,7 @@
       </p:sp>
       <p:sp>
         <p:nvSpPr>
-          <p:cNvPr id="339" name="Google Shape;339;g2de390b1053_1_221:notes"/>
+          <p:cNvPr id="334" name="Google Shape;334;g2de390b1053_1_221:notes"/>
           <p:cNvSpPr txBox="1"/>
           <p:nvPr>
             <p:ph idx="1" type="body"/>
@@ -7682,7 +7682,7 @@
                     <a:schemeClr val="dk2"/>
                   </a:solidFill>
                 </a:rPr>
-                <a:t>・レジボタン</a:t>
+                <a:t>・レジに進むボタン</a:t>
               </a:r>
               <a:endParaRPr sz="700">
                 <a:solidFill>
@@ -11204,32 +11204,8 @@
               <a:t>購入者(</a:t>
             </a:r>
             <a:r>
-              <a:rPr b="1" lang="ja" sz="800">
-                <a:solidFill>
-                  <a:schemeClr val="dk2"/>
-                </a:solidFill>
-              </a:rPr>
-              <a:t>マイページ</a:t>
-            </a:r>
-            <a:endParaRPr b="1" sz="800">
-              <a:solidFill>
-                <a:schemeClr val="dk2"/>
-              </a:solidFill>
-            </a:endParaRPr>
-          </a:p>
-          <a:p>
-            <a:pPr indent="0" lvl="0" marL="0" rtl="0" algn="l">
-              <a:spcBef>
-                <a:spcPts val="0"/>
-              </a:spcBef>
-              <a:spcAft>
-                <a:spcPts val="0"/>
-              </a:spcAft>
-              <a:buNone/>
-            </a:pPr>
-            <a:r>
               <a:rPr lang="ja"/>
-              <a:t>のみ抜粋)</a:t>
+              <a:t>マイページのみ抜粋)</a:t>
             </a:r>
             <a:endParaRPr/>
           </a:p>
@@ -15901,7 +15877,7 @@
         </p:nvGrpSpPr>
         <p:grpSpPr>
           <a:xfrm>
-            <a:off x="4821888" y="2247750"/>
+            <a:off x="4821888" y="2245090"/>
             <a:ext cx="1173600" cy="648000"/>
             <a:chOff x="3985200" y="2247750"/>
             <a:chExt cx="1173600" cy="648000"/>
@@ -16103,50 +16079,15 @@
                     <a:schemeClr val="dk2"/>
                   </a:solidFill>
                 </a:rPr>
-                <a:t>・商品一覧</a:t>
-              </a:r>
-              <a:endParaRPr sz="700">
-                <a:solidFill>
-                  <a:schemeClr val="dk2"/>
-                </a:solidFill>
-              </a:endParaRPr>
-            </a:p>
-            <a:p>
-              <a:pPr indent="0" lvl="0" marL="0" rtl="0" algn="l">
-                <a:spcBef>
-                  <a:spcPts val="0"/>
-                </a:spcBef>
-                <a:spcAft>
-                  <a:spcPts val="0"/>
-                </a:spcAft>
-                <a:buNone/>
-              </a:pPr>
+                <a:t>・</a:t>
+              </a:r>
               <a:r>
                 <a:rPr lang="ja" sz="700">
                   <a:solidFill>
                     <a:schemeClr val="dk2"/>
                   </a:solidFill>
                 </a:rPr>
-                <a:t>・商品登録</a:t>
-              </a:r>
-              <a:endParaRPr sz="700">
-                <a:solidFill>
-                  <a:schemeClr val="dk2"/>
-                </a:solidFill>
-              </a:endParaRPr>
-            </a:p>
-            <a:p>
-              <a:pPr indent="0" lvl="0" marL="0" rtl="0" algn="l">
-                <a:spcBef>
-                  <a:spcPts val="0"/>
-                </a:spcBef>
-                <a:spcAft>
-                  <a:spcPts val="0"/>
-                </a:spcAft>
-                <a:buNone/>
-              </a:pPr>
-              <a:r>
-                <a:t/>
+                <a:t>商品詳細</a:t>
               </a:r>
               <a:endParaRPr sz="700">
                 <a:solidFill>
@@ -16165,7 +16106,7 @@
         </p:nvGrpSpPr>
         <p:grpSpPr>
           <a:xfrm>
-            <a:off x="4821888" y="1305950"/>
+            <a:off x="6569013" y="1305950"/>
             <a:ext cx="1173600" cy="648000"/>
             <a:chOff x="3985200" y="2247750"/>
             <a:chExt cx="1173600" cy="648000"/>
@@ -16264,7 +16205,15 @@
                     <a:schemeClr val="dk2"/>
                   </a:solidFill>
                 </a:rPr>
-                <a:t>商品一覧</a:t>
+                <a:t>商品</a:t>
+              </a:r>
+              <a:r>
+                <a:rPr b="1" lang="ja" sz="800">
+                  <a:solidFill>
+                    <a:schemeClr val="dk2"/>
+                  </a:solidFill>
+                </a:rPr>
+                <a:t>詳細</a:t>
               </a:r>
               <a:endParaRPr b="1" sz="800">
                 <a:solidFill>
@@ -16375,7 +16324,7 @@
                     <a:schemeClr val="dk2"/>
                   </a:solidFill>
                 </a:rPr>
-                <a:t>商品詳細</a:t>
+                <a:t>編集ボタン</a:t>
               </a:r>
               <a:endParaRPr sz="700">
                 <a:solidFill>
@@ -16386,44 +16335,15 @@
           </p:txBody>
         </p:sp>
       </p:grpSp>
-      <p:cxnSp>
-        <p:nvCxnSpPr>
-          <p:cNvPr id="297" name="Google Shape;297;p16"/>
-          <p:cNvCxnSpPr>
-            <a:stCxn id="289" idx="0"/>
-            <a:endCxn id="293" idx="2"/>
-          </p:cNvCxnSpPr>
-          <p:nvPr/>
-        </p:nvCxnSpPr>
-        <p:spPr>
-          <a:xfrm rot="10800000">
-            <a:off x="5408688" y="1954050"/>
-            <a:ext cx="0" cy="293700"/>
-          </a:xfrm>
-          <a:prstGeom prst="straightConnector1">
-            <a:avLst/>
-          </a:prstGeom>
-          <a:noFill/>
-          <a:ln cap="flat" cmpd="sng" w="9525">
-            <a:solidFill>
-              <a:schemeClr val="dk2"/>
-            </a:solidFill>
-            <a:prstDash val="solid"/>
-            <a:round/>
-            <a:headEnd len="med" w="med" type="none"/>
-            <a:tailEnd len="med" w="med" type="triangle"/>
-          </a:ln>
-        </p:spPr>
-      </p:cxnSp>
       <p:grpSp>
         <p:nvGrpSpPr>
-          <p:cNvPr id="298" name="Google Shape;298;p16"/>
+          <p:cNvPr id="297" name="Google Shape;297;p16"/>
           <p:cNvGrpSpPr/>
           <p:nvPr/>
         </p:nvGrpSpPr>
         <p:grpSpPr>
           <a:xfrm>
-            <a:off x="6569013" y="1305950"/>
+            <a:off x="4821888" y="3189550"/>
             <a:ext cx="1173600" cy="648000"/>
             <a:chOff x="3985200" y="2247750"/>
             <a:chExt cx="1173600" cy="648000"/>
@@ -16431,7 +16351,7 @@
         </p:grpSpPr>
         <p:sp>
           <p:nvSpPr>
-            <p:cNvPr id="299" name="Google Shape;299;p16"/>
+            <p:cNvPr id="298" name="Google Shape;298;p16"/>
             <p:cNvSpPr txBox="1"/>
             <p:nvPr/>
           </p:nvSpPr>
@@ -16484,7 +16404,7 @@
         </p:sp>
         <p:sp>
           <p:nvSpPr>
-            <p:cNvPr id="300" name="Google Shape;300;p16"/>
+            <p:cNvPr id="299" name="Google Shape;299;p16"/>
             <p:cNvSpPr txBox="1"/>
             <p:nvPr/>
           </p:nvSpPr>
@@ -16522,15 +16442,7 @@
                     <a:schemeClr val="dk2"/>
                   </a:solidFill>
                 </a:rPr>
-                <a:t>商品</a:t>
-              </a:r>
-              <a:r>
-                <a:rPr b="1" lang="ja" sz="800">
-                  <a:solidFill>
-                    <a:schemeClr val="dk2"/>
-                  </a:solidFill>
-                </a:rPr>
-                <a:t>詳細</a:t>
+                <a:t>商品登録</a:t>
               </a:r>
               <a:endParaRPr b="1" sz="800">
                 <a:solidFill>
@@ -16542,7 +16454,7 @@
         </p:sp>
         <p:sp>
           <p:nvSpPr>
-            <p:cNvPr id="301" name="Google Shape;301;p16"/>
+            <p:cNvPr id="300" name="Google Shape;300;p16"/>
             <p:cNvSpPr txBox="1"/>
             <p:nvPr/>
           </p:nvSpPr>
@@ -16595,7 +16507,7 @@
         </p:sp>
         <p:sp>
           <p:nvSpPr>
-            <p:cNvPr id="302" name="Google Shape;302;p16"/>
+            <p:cNvPr id="301" name="Google Shape;301;p16"/>
             <p:cNvSpPr txBox="1"/>
             <p:nvPr/>
           </p:nvSpPr>
@@ -16633,15 +16545,26 @@
                     <a:schemeClr val="dk2"/>
                   </a:solidFill>
                 </a:rPr>
-                <a:t>・</a:t>
-              </a:r>
-              <a:r>
-                <a:rPr lang="ja" sz="700">
-                  <a:solidFill>
-                    <a:schemeClr val="dk2"/>
-                  </a:solidFill>
-                </a:rPr>
-                <a:t>編集ボタン</a:t>
+                <a:t>・登録ボタン</a:t>
+              </a:r>
+              <a:endParaRPr sz="700">
+                <a:solidFill>
+                  <a:schemeClr val="dk2"/>
+                </a:solidFill>
+              </a:endParaRPr>
+            </a:p>
+            <a:p>
+              <a:pPr indent="0" lvl="0" marL="0" rtl="0" algn="l">
+                <a:spcBef>
+                  <a:spcPts val="0"/>
+                </a:spcBef>
+                <a:spcAft>
+                  <a:spcPts val="0"/>
+                </a:spcAft>
+                <a:buNone/>
+              </a:pPr>
+              <a:r>
+                <a:t/>
               </a:r>
               <a:endParaRPr sz="700">
                 <a:solidFill>
@@ -16654,13 +16577,13 @@
       </p:grpSp>
       <p:grpSp>
         <p:nvGrpSpPr>
-          <p:cNvPr id="303" name="Google Shape;303;p16"/>
+          <p:cNvPr id="302" name="Google Shape;302;p16"/>
           <p:cNvGrpSpPr/>
           <p:nvPr/>
         </p:nvGrpSpPr>
         <p:grpSpPr>
           <a:xfrm>
-            <a:off x="4821888" y="3189550"/>
+            <a:off x="6569063" y="2242175"/>
             <a:ext cx="1173600" cy="648000"/>
             <a:chOff x="3985200" y="2247750"/>
             <a:chExt cx="1173600" cy="648000"/>
@@ -16668,7 +16591,7 @@
         </p:grpSpPr>
         <p:sp>
           <p:nvSpPr>
-            <p:cNvPr id="304" name="Google Shape;304;p16"/>
+            <p:cNvPr id="303" name="Google Shape;303;p16"/>
             <p:cNvSpPr txBox="1"/>
             <p:nvPr/>
           </p:nvSpPr>
@@ -16721,7 +16644,7 @@
         </p:sp>
         <p:sp>
           <p:nvSpPr>
-            <p:cNvPr id="305" name="Google Shape;305;p16"/>
+            <p:cNvPr id="304" name="Google Shape;304;p16"/>
             <p:cNvSpPr txBox="1"/>
             <p:nvPr/>
           </p:nvSpPr>
@@ -16759,7 +16682,15 @@
                     <a:schemeClr val="dk2"/>
                   </a:solidFill>
                 </a:rPr>
-                <a:t>商品登録</a:t>
+                <a:t>商品</a:t>
+              </a:r>
+              <a:r>
+                <a:rPr b="1" lang="ja" sz="800">
+                  <a:solidFill>
+                    <a:schemeClr val="dk2"/>
+                  </a:solidFill>
+                </a:rPr>
+                <a:t>詳細編集</a:t>
               </a:r>
               <a:endParaRPr b="1" sz="800">
                 <a:solidFill>
@@ -16771,7 +16702,7 @@
         </p:sp>
         <p:sp>
           <p:nvSpPr>
-            <p:cNvPr id="306" name="Google Shape;306;p16"/>
+            <p:cNvPr id="305" name="Google Shape;305;p16"/>
             <p:cNvSpPr txBox="1"/>
             <p:nvPr/>
           </p:nvSpPr>
@@ -16824,7 +16755,7 @@
         </p:sp>
         <p:sp>
           <p:nvSpPr>
-            <p:cNvPr id="307" name="Google Shape;307;p16"/>
+            <p:cNvPr id="306" name="Google Shape;306;p16"/>
             <p:cNvSpPr txBox="1"/>
             <p:nvPr/>
           </p:nvSpPr>
@@ -16862,26 +16793,15 @@
                     <a:schemeClr val="dk2"/>
                   </a:solidFill>
                 </a:rPr>
-                <a:t>・登録ボタン</a:t>
-              </a:r>
-              <a:endParaRPr sz="700">
-                <a:solidFill>
-                  <a:schemeClr val="dk2"/>
-                </a:solidFill>
-              </a:endParaRPr>
-            </a:p>
-            <a:p>
-              <a:pPr indent="0" lvl="0" marL="0" rtl="0" algn="l">
-                <a:spcBef>
-                  <a:spcPts val="0"/>
-                </a:spcBef>
-                <a:spcAft>
-                  <a:spcPts val="0"/>
-                </a:spcAft>
-                <a:buNone/>
-              </a:pPr>
-              <a:r>
-                <a:t/>
+                <a:t>・</a:t>
+              </a:r>
+              <a:r>
+                <a:rPr lang="ja" sz="700">
+                  <a:solidFill>
+                    <a:schemeClr val="dk2"/>
+                  </a:solidFill>
+                </a:rPr>
+                <a:t>確認ボタン</a:t>
               </a:r>
               <a:endParaRPr sz="700">
                 <a:solidFill>
@@ -16892,23 +16812,166 @@
           </p:txBody>
         </p:sp>
       </p:grpSp>
+      <p:cxnSp>
+        <p:nvCxnSpPr>
+          <p:cNvPr id="307" name="Google Shape;307;p16"/>
+          <p:cNvCxnSpPr>
+            <a:stCxn id="288" idx="3"/>
+            <a:endCxn id="293" idx="1"/>
+          </p:cNvCxnSpPr>
+          <p:nvPr/>
+        </p:nvCxnSpPr>
+        <p:spPr>
+          <a:xfrm flipH="1" rot="10800000">
+            <a:off x="5995488" y="1630090"/>
+            <a:ext cx="573600" cy="939000"/>
+          </a:xfrm>
+          <a:prstGeom prst="straightConnector1">
+            <a:avLst/>
+          </a:prstGeom>
+          <a:noFill/>
+          <a:ln cap="flat" cmpd="sng" w="9525">
+            <a:solidFill>
+              <a:schemeClr val="dk2"/>
+            </a:solidFill>
+            <a:prstDash val="solid"/>
+            <a:round/>
+            <a:headEnd len="med" w="med" type="none"/>
+            <a:tailEnd len="med" w="med" type="triangle"/>
+          </a:ln>
+        </p:spPr>
+      </p:cxnSp>
+      <p:cxnSp>
+        <p:nvCxnSpPr>
+          <p:cNvPr id="308" name="Google Shape;308;p16"/>
+          <p:cNvCxnSpPr>
+            <a:endCxn id="304" idx="0"/>
+          </p:cNvCxnSpPr>
+          <p:nvPr/>
+        </p:nvCxnSpPr>
+        <p:spPr>
+          <a:xfrm>
+            <a:off x="7155863" y="1953875"/>
+            <a:ext cx="0" cy="288300"/>
+          </a:xfrm>
+          <a:prstGeom prst="straightConnector1">
+            <a:avLst/>
+          </a:prstGeom>
+          <a:noFill/>
+          <a:ln cap="flat" cmpd="sng" w="9525">
+            <a:solidFill>
+              <a:schemeClr val="dk2"/>
+            </a:solidFill>
+            <a:prstDash val="solid"/>
+            <a:round/>
+            <a:headEnd len="med" w="med" type="none"/>
+            <a:tailEnd len="med" w="med" type="triangle"/>
+          </a:ln>
+        </p:spPr>
+      </p:cxnSp>
+      <p:cxnSp>
+        <p:nvCxnSpPr>
+          <p:cNvPr id="309" name="Google Shape;309;p16"/>
+          <p:cNvCxnSpPr>
+            <a:stCxn id="288" idx="2"/>
+            <a:endCxn id="299" idx="0"/>
+          </p:cNvCxnSpPr>
+          <p:nvPr/>
+        </p:nvCxnSpPr>
+        <p:spPr>
+          <a:xfrm>
+            <a:off x="5408688" y="2893090"/>
+            <a:ext cx="0" cy="296400"/>
+          </a:xfrm>
+          <a:prstGeom prst="straightConnector1">
+            <a:avLst/>
+          </a:prstGeom>
+          <a:noFill/>
+          <a:ln cap="flat" cmpd="sng" w="9525">
+            <a:solidFill>
+              <a:schemeClr val="dk2"/>
+            </a:solidFill>
+            <a:prstDash val="solid"/>
+            <a:round/>
+            <a:headEnd len="med" w="med" type="none"/>
+            <a:tailEnd len="med" w="med" type="triangle"/>
+          </a:ln>
+        </p:spPr>
+      </p:cxnSp>
+      <p:cxnSp>
+        <p:nvCxnSpPr>
+          <p:cNvPr id="310" name="Google Shape;310;p16"/>
+          <p:cNvCxnSpPr>
+            <a:stCxn id="282" idx="3"/>
+            <a:endCxn id="311" idx="1"/>
+          </p:cNvCxnSpPr>
+          <p:nvPr/>
+        </p:nvCxnSpPr>
+        <p:spPr>
+          <a:xfrm>
+            <a:off x="4285213" y="2571750"/>
+            <a:ext cx="536700" cy="0"/>
+          </a:xfrm>
+          <a:prstGeom prst="straightConnector1">
+            <a:avLst/>
+          </a:prstGeom>
+          <a:noFill/>
+          <a:ln cap="flat" cmpd="sng" w="9525">
+            <a:solidFill>
+              <a:schemeClr val="dk2"/>
+            </a:solidFill>
+            <a:prstDash val="solid"/>
+            <a:round/>
+            <a:headEnd len="med" w="med" type="none"/>
+            <a:tailEnd len="med" w="med" type="triangle"/>
+          </a:ln>
+        </p:spPr>
+      </p:cxnSp>
+      <p:cxnSp>
+        <p:nvCxnSpPr>
+          <p:cNvPr id="312" name="Google Shape;312;p16"/>
+          <p:cNvCxnSpPr>
+            <a:endCxn id="282" idx="1"/>
+          </p:cNvCxnSpPr>
+          <p:nvPr/>
+        </p:nvCxnSpPr>
+        <p:spPr>
+          <a:xfrm>
+            <a:off x="2574913" y="2566050"/>
+            <a:ext cx="536700" cy="5700"/>
+          </a:xfrm>
+          <a:prstGeom prst="straightConnector1">
+            <a:avLst/>
+          </a:prstGeom>
+          <a:noFill/>
+          <a:ln cap="flat" cmpd="sng" w="9525">
+            <a:solidFill>
+              <a:schemeClr val="dk2"/>
+            </a:solidFill>
+            <a:prstDash val="solid"/>
+            <a:round/>
+            <a:headEnd len="med" w="med" type="none"/>
+            <a:tailEnd len="med" w="med" type="triangle"/>
+          </a:ln>
+        </p:spPr>
+      </p:cxnSp>
       <p:grpSp>
         <p:nvGrpSpPr>
-          <p:cNvPr id="308" name="Google Shape;308;p16"/>
+          <p:cNvPr id="313" name="Google Shape;313;p16"/>
           <p:cNvGrpSpPr/>
           <p:nvPr/>
         </p:nvGrpSpPr>
         <p:grpSpPr>
           <a:xfrm>
-            <a:off x="6569063" y="2242175"/>
-            <a:ext cx="1173600" cy="648000"/>
+            <a:off x="2264030" y="151100"/>
+            <a:ext cx="4594292" cy="648000"/>
             <a:chOff x="3985200" y="2247750"/>
             <a:chExt cx="1173600" cy="648000"/>
           </a:xfrm>
         </p:grpSpPr>
         <p:sp>
           <p:nvSpPr>
-            <p:cNvPr id="309" name="Google Shape;309;p16"/>
+            <p:cNvPr id="314" name="Google Shape;314;p16"/>
             <p:cNvSpPr txBox="1"/>
             <p:nvPr/>
           </p:nvSpPr>
@@ -16961,7 +17024,7 @@
         </p:sp>
         <p:sp>
           <p:nvSpPr>
-            <p:cNvPr id="310" name="Google Shape;310;p16"/>
+            <p:cNvPr id="315" name="Google Shape;315;p16"/>
             <p:cNvSpPr txBox="1"/>
             <p:nvPr/>
           </p:nvSpPr>
@@ -16999,15 +17062,7 @@
                     <a:schemeClr val="dk2"/>
                   </a:solidFill>
                 </a:rPr>
-                <a:t>商品</a:t>
-              </a:r>
-              <a:r>
-                <a:rPr b="1" lang="ja" sz="800">
-                  <a:solidFill>
-                    <a:schemeClr val="dk2"/>
-                  </a:solidFill>
-                </a:rPr>
-                <a:t>詳細編集</a:t>
+                <a:t>ヘッダーメニュー</a:t>
               </a:r>
               <a:endParaRPr b="1" sz="800">
                 <a:solidFill>
@@ -17019,7 +17074,7 @@
         </p:sp>
         <p:sp>
           <p:nvSpPr>
-            <p:cNvPr id="311" name="Google Shape;311;p16"/>
+            <p:cNvPr id="316" name="Google Shape;316;p16"/>
             <p:cNvSpPr txBox="1"/>
             <p:nvPr/>
           </p:nvSpPr>
@@ -17072,7 +17127,7 @@
         </p:sp>
         <p:sp>
           <p:nvSpPr>
-            <p:cNvPr id="312" name="Google Shape;312;p16"/>
+            <p:cNvPr id="317" name="Google Shape;317;p16"/>
             <p:cNvSpPr txBox="1"/>
             <p:nvPr/>
           </p:nvSpPr>
@@ -17110,19 +17165,59 @@
                     <a:schemeClr val="dk2"/>
                   </a:solidFill>
                 </a:rPr>
-                <a:t>・</a:t>
-              </a:r>
+                <a:t>・ホーム</a:t>
+              </a:r>
+              <a:endParaRPr sz="700">
+                <a:solidFill>
+                  <a:schemeClr val="dk2"/>
+                </a:solidFill>
+              </a:endParaRPr>
+            </a:p>
+            <a:p>
+              <a:pPr indent="0" lvl="0" marL="0" rtl="0" algn="l">
+                <a:spcBef>
+                  <a:spcPts val="0"/>
+                </a:spcBef>
+                <a:spcAft>
+                  <a:spcPts val="0"/>
+                </a:spcAft>
+                <a:buNone/>
+              </a:pPr>
               <a:r>
                 <a:rPr lang="ja" sz="700">
                   <a:solidFill>
-                    <a:schemeClr val="dk2"/>
+                    <a:srgbClr val="999999"/>
                   </a:solidFill>
                 </a:rPr>
-                <a:t>確認ボタン</a:t>
+                <a:t>・マイページ</a:t>
               </a:r>
               <a:endParaRPr sz="700">
                 <a:solidFill>
-                  <a:schemeClr val="dk2"/>
+                  <a:srgbClr val="999999"/>
+                </a:solidFill>
+              </a:endParaRPr>
+            </a:p>
+            <a:p>
+              <a:pPr indent="0" lvl="0" marL="0" rtl="0" algn="l">
+                <a:spcBef>
+                  <a:spcPts val="0"/>
+                </a:spcBef>
+                <a:spcAft>
+                  <a:spcPts val="0"/>
+                </a:spcAft>
+                <a:buNone/>
+              </a:pPr>
+              <a:r>
+                <a:rPr lang="ja" sz="700">
+                  <a:solidFill>
+                    <a:srgbClr val="999999"/>
+                  </a:solidFill>
+                </a:rPr>
+                <a:t>・カート</a:t>
+              </a:r>
+              <a:endParaRPr sz="700">
+                <a:solidFill>
+                  <a:srgbClr val="999999"/>
                 </a:solidFill>
               </a:endParaRPr>
             </a:p>
@@ -17131,16 +17226,16 @@
       </p:grpSp>
       <p:cxnSp>
         <p:nvCxnSpPr>
-          <p:cNvPr id="313" name="Google Shape;313;p16"/>
+          <p:cNvPr id="318" name="Google Shape;318;p16"/>
           <p:cNvCxnSpPr>
-            <a:endCxn id="299" idx="1"/>
+            <a:endCxn id="314" idx="2"/>
           </p:cNvCxnSpPr>
           <p:nvPr/>
         </p:nvCxnSpPr>
         <p:spPr>
-          <a:xfrm>
-            <a:off x="5995413" y="1629950"/>
-            <a:ext cx="573600" cy="0"/>
+          <a:xfrm rot="10800000">
+            <a:off x="4561176" y="799100"/>
+            <a:ext cx="0" cy="340800"/>
           </a:xfrm>
           <a:prstGeom prst="straightConnector1">
             <a:avLst/>
@@ -17159,101 +17254,17 @@
       </p:cxnSp>
       <p:cxnSp>
         <p:nvCxnSpPr>
-          <p:cNvPr id="314" name="Google Shape;314;p16"/>
+          <p:cNvPr id="319" name="Google Shape;319;p16"/>
           <p:cNvCxnSpPr>
-            <a:endCxn id="310" idx="0"/>
+            <a:stCxn id="288" idx="3"/>
+            <a:endCxn id="303" idx="1"/>
           </p:cNvCxnSpPr>
           <p:nvPr/>
         </p:nvCxnSpPr>
         <p:spPr>
-          <a:xfrm>
-            <a:off x="7155863" y="1953875"/>
-            <a:ext cx="0" cy="288300"/>
-          </a:xfrm>
-          <a:prstGeom prst="straightConnector1">
-            <a:avLst/>
-          </a:prstGeom>
-          <a:noFill/>
-          <a:ln cap="flat" cmpd="sng" w="9525">
-            <a:solidFill>
-              <a:schemeClr val="dk2"/>
-            </a:solidFill>
-            <a:prstDash val="solid"/>
-            <a:round/>
-            <a:headEnd len="med" w="med" type="none"/>
-            <a:tailEnd len="med" w="med" type="triangle"/>
-          </a:ln>
-        </p:spPr>
-      </p:cxnSp>
-      <p:cxnSp>
-        <p:nvCxnSpPr>
-          <p:cNvPr id="315" name="Google Shape;315;p16"/>
-          <p:cNvCxnSpPr>
-            <a:endCxn id="305" idx="0"/>
-          </p:cNvCxnSpPr>
-          <p:nvPr/>
-        </p:nvCxnSpPr>
-        <p:spPr>
-          <a:xfrm>
-            <a:off x="5408688" y="2895850"/>
-            <a:ext cx="0" cy="293700"/>
-          </a:xfrm>
-          <a:prstGeom prst="straightConnector1">
-            <a:avLst/>
-          </a:prstGeom>
-          <a:noFill/>
-          <a:ln cap="flat" cmpd="sng" w="9525">
-            <a:solidFill>
-              <a:schemeClr val="dk2"/>
-            </a:solidFill>
-            <a:prstDash val="solid"/>
-            <a:round/>
-            <a:headEnd len="med" w="med" type="none"/>
-            <a:tailEnd len="med" w="med" type="triangle"/>
-          </a:ln>
-        </p:spPr>
-      </p:cxnSp>
-      <p:cxnSp>
-        <p:nvCxnSpPr>
-          <p:cNvPr id="316" name="Google Shape;316;p16"/>
-          <p:cNvCxnSpPr>
-            <a:stCxn id="282" idx="3"/>
-            <a:endCxn id="288" idx="1"/>
-          </p:cNvCxnSpPr>
-          <p:nvPr/>
-        </p:nvCxnSpPr>
-        <p:spPr>
-          <a:xfrm>
-            <a:off x="4285213" y="2571750"/>
-            <a:ext cx="536700" cy="0"/>
-          </a:xfrm>
-          <a:prstGeom prst="straightConnector1">
-            <a:avLst/>
-          </a:prstGeom>
-          <a:noFill/>
-          <a:ln cap="flat" cmpd="sng" w="9525">
-            <a:solidFill>
-              <a:schemeClr val="dk2"/>
-            </a:solidFill>
-            <a:prstDash val="solid"/>
-            <a:round/>
-            <a:headEnd len="med" w="med" type="none"/>
-            <a:tailEnd len="med" w="med" type="triangle"/>
-          </a:ln>
-        </p:spPr>
-      </p:cxnSp>
-      <p:cxnSp>
-        <p:nvCxnSpPr>
-          <p:cNvPr id="317" name="Google Shape;317;p16"/>
-          <p:cNvCxnSpPr>
-            <a:endCxn id="282" idx="1"/>
-          </p:cNvCxnSpPr>
-          <p:nvPr/>
-        </p:nvCxnSpPr>
-        <p:spPr>
-          <a:xfrm>
-            <a:off x="2574913" y="2566050"/>
-            <a:ext cx="536700" cy="5700"/>
+          <a:xfrm flipH="1" rot="10800000">
+            <a:off x="5995488" y="2566090"/>
+            <a:ext cx="573600" cy="3000"/>
           </a:xfrm>
           <a:prstGeom prst="straightConnector1">
             <a:avLst/>
@@ -17272,21 +17283,21 @@
       </p:cxnSp>
       <p:grpSp>
         <p:nvGrpSpPr>
-          <p:cNvPr id="318" name="Google Shape;318;p16"/>
+          <p:cNvPr id="320" name="Google Shape;320;p16"/>
           <p:cNvGrpSpPr/>
           <p:nvPr/>
         </p:nvGrpSpPr>
         <p:grpSpPr>
           <a:xfrm>
-            <a:off x="2264030" y="151100"/>
-            <a:ext cx="4594292" cy="648000"/>
+            <a:off x="6569063" y="3189550"/>
+            <a:ext cx="1173600" cy="648000"/>
             <a:chOff x="3985200" y="2247750"/>
             <a:chExt cx="1173600" cy="648000"/>
           </a:xfrm>
         </p:grpSpPr>
         <p:sp>
           <p:nvSpPr>
-            <p:cNvPr id="319" name="Google Shape;319;p16"/>
+            <p:cNvPr id="321" name="Google Shape;321;p16"/>
             <p:cNvSpPr txBox="1"/>
             <p:nvPr/>
           </p:nvSpPr>
@@ -17339,7 +17350,7 @@
         </p:sp>
         <p:sp>
           <p:nvSpPr>
-            <p:cNvPr id="320" name="Google Shape;320;p16"/>
+            <p:cNvPr id="322" name="Google Shape;322;p16"/>
             <p:cNvSpPr txBox="1"/>
             <p:nvPr/>
           </p:nvSpPr>
@@ -17377,7 +17388,15 @@
                     <a:schemeClr val="dk2"/>
                   </a:solidFill>
                 </a:rPr>
-                <a:t>ヘッダーメニュー</a:t>
+                <a:t>商品</a:t>
+              </a:r>
+              <a:r>
+                <a:rPr b="1" lang="ja" sz="800">
+                  <a:solidFill>
+                    <a:schemeClr val="dk2"/>
+                  </a:solidFill>
+                </a:rPr>
+                <a:t>詳細編集確認</a:t>
               </a:r>
               <a:endParaRPr b="1" sz="800">
                 <a:solidFill>
@@ -17389,7 +17408,7 @@
         </p:sp>
         <p:sp>
           <p:nvSpPr>
-            <p:cNvPr id="321" name="Google Shape;321;p16"/>
+            <p:cNvPr id="323" name="Google Shape;323;p16"/>
             <p:cNvSpPr txBox="1"/>
             <p:nvPr/>
           </p:nvSpPr>
@@ -17442,7 +17461,7 @@
         </p:sp>
         <p:sp>
           <p:nvSpPr>
-            <p:cNvPr id="322" name="Google Shape;322;p16"/>
+            <p:cNvPr id="324" name="Google Shape;324;p16"/>
             <p:cNvSpPr txBox="1"/>
             <p:nvPr/>
           </p:nvSpPr>
@@ -17480,122 +17499,33 @@
                     <a:schemeClr val="dk2"/>
                   </a:solidFill>
                 </a:rPr>
-                <a:t>・ホーム</a:t>
-              </a:r>
-              <a:endParaRPr sz="700">
-                <a:solidFill>
-                  <a:schemeClr val="dk2"/>
-                </a:solidFill>
-              </a:endParaRPr>
-            </a:p>
-            <a:p>
-              <a:pPr indent="0" lvl="0" marL="0" rtl="0" algn="l">
-                <a:spcBef>
-                  <a:spcPts val="0"/>
-                </a:spcBef>
-                <a:spcAft>
-                  <a:spcPts val="0"/>
-                </a:spcAft>
-                <a:buNone/>
-              </a:pPr>
+                <a:t>・</a:t>
+              </a:r>
               <a:r>
                 <a:rPr lang="ja" sz="700">
                   <a:solidFill>
-                    <a:srgbClr val="999999"/>
+                    <a:schemeClr val="dk2"/>
                   </a:solidFill>
                 </a:rPr>
-                <a:t>・マイページ</a:t>
-              </a:r>
-              <a:endParaRPr sz="700">
-                <a:solidFill>
-                  <a:srgbClr val="999999"/>
-                </a:solidFill>
-              </a:endParaRPr>
-            </a:p>
-            <a:p>
-              <a:pPr indent="0" lvl="0" marL="0" rtl="0" algn="l">
-                <a:spcBef>
-                  <a:spcPts val="0"/>
-                </a:spcBef>
-                <a:spcAft>
-                  <a:spcPts val="0"/>
-                </a:spcAft>
-                <a:buNone/>
-              </a:pPr>
+                <a:t>更新</a:t>
+              </a:r>
               <a:r>
                 <a:rPr lang="ja" sz="700">
                   <a:solidFill>
-                    <a:srgbClr val="999999"/>
+                    <a:schemeClr val="dk2"/>
                   </a:solidFill>
                 </a:rPr>
-                <a:t>・カート</a:t>
+                <a:t>ボタン</a:t>
               </a:r>
               <a:endParaRPr sz="700">
                 <a:solidFill>
-                  <a:srgbClr val="999999"/>
+                  <a:schemeClr val="dk2"/>
                 </a:solidFill>
               </a:endParaRPr>
             </a:p>
           </p:txBody>
         </p:sp>
       </p:grpSp>
-      <p:cxnSp>
-        <p:nvCxnSpPr>
-          <p:cNvPr id="323" name="Google Shape;323;p16"/>
-          <p:cNvCxnSpPr>
-            <a:endCxn id="319" idx="2"/>
-          </p:cNvCxnSpPr>
-          <p:nvPr/>
-        </p:nvCxnSpPr>
-        <p:spPr>
-          <a:xfrm rot="10800000">
-            <a:off x="4561176" y="799100"/>
-            <a:ext cx="0" cy="340800"/>
-          </a:xfrm>
-          <a:prstGeom prst="straightConnector1">
-            <a:avLst/>
-          </a:prstGeom>
-          <a:noFill/>
-          <a:ln cap="flat" cmpd="sng" w="9525">
-            <a:solidFill>
-              <a:schemeClr val="dk2"/>
-            </a:solidFill>
-            <a:prstDash val="solid"/>
-            <a:round/>
-            <a:headEnd len="med" w="med" type="none"/>
-            <a:tailEnd len="med" w="med" type="triangle"/>
-          </a:ln>
-        </p:spPr>
-      </p:cxnSp>
-      <p:cxnSp>
-        <p:nvCxnSpPr>
-          <p:cNvPr id="324" name="Google Shape;324;p16"/>
-          <p:cNvCxnSpPr>
-            <a:stCxn id="293" idx="3"/>
-            <a:endCxn id="309" idx="1"/>
-          </p:cNvCxnSpPr>
-          <p:nvPr/>
-        </p:nvCxnSpPr>
-        <p:spPr>
-          <a:xfrm>
-            <a:off x="5995488" y="1629950"/>
-            <a:ext cx="573600" cy="936300"/>
-          </a:xfrm>
-          <a:prstGeom prst="straightConnector1">
-            <a:avLst/>
-          </a:prstGeom>
-          <a:noFill/>
-          <a:ln cap="flat" cmpd="sng" w="9525">
-            <a:solidFill>
-              <a:schemeClr val="dk2"/>
-            </a:solidFill>
-            <a:prstDash val="solid"/>
-            <a:round/>
-            <a:headEnd len="med" w="med" type="none"/>
-            <a:tailEnd len="med" w="med" type="triangle"/>
-          </a:ln>
-        </p:spPr>
-      </p:cxnSp>
       <p:grpSp>
         <p:nvGrpSpPr>
           <p:cNvPr id="325" name="Google Shape;325;p16"/>
@@ -17604,7 +17534,7 @@
         </p:nvGrpSpPr>
         <p:grpSpPr>
           <a:xfrm>
-            <a:off x="6569063" y="3189550"/>
+            <a:off x="6569063" y="4136925"/>
             <a:ext cx="1173600" cy="648000"/>
             <a:chOff x="3985200" y="2247750"/>
             <a:chExt cx="1173600" cy="648000"/>
@@ -17711,7 +17641,7 @@
                     <a:schemeClr val="dk2"/>
                   </a:solidFill>
                 </a:rPr>
-                <a:t>詳細編集確認</a:t>
+                <a:t>詳細変更完了</a:t>
               </a:r>
               <a:endParaRPr b="1" sz="800">
                 <a:solidFill>
@@ -17822,7 +17752,7 @@
                     <a:schemeClr val="dk2"/>
                   </a:solidFill>
                 </a:rPr>
-                <a:t>更新</a:t>
+                <a:t>戻る</a:t>
               </a:r>
               <a:r>
                 <a:rPr lang="ja" sz="700">
@@ -17841,256 +17771,11 @@
           </p:txBody>
         </p:sp>
       </p:grpSp>
-      <p:grpSp>
-        <p:nvGrpSpPr>
-          <p:cNvPr id="330" name="Google Shape;330;p16"/>
-          <p:cNvGrpSpPr/>
-          <p:nvPr/>
-        </p:nvGrpSpPr>
-        <p:grpSpPr>
-          <a:xfrm>
-            <a:off x="6569063" y="4136925"/>
-            <a:ext cx="1173600" cy="648000"/>
-            <a:chOff x="3985200" y="2247750"/>
-            <a:chExt cx="1173600" cy="648000"/>
-          </a:xfrm>
-        </p:grpSpPr>
-        <p:sp>
-          <p:nvSpPr>
-            <p:cNvPr id="331" name="Google Shape;331;p16"/>
-            <p:cNvSpPr txBox="1"/>
-            <p:nvPr/>
-          </p:nvSpPr>
-          <p:spPr>
-            <a:xfrm>
-              <a:off x="3985200" y="2247750"/>
-              <a:ext cx="1173600" cy="648000"/>
-            </a:xfrm>
-            <a:prstGeom prst="rect">
-              <a:avLst/>
-            </a:prstGeom>
-            <a:solidFill>
-              <a:srgbClr val="EFEFEF"/>
-            </a:solidFill>
-            <a:ln cap="flat" cmpd="sng" w="9525">
-              <a:solidFill>
-                <a:srgbClr val="000000"/>
-              </a:solidFill>
-              <a:prstDash val="solid"/>
-              <a:round/>
-              <a:headEnd len="sm" w="sm" type="none"/>
-              <a:tailEnd len="sm" w="sm" type="none"/>
-            </a:ln>
-          </p:spPr>
-          <p:txBody>
-            <a:bodyPr anchorCtr="0" anchor="t" bIns="91425" lIns="91425" spcFirstLastPara="1" rIns="91425" wrap="square" tIns="91425">
-              <a:noAutofit/>
-            </a:bodyPr>
-            <a:lstStyle/>
-            <a:p>
-              <a:pPr indent="0" lvl="0" marL="0" rtl="0" algn="l">
-                <a:spcBef>
-                  <a:spcPts val="0"/>
-                </a:spcBef>
-                <a:spcAft>
-                  <a:spcPts val="0"/>
-                </a:spcAft>
-                <a:buNone/>
-              </a:pPr>
-              <a:r>
-                <a:t/>
-              </a:r>
-              <a:endParaRPr sz="900">
-                <a:solidFill>
-                  <a:schemeClr val="dk2"/>
-                </a:solidFill>
-              </a:endParaRPr>
-            </a:p>
-          </p:txBody>
-        </p:sp>
-        <p:sp>
-          <p:nvSpPr>
-            <p:cNvPr id="332" name="Google Shape;332;p16"/>
-            <p:cNvSpPr txBox="1"/>
-            <p:nvPr/>
-          </p:nvSpPr>
-          <p:spPr>
-            <a:xfrm>
-              <a:off x="3985200" y="2247750"/>
-              <a:ext cx="1173600" cy="129600"/>
-            </a:xfrm>
-            <a:prstGeom prst="rect">
-              <a:avLst/>
-            </a:prstGeom>
-            <a:noFill/>
-            <a:ln>
-              <a:noFill/>
-            </a:ln>
-          </p:spPr>
-          <p:txBody>
-            <a:bodyPr anchorCtr="0" anchor="ctr" bIns="91425" lIns="91425" spcFirstLastPara="1" rIns="91425" wrap="square" tIns="91425">
-              <a:noAutofit/>
-            </a:bodyPr>
-            <a:lstStyle/>
-            <a:p>
-              <a:pPr indent="0" lvl="0" marL="0" rtl="0" algn="ctr">
-                <a:spcBef>
-                  <a:spcPts val="0"/>
-                </a:spcBef>
-                <a:spcAft>
-                  <a:spcPts val="0"/>
-                </a:spcAft>
-                <a:buNone/>
-              </a:pPr>
-              <a:r>
-                <a:rPr b="1" lang="ja" sz="800">
-                  <a:solidFill>
-                    <a:schemeClr val="dk2"/>
-                  </a:solidFill>
-                </a:rPr>
-                <a:t>商品</a:t>
-              </a:r>
-              <a:r>
-                <a:rPr b="1" lang="ja" sz="800">
-                  <a:solidFill>
-                    <a:schemeClr val="dk2"/>
-                  </a:solidFill>
-                </a:rPr>
-                <a:t>詳細変更完了</a:t>
-              </a:r>
-              <a:endParaRPr b="1" sz="800">
-                <a:solidFill>
-                  <a:schemeClr val="dk2"/>
-                </a:solidFill>
-              </a:endParaRPr>
-            </a:p>
-          </p:txBody>
-        </p:sp>
-        <p:sp>
-          <p:nvSpPr>
-            <p:cNvPr id="333" name="Google Shape;333;p16"/>
-            <p:cNvSpPr txBox="1"/>
-            <p:nvPr/>
-          </p:nvSpPr>
-          <p:spPr>
-            <a:xfrm>
-              <a:off x="4025400" y="2404575"/>
-              <a:ext cx="1096500" cy="451200"/>
-            </a:xfrm>
-            <a:prstGeom prst="rect">
-              <a:avLst/>
-            </a:prstGeom>
-            <a:solidFill>
-              <a:schemeClr val="lt1"/>
-            </a:solidFill>
-            <a:ln cap="flat" cmpd="sng" w="9525">
-              <a:solidFill>
-                <a:srgbClr val="000000"/>
-              </a:solidFill>
-              <a:prstDash val="dash"/>
-              <a:round/>
-              <a:headEnd len="sm" w="sm" type="none"/>
-              <a:tailEnd len="sm" w="sm" type="none"/>
-            </a:ln>
-          </p:spPr>
-          <p:txBody>
-            <a:bodyPr anchorCtr="0" anchor="t" bIns="91425" lIns="91425" spcFirstLastPara="1" rIns="91425" wrap="square" tIns="91425">
-              <a:noAutofit/>
-            </a:bodyPr>
-            <a:lstStyle/>
-            <a:p>
-              <a:pPr indent="0" lvl="0" marL="0" rtl="0" algn="l">
-                <a:spcBef>
-                  <a:spcPts val="0"/>
-                </a:spcBef>
-                <a:spcAft>
-                  <a:spcPts val="0"/>
-                </a:spcAft>
-                <a:buNone/>
-              </a:pPr>
-              <a:r>
-                <a:t/>
-              </a:r>
-              <a:endParaRPr sz="1800">
-                <a:solidFill>
-                  <a:schemeClr val="dk2"/>
-                </a:solidFill>
-              </a:endParaRPr>
-            </a:p>
-          </p:txBody>
-        </p:sp>
-        <p:sp>
-          <p:nvSpPr>
-            <p:cNvPr id="334" name="Google Shape;334;p16"/>
-            <p:cNvSpPr txBox="1"/>
-            <p:nvPr/>
-          </p:nvSpPr>
-          <p:spPr>
-            <a:xfrm>
-              <a:off x="4025400" y="2404575"/>
-              <a:ext cx="1096500" cy="451200"/>
-            </a:xfrm>
-            <a:prstGeom prst="rect">
-              <a:avLst/>
-            </a:prstGeom>
-            <a:noFill/>
-            <a:ln>
-              <a:noFill/>
-            </a:ln>
-          </p:spPr>
-          <p:txBody>
-            <a:bodyPr anchorCtr="0" anchor="t" bIns="91425" lIns="91425" spcFirstLastPara="1" rIns="91425" wrap="square" tIns="91425">
-              <a:noAutofit/>
-            </a:bodyPr>
-            <a:lstStyle/>
-            <a:p>
-              <a:pPr indent="0" lvl="0" marL="0" rtl="0" algn="l">
-                <a:spcBef>
-                  <a:spcPts val="0"/>
-                </a:spcBef>
-                <a:spcAft>
-                  <a:spcPts val="0"/>
-                </a:spcAft>
-                <a:buNone/>
-              </a:pPr>
-              <a:r>
-                <a:rPr lang="ja" sz="700">
-                  <a:solidFill>
-                    <a:schemeClr val="dk2"/>
-                  </a:solidFill>
-                </a:rPr>
-                <a:t>・</a:t>
-              </a:r>
-              <a:r>
-                <a:rPr lang="ja" sz="700">
-                  <a:solidFill>
-                    <a:schemeClr val="dk2"/>
-                  </a:solidFill>
-                </a:rPr>
-                <a:t>戻る</a:t>
-              </a:r>
-              <a:r>
-                <a:rPr lang="ja" sz="700">
-                  <a:solidFill>
-                    <a:schemeClr val="dk2"/>
-                  </a:solidFill>
-                </a:rPr>
-                <a:t>ボタン</a:t>
-              </a:r>
-              <a:endParaRPr sz="700">
-                <a:solidFill>
-                  <a:schemeClr val="dk2"/>
-                </a:solidFill>
-              </a:endParaRPr>
-            </a:p>
-          </p:txBody>
-        </p:sp>
-      </p:grpSp>
       <p:cxnSp>
         <p:nvCxnSpPr>
-          <p:cNvPr id="335" name="Google Shape;335;p16"/>
+          <p:cNvPr id="330" name="Google Shape;330;p16"/>
           <p:cNvCxnSpPr>
-            <a:endCxn id="327" idx="0"/>
+            <a:endCxn id="322" idx="0"/>
           </p:cNvCxnSpPr>
           <p:nvPr/>
         </p:nvCxnSpPr>
@@ -18116,9 +17801,9 @@
       </p:cxnSp>
       <p:cxnSp>
         <p:nvCxnSpPr>
-          <p:cNvPr id="336" name="Google Shape;336;p16"/>
+          <p:cNvPr id="331" name="Google Shape;331;p16"/>
           <p:cNvCxnSpPr>
-            <a:endCxn id="332" idx="0"/>
+            <a:endCxn id="327" idx="0"/>
           </p:cNvCxnSpPr>
           <p:nvPr/>
         </p:nvCxnSpPr>
@@ -18155,7 +17840,7 @@
   <p:cSld>
     <p:spTree>
       <p:nvGrpSpPr>
-        <p:cNvPr id="340" name="Shape 340"/>
+        <p:cNvPr id="335" name="Shape 335"/>
         <p:cNvGrpSpPr/>
         <p:nvPr/>
       </p:nvGrpSpPr>
@@ -18169,7 +17854,7 @@
       </p:grpSpPr>
       <p:sp>
         <p:nvSpPr>
-          <p:cNvPr id="341" name="Google Shape;341;p17"/>
+          <p:cNvPr id="336" name="Google Shape;336;p17"/>
           <p:cNvSpPr/>
           <p:nvPr/>
         </p:nvSpPr>
@@ -18218,13 +17903,234 @@
       </p:sp>
       <p:grpSp>
         <p:nvGrpSpPr>
+          <p:cNvPr id="337" name="Google Shape;337;p17"/>
+          <p:cNvGrpSpPr/>
+          <p:nvPr/>
+        </p:nvGrpSpPr>
+        <p:grpSpPr>
+          <a:xfrm>
+            <a:off x="1401338" y="2242175"/>
+            <a:ext cx="1173600" cy="648000"/>
+            <a:chOff x="3985200" y="2247750"/>
+            <a:chExt cx="1173600" cy="648000"/>
+          </a:xfrm>
+        </p:grpSpPr>
+        <p:sp>
+          <p:nvSpPr>
+            <p:cNvPr id="338" name="Google Shape;338;p17"/>
+            <p:cNvSpPr txBox="1"/>
+            <p:nvPr/>
+          </p:nvSpPr>
+          <p:spPr>
+            <a:xfrm>
+              <a:off x="3985200" y="2247750"/>
+              <a:ext cx="1173600" cy="648000"/>
+            </a:xfrm>
+            <a:prstGeom prst="rect">
+              <a:avLst/>
+            </a:prstGeom>
+            <a:solidFill>
+              <a:srgbClr val="EFEFEF"/>
+            </a:solidFill>
+            <a:ln cap="flat" cmpd="sng" w="9525">
+              <a:solidFill>
+                <a:srgbClr val="000000"/>
+              </a:solidFill>
+              <a:prstDash val="solid"/>
+              <a:round/>
+              <a:headEnd len="sm" w="sm" type="none"/>
+              <a:tailEnd len="sm" w="sm" type="none"/>
+            </a:ln>
+          </p:spPr>
+          <p:txBody>
+            <a:bodyPr anchorCtr="0" anchor="t" bIns="91425" lIns="91425" spcFirstLastPara="1" rIns="91425" wrap="square" tIns="91425">
+              <a:noAutofit/>
+            </a:bodyPr>
+            <a:lstStyle/>
+            <a:p>
+              <a:pPr indent="0" lvl="0" marL="0" rtl="0" algn="l">
+                <a:spcBef>
+                  <a:spcPts val="0"/>
+                </a:spcBef>
+                <a:spcAft>
+                  <a:spcPts val="0"/>
+                </a:spcAft>
+                <a:buNone/>
+              </a:pPr>
+              <a:r>
+                <a:t/>
+              </a:r>
+              <a:endParaRPr sz="900">
+                <a:solidFill>
+                  <a:schemeClr val="dk2"/>
+                </a:solidFill>
+              </a:endParaRPr>
+            </a:p>
+          </p:txBody>
+        </p:sp>
+        <p:sp>
+          <p:nvSpPr>
+            <p:cNvPr id="339" name="Google Shape;339;p17"/>
+            <p:cNvSpPr txBox="1"/>
+            <p:nvPr/>
+          </p:nvSpPr>
+          <p:spPr>
+            <a:xfrm>
+              <a:off x="3985200" y="2247750"/>
+              <a:ext cx="1173600" cy="129600"/>
+            </a:xfrm>
+            <a:prstGeom prst="rect">
+              <a:avLst/>
+            </a:prstGeom>
+            <a:noFill/>
+            <a:ln>
+              <a:noFill/>
+            </a:ln>
+          </p:spPr>
+          <p:txBody>
+            <a:bodyPr anchorCtr="0" anchor="ctr" bIns="91425" lIns="91425" spcFirstLastPara="1" rIns="91425" wrap="square" tIns="91425">
+              <a:noAutofit/>
+            </a:bodyPr>
+            <a:lstStyle/>
+            <a:p>
+              <a:pPr indent="0" lvl="0" marL="0" rtl="0" algn="ctr">
+                <a:spcBef>
+                  <a:spcPts val="0"/>
+                </a:spcBef>
+                <a:spcAft>
+                  <a:spcPts val="0"/>
+                </a:spcAft>
+                <a:buNone/>
+              </a:pPr>
+              <a:r>
+                <a:rPr b="1" lang="ja" sz="800">
+                  <a:solidFill>
+                    <a:schemeClr val="dk2"/>
+                  </a:solidFill>
+                </a:rPr>
+                <a:t>TOP</a:t>
+              </a:r>
+              <a:endParaRPr b="1" sz="800">
+                <a:solidFill>
+                  <a:schemeClr val="dk2"/>
+                </a:solidFill>
+              </a:endParaRPr>
+            </a:p>
+          </p:txBody>
+        </p:sp>
+        <p:sp>
+          <p:nvSpPr>
+            <p:cNvPr id="340" name="Google Shape;340;p17"/>
+            <p:cNvSpPr txBox="1"/>
+            <p:nvPr/>
+          </p:nvSpPr>
+          <p:spPr>
+            <a:xfrm>
+              <a:off x="4025400" y="2404575"/>
+              <a:ext cx="1096500" cy="451200"/>
+            </a:xfrm>
+            <a:prstGeom prst="rect">
+              <a:avLst/>
+            </a:prstGeom>
+            <a:solidFill>
+              <a:schemeClr val="lt1"/>
+            </a:solidFill>
+            <a:ln cap="flat" cmpd="sng" w="9525">
+              <a:solidFill>
+                <a:srgbClr val="000000"/>
+              </a:solidFill>
+              <a:prstDash val="dash"/>
+              <a:round/>
+              <a:headEnd len="sm" w="sm" type="none"/>
+              <a:tailEnd len="sm" w="sm" type="none"/>
+            </a:ln>
+          </p:spPr>
+          <p:txBody>
+            <a:bodyPr anchorCtr="0" anchor="t" bIns="91425" lIns="91425" spcFirstLastPara="1" rIns="91425" wrap="square" tIns="91425">
+              <a:noAutofit/>
+            </a:bodyPr>
+            <a:lstStyle/>
+            <a:p>
+              <a:pPr indent="0" lvl="0" marL="0" rtl="0" algn="l">
+                <a:spcBef>
+                  <a:spcPts val="0"/>
+                </a:spcBef>
+                <a:spcAft>
+                  <a:spcPts val="0"/>
+                </a:spcAft>
+                <a:buNone/>
+              </a:pPr>
+              <a:r>
+                <a:t/>
+              </a:r>
+              <a:endParaRPr sz="1800">
+                <a:solidFill>
+                  <a:schemeClr val="dk2"/>
+                </a:solidFill>
+              </a:endParaRPr>
+            </a:p>
+          </p:txBody>
+        </p:sp>
+        <p:sp>
+          <p:nvSpPr>
+            <p:cNvPr id="341" name="Google Shape;341;p17"/>
+            <p:cNvSpPr txBox="1"/>
+            <p:nvPr/>
+          </p:nvSpPr>
+          <p:spPr>
+            <a:xfrm>
+              <a:off x="4025400" y="2404575"/>
+              <a:ext cx="1096500" cy="451200"/>
+            </a:xfrm>
+            <a:prstGeom prst="rect">
+              <a:avLst/>
+            </a:prstGeom>
+            <a:noFill/>
+            <a:ln>
+              <a:noFill/>
+            </a:ln>
+          </p:spPr>
+          <p:txBody>
+            <a:bodyPr anchorCtr="0" anchor="t" bIns="91425" lIns="91425" spcFirstLastPara="1" rIns="91425" wrap="square" tIns="91425">
+              <a:noAutofit/>
+            </a:bodyPr>
+            <a:lstStyle/>
+            <a:p>
+              <a:pPr indent="0" lvl="0" marL="0" rtl="0" algn="l">
+                <a:spcBef>
+                  <a:spcPts val="0"/>
+                </a:spcBef>
+                <a:spcAft>
+                  <a:spcPts val="0"/>
+                </a:spcAft>
+                <a:buNone/>
+              </a:pPr>
+              <a:r>
+                <a:rPr lang="ja" sz="700">
+                  <a:solidFill>
+                    <a:schemeClr val="dk2"/>
+                  </a:solidFill>
+                </a:rPr>
+                <a:t>・ログイン</a:t>
+              </a:r>
+              <a:endParaRPr sz="700">
+                <a:solidFill>
+                  <a:schemeClr val="dk2"/>
+                </a:solidFill>
+              </a:endParaRPr>
+            </a:p>
+          </p:txBody>
+        </p:sp>
+      </p:grpSp>
+      <p:grpSp>
+        <p:nvGrpSpPr>
           <p:cNvPr id="342" name="Google Shape;342;p17"/>
           <p:cNvGrpSpPr/>
           <p:nvPr/>
         </p:nvGrpSpPr>
         <p:grpSpPr>
           <a:xfrm>
-            <a:off x="1401338" y="2242175"/>
+            <a:off x="3111613" y="2247750"/>
             <a:ext cx="1173600" cy="648000"/>
             <a:chOff x="3985200" y="2247750"/>
             <a:chExt cx="1173600" cy="648000"/>
@@ -18323,7 +18229,7 @@
                     <a:schemeClr val="dk2"/>
                   </a:solidFill>
                 </a:rPr>
-                <a:t>TOP</a:t>
+                <a:t>ホーム</a:t>
               </a:r>
               <a:endParaRPr b="1" sz="800">
                 <a:solidFill>
@@ -18423,10 +18329,58 @@
               <a:r>
                 <a:rPr lang="ja" sz="700">
                   <a:solidFill>
+                    <a:srgbClr val="B7B7B7"/>
+                  </a:solidFill>
+                </a:rPr>
+                <a:t>・マイページ</a:t>
+              </a:r>
+              <a:endParaRPr sz="700">
+                <a:solidFill>
+                  <a:srgbClr val="B7B7B7"/>
+                </a:solidFill>
+              </a:endParaRPr>
+            </a:p>
+            <a:p>
+              <a:pPr indent="0" lvl="0" marL="0" rtl="0" algn="l">
+                <a:spcBef>
+                  <a:spcPts val="0"/>
+                </a:spcBef>
+                <a:spcAft>
+                  <a:spcPts val="0"/>
+                </a:spcAft>
+                <a:buNone/>
+              </a:pPr>
+              <a:r>
+                <a:rPr lang="ja" sz="700">
+                  <a:solidFill>
+                    <a:srgbClr val="B7B7B7"/>
+                  </a:solidFill>
+                </a:rPr>
+                <a:t>・商品一覧</a:t>
+              </a:r>
+              <a:endParaRPr sz="700">
+                <a:solidFill>
+                  <a:srgbClr val="B7B7B7"/>
+                </a:solidFill>
+              </a:endParaRPr>
+            </a:p>
+            <a:p>
+              <a:pPr indent="0" lvl="0" marL="0" rtl="0" algn="l">
+                <a:spcBef>
+                  <a:spcPts val="0"/>
+                </a:spcBef>
+                <a:spcAft>
+                  <a:spcPts val="0"/>
+                </a:spcAft>
+                <a:buNone/>
+              </a:pPr>
+              <a:r>
+                <a:rPr lang="ja" sz="700">
+                  <a:solidFill>
                     <a:schemeClr val="dk2"/>
                   </a:solidFill>
                 </a:rPr>
-                <a:t>・ログイン</a:t>
+                <a:t>・商品管理</a:t>
               </a:r>
               <a:endParaRPr sz="700">
                 <a:solidFill>
@@ -18437,15 +18391,59 @@
           </p:txBody>
         </p:sp>
       </p:grpSp>
+      <p:sp>
+        <p:nvSpPr>
+          <p:cNvPr id="347" name="Google Shape;347;p17"/>
+          <p:cNvSpPr txBox="1"/>
+          <p:nvPr>
+            <p:ph type="title"/>
+          </p:nvPr>
+        </p:nvSpPr>
+        <p:spPr>
+          <a:xfrm>
+            <a:off x="0" y="0"/>
+            <a:ext cx="8520600" cy="572700"/>
+          </a:xfrm>
+          <a:prstGeom prst="rect">
+            <a:avLst/>
+          </a:prstGeom>
+        </p:spPr>
+        <p:txBody>
+          <a:bodyPr anchorCtr="0" anchor="t" bIns="91425" lIns="91425" spcFirstLastPara="1" rIns="91425" wrap="square" tIns="91425">
+            <a:normAutofit fontScale="90000"/>
+          </a:bodyPr>
+          <a:lstStyle/>
+          <a:p>
+            <a:pPr indent="0" lvl="0" marL="0" rtl="0" algn="l">
+              <a:spcBef>
+                <a:spcPts val="0"/>
+              </a:spcBef>
+              <a:spcAft>
+                <a:spcPts val="0"/>
+              </a:spcAft>
+              <a:buNone/>
+            </a:pPr>
+            <a:r>
+              <a:rPr lang="ja"/>
+              <a:t>販売</a:t>
+            </a:r>
+            <a:r>
+              <a:rPr lang="ja"/>
+              <a:t>担当者</a:t>
+            </a:r>
+            <a:endParaRPr/>
+          </a:p>
+        </p:txBody>
+      </p:sp>
       <p:grpSp>
         <p:nvGrpSpPr>
-          <p:cNvPr id="347" name="Google Shape;347;p17"/>
+          <p:cNvPr id="348" name="Google Shape;348;p17"/>
           <p:cNvGrpSpPr/>
           <p:nvPr/>
         </p:nvGrpSpPr>
         <p:grpSpPr>
           <a:xfrm>
-            <a:off x="3111613" y="2247750"/>
+            <a:off x="4821888" y="2247750"/>
             <a:ext cx="1173600" cy="648000"/>
             <a:chOff x="3985200" y="2247750"/>
             <a:chExt cx="1173600" cy="648000"/>
@@ -18453,7 +18451,7 @@
         </p:grpSpPr>
         <p:sp>
           <p:nvSpPr>
-            <p:cNvPr id="348" name="Google Shape;348;p17"/>
+            <p:cNvPr id="349" name="Google Shape;349;p17"/>
             <p:cNvSpPr txBox="1"/>
             <p:nvPr/>
           </p:nvSpPr>
@@ -18506,7 +18504,7 @@
         </p:sp>
         <p:sp>
           <p:nvSpPr>
-            <p:cNvPr id="349" name="Google Shape;349;p17"/>
+            <p:cNvPr id="350" name="Google Shape;350;p17"/>
             <p:cNvSpPr txBox="1"/>
             <p:nvPr/>
           </p:nvSpPr>
@@ -18544,7 +18542,7 @@
                     <a:schemeClr val="dk2"/>
                   </a:solidFill>
                 </a:rPr>
-                <a:t>ホーム</a:t>
+                <a:t>商品管理</a:t>
               </a:r>
               <a:endParaRPr b="1" sz="800">
                 <a:solidFill>
@@ -18556,7 +18554,7 @@
         </p:sp>
         <p:sp>
           <p:nvSpPr>
-            <p:cNvPr id="350" name="Google Shape;350;p17"/>
+            <p:cNvPr id="351" name="Google Shape;351;p17"/>
             <p:cNvSpPr txBox="1"/>
             <p:nvPr/>
           </p:nvSpPr>
@@ -18609,7 +18607,7 @@
         </p:sp>
         <p:sp>
           <p:nvSpPr>
-            <p:cNvPr id="351" name="Google Shape;351;p17"/>
+            <p:cNvPr id="352" name="Google Shape;352;p17"/>
             <p:cNvSpPr txBox="1"/>
             <p:nvPr/>
           </p:nvSpPr>
@@ -18644,38 +18642,14 @@
               <a:r>
                 <a:rPr lang="ja" sz="700">
                   <a:solidFill>
-                    <a:srgbClr val="B7B7B7"/>
-                  </a:solidFill>
-                </a:rPr>
-                <a:t>・マイページ</a:t>
-              </a:r>
-              <a:endParaRPr sz="700">
-                <a:solidFill>
-                  <a:srgbClr val="B7B7B7"/>
-                </a:solidFill>
-              </a:endParaRPr>
-            </a:p>
-            <a:p>
-              <a:pPr indent="0" lvl="0" marL="0" rtl="0" algn="l">
-                <a:spcBef>
-                  <a:spcPts val="0"/>
-                </a:spcBef>
-                <a:spcAft>
-                  <a:spcPts val="0"/>
-                </a:spcAft>
-                <a:buNone/>
-              </a:pPr>
-              <a:r>
-                <a:rPr lang="ja" sz="700">
-                  <a:solidFill>
-                    <a:srgbClr val="B7B7B7"/>
+                    <a:schemeClr val="dk2"/>
                   </a:solidFill>
                 </a:rPr>
                 <a:t>・商品一覧</a:t>
               </a:r>
               <a:endParaRPr sz="700">
                 <a:solidFill>
-                  <a:srgbClr val="B7B7B7"/>
+                  <a:schemeClr val="dk2"/>
                 </a:solidFill>
               </a:endParaRPr>
             </a:p>
@@ -18690,12 +18664,7 @@
                 <a:buNone/>
               </a:pPr>
               <a:r>
-                <a:rPr lang="ja" sz="700">
-                  <a:solidFill>
-                    <a:schemeClr val="dk2"/>
-                  </a:solidFill>
-                </a:rPr>
-                <a:t>・商品管理</a:t>
+                <a:t/>
               </a:r>
               <a:endParaRPr sz="700">
                 <a:solidFill>
@@ -18706,50 +18675,6 @@
           </p:txBody>
         </p:sp>
       </p:grpSp>
-      <p:sp>
-        <p:nvSpPr>
-          <p:cNvPr id="352" name="Google Shape;352;p17"/>
-          <p:cNvSpPr txBox="1"/>
-          <p:nvPr>
-            <p:ph type="title"/>
-          </p:nvPr>
-        </p:nvSpPr>
-        <p:spPr>
-          <a:xfrm>
-            <a:off x="0" y="0"/>
-            <a:ext cx="8520600" cy="572700"/>
-          </a:xfrm>
-          <a:prstGeom prst="rect">
-            <a:avLst/>
-          </a:prstGeom>
-        </p:spPr>
-        <p:txBody>
-          <a:bodyPr anchorCtr="0" anchor="t" bIns="91425" lIns="91425" spcFirstLastPara="1" rIns="91425" wrap="square" tIns="91425">
-            <a:normAutofit fontScale="90000"/>
-          </a:bodyPr>
-          <a:lstStyle/>
-          <a:p>
-            <a:pPr indent="0" lvl="0" marL="0" rtl="0" algn="l">
-              <a:spcBef>
-                <a:spcPts val="0"/>
-              </a:spcBef>
-              <a:spcAft>
-                <a:spcPts val="0"/>
-              </a:spcAft>
-              <a:buNone/>
-            </a:pPr>
-            <a:r>
-              <a:rPr lang="ja"/>
-              <a:t>販売</a:t>
-            </a:r>
-            <a:r>
-              <a:rPr lang="ja"/>
-              <a:t>担当者</a:t>
-            </a:r>
-            <a:endParaRPr/>
-          </a:p>
-        </p:txBody>
-      </p:sp>
       <p:grpSp>
         <p:nvGrpSpPr>
           <p:cNvPr id="353" name="Google Shape;353;p17"/>
@@ -18758,7 +18683,7 @@
         </p:nvGrpSpPr>
         <p:grpSpPr>
           <a:xfrm>
-            <a:off x="4821888" y="2247750"/>
+            <a:off x="4821888" y="1305950"/>
             <a:ext cx="1173600" cy="648000"/>
             <a:chOff x="3985200" y="2247750"/>
             <a:chExt cx="1173600" cy="648000"/>
@@ -18857,7 +18782,7 @@
                     <a:schemeClr val="dk2"/>
                   </a:solidFill>
                 </a:rPr>
-                <a:t>商品管理</a:t>
+                <a:t>商品一覧</a:t>
               </a:r>
               <a:endParaRPr b="1" sz="800">
                 <a:solidFill>
@@ -18960,26 +18885,7 @@
                     <a:schemeClr val="dk2"/>
                   </a:solidFill>
                 </a:rPr>
-                <a:t>・商品一覧</a:t>
-              </a:r>
-              <a:endParaRPr sz="700">
-                <a:solidFill>
-                  <a:schemeClr val="dk2"/>
-                </a:solidFill>
-              </a:endParaRPr>
-            </a:p>
-            <a:p>
-              <a:pPr indent="0" lvl="0" marL="0" rtl="0" algn="l">
-                <a:spcBef>
-                  <a:spcPts val="0"/>
-                </a:spcBef>
-                <a:spcAft>
-                  <a:spcPts val="0"/>
-                </a:spcAft>
-                <a:buNone/>
-              </a:pPr>
-              <a:r>
-                <a:t/>
+                <a:t>・商品詳細</a:t>
               </a:r>
               <a:endParaRPr sz="700">
                 <a:solidFill>
@@ -18990,15 +18896,44 @@
           </p:txBody>
         </p:sp>
       </p:grpSp>
+      <p:cxnSp>
+        <p:nvCxnSpPr>
+          <p:cNvPr id="358" name="Google Shape;358;p17"/>
+          <p:cNvCxnSpPr>
+            <a:stCxn id="350" idx="0"/>
+            <a:endCxn id="354" idx="2"/>
+          </p:cNvCxnSpPr>
+          <p:nvPr/>
+        </p:nvCxnSpPr>
+        <p:spPr>
+          <a:xfrm rot="10800000">
+            <a:off x="5408688" y="1954050"/>
+            <a:ext cx="0" cy="293700"/>
+          </a:xfrm>
+          <a:prstGeom prst="straightConnector1">
+            <a:avLst/>
+          </a:prstGeom>
+          <a:noFill/>
+          <a:ln cap="flat" cmpd="sng" w="9525">
+            <a:solidFill>
+              <a:schemeClr val="dk2"/>
+            </a:solidFill>
+            <a:prstDash val="solid"/>
+            <a:round/>
+            <a:headEnd len="med" w="med" type="none"/>
+            <a:tailEnd len="med" w="med" type="triangle"/>
+          </a:ln>
+        </p:spPr>
+      </p:cxnSp>
       <p:grpSp>
         <p:nvGrpSpPr>
-          <p:cNvPr id="358" name="Google Shape;358;p17"/>
+          <p:cNvPr id="359" name="Google Shape;359;p17"/>
           <p:cNvGrpSpPr/>
           <p:nvPr/>
         </p:nvGrpSpPr>
         <p:grpSpPr>
           <a:xfrm>
-            <a:off x="4821888" y="1305950"/>
+            <a:off x="6569013" y="1305950"/>
             <a:ext cx="1173600" cy="648000"/>
             <a:chOff x="3985200" y="2247750"/>
             <a:chExt cx="1173600" cy="648000"/>
@@ -19006,7 +18941,7 @@
         </p:grpSpPr>
         <p:sp>
           <p:nvSpPr>
-            <p:cNvPr id="359" name="Google Shape;359;p17"/>
+            <p:cNvPr id="360" name="Google Shape;360;p17"/>
             <p:cNvSpPr txBox="1"/>
             <p:nvPr/>
           </p:nvSpPr>
@@ -19059,7 +18994,7 @@
         </p:sp>
         <p:sp>
           <p:nvSpPr>
-            <p:cNvPr id="360" name="Google Shape;360;p17"/>
+            <p:cNvPr id="361" name="Google Shape;361;p17"/>
             <p:cNvSpPr txBox="1"/>
             <p:nvPr/>
           </p:nvSpPr>
@@ -19097,7 +19032,7 @@
                     <a:schemeClr val="dk2"/>
                   </a:solidFill>
                 </a:rPr>
-                <a:t>商品一覧</a:t>
+                <a:t>商品詳細</a:t>
               </a:r>
               <a:endParaRPr b="1" sz="800">
                 <a:solidFill>
@@ -19109,7 +19044,7 @@
         </p:sp>
         <p:sp>
           <p:nvSpPr>
-            <p:cNvPr id="361" name="Google Shape;361;p17"/>
+            <p:cNvPr id="362" name="Google Shape;362;p17"/>
             <p:cNvSpPr txBox="1"/>
             <p:nvPr/>
           </p:nvSpPr>
@@ -19162,7 +19097,7 @@
         </p:sp>
         <p:sp>
           <p:nvSpPr>
-            <p:cNvPr id="362" name="Google Shape;362;p17"/>
+            <p:cNvPr id="363" name="Google Shape;363;p17"/>
             <p:cNvSpPr txBox="1"/>
             <p:nvPr/>
           </p:nvSpPr>
@@ -19200,7 +19135,7 @@
                     <a:schemeClr val="dk2"/>
                   </a:solidFill>
                 </a:rPr>
-                <a:t>・商品詳細</a:t>
+                <a:t>・商品編集</a:t>
               </a:r>
               <a:endParaRPr sz="700">
                 <a:solidFill>
@@ -19213,17 +19148,73 @@
       </p:grpSp>
       <p:cxnSp>
         <p:nvCxnSpPr>
-          <p:cNvPr id="363" name="Google Shape;363;p17"/>
+          <p:cNvPr id="364" name="Google Shape;364;p17"/>
           <p:cNvCxnSpPr>
-            <a:stCxn id="355" idx="0"/>
-            <a:endCxn id="359" idx="2"/>
+            <a:endCxn id="360" idx="1"/>
           </p:cNvCxnSpPr>
           <p:nvPr/>
         </p:nvCxnSpPr>
         <p:spPr>
-          <a:xfrm rot="10800000">
-            <a:off x="5408688" y="1954050"/>
-            <a:ext cx="0" cy="293700"/>
+          <a:xfrm>
+            <a:off x="5995413" y="1629950"/>
+            <a:ext cx="573600" cy="0"/>
+          </a:xfrm>
+          <a:prstGeom prst="straightConnector1">
+            <a:avLst/>
+          </a:prstGeom>
+          <a:noFill/>
+          <a:ln cap="flat" cmpd="sng" w="9525">
+            <a:solidFill>
+              <a:schemeClr val="dk2"/>
+            </a:solidFill>
+            <a:prstDash val="solid"/>
+            <a:round/>
+            <a:headEnd len="med" w="med" type="none"/>
+            <a:tailEnd len="med" w="med" type="triangle"/>
+          </a:ln>
+        </p:spPr>
+      </p:cxnSp>
+      <p:cxnSp>
+        <p:nvCxnSpPr>
+          <p:cNvPr id="365" name="Google Shape;365;p17"/>
+          <p:cNvCxnSpPr>
+            <a:stCxn id="343" idx="3"/>
+            <a:endCxn id="349" idx="1"/>
+          </p:cNvCxnSpPr>
+          <p:nvPr/>
+        </p:nvCxnSpPr>
+        <p:spPr>
+          <a:xfrm>
+            <a:off x="4285213" y="2571750"/>
+            <a:ext cx="536700" cy="0"/>
+          </a:xfrm>
+          <a:prstGeom prst="straightConnector1">
+            <a:avLst/>
+          </a:prstGeom>
+          <a:noFill/>
+          <a:ln cap="flat" cmpd="sng" w="9525">
+            <a:solidFill>
+              <a:schemeClr val="dk2"/>
+            </a:solidFill>
+            <a:prstDash val="solid"/>
+            <a:round/>
+            <a:headEnd len="med" w="med" type="none"/>
+            <a:tailEnd len="med" w="med" type="triangle"/>
+          </a:ln>
+        </p:spPr>
+      </p:cxnSp>
+      <p:cxnSp>
+        <p:nvCxnSpPr>
+          <p:cNvPr id="366" name="Google Shape;366;p17"/>
+          <p:cNvCxnSpPr>
+            <a:endCxn id="343" idx="1"/>
+          </p:cNvCxnSpPr>
+          <p:nvPr/>
+        </p:nvCxnSpPr>
+        <p:spPr>
+          <a:xfrm>
+            <a:off x="2574913" y="2566050"/>
+            <a:ext cx="536700" cy="5700"/>
           </a:xfrm>
           <a:prstGeom prst="straightConnector1">
             <a:avLst/>
@@ -19242,21 +19233,21 @@
       </p:cxnSp>
       <p:grpSp>
         <p:nvGrpSpPr>
-          <p:cNvPr id="364" name="Google Shape;364;p17"/>
+          <p:cNvPr id="367" name="Google Shape;367;p17"/>
           <p:cNvGrpSpPr/>
           <p:nvPr/>
         </p:nvGrpSpPr>
         <p:grpSpPr>
           <a:xfrm>
-            <a:off x="6569013" y="1305950"/>
-            <a:ext cx="1173600" cy="648000"/>
+            <a:off x="2264030" y="151100"/>
+            <a:ext cx="4594292" cy="648000"/>
             <a:chOff x="3985200" y="2247750"/>
             <a:chExt cx="1173600" cy="648000"/>
           </a:xfrm>
         </p:grpSpPr>
         <p:sp>
           <p:nvSpPr>
-            <p:cNvPr id="365" name="Google Shape;365;p17"/>
+            <p:cNvPr id="368" name="Google Shape;368;p17"/>
             <p:cNvSpPr txBox="1"/>
             <p:nvPr/>
           </p:nvSpPr>
@@ -19309,7 +19300,7 @@
         </p:sp>
         <p:sp>
           <p:nvSpPr>
-            <p:cNvPr id="366" name="Google Shape;366;p17"/>
+            <p:cNvPr id="369" name="Google Shape;369;p17"/>
             <p:cNvSpPr txBox="1"/>
             <p:nvPr/>
           </p:nvSpPr>
@@ -19347,7 +19338,7 @@
                     <a:schemeClr val="dk2"/>
                   </a:solidFill>
                 </a:rPr>
-                <a:t>商品詳細</a:t>
+                <a:t>ヘッダーメニュー</a:t>
               </a:r>
               <a:endParaRPr b="1" sz="800">
                 <a:solidFill>
@@ -19359,7 +19350,7 @@
         </p:sp>
         <p:sp>
           <p:nvSpPr>
-            <p:cNvPr id="367" name="Google Shape;367;p17"/>
+            <p:cNvPr id="370" name="Google Shape;370;p17"/>
             <p:cNvSpPr txBox="1"/>
             <p:nvPr/>
           </p:nvSpPr>
@@ -19412,7 +19403,7 @@
         </p:sp>
         <p:sp>
           <p:nvSpPr>
-            <p:cNvPr id="368" name="Google Shape;368;p17"/>
+            <p:cNvPr id="371" name="Google Shape;371;p17"/>
             <p:cNvSpPr txBox="1"/>
             <p:nvPr/>
           </p:nvSpPr>
@@ -19450,312 +19441,6 @@
                     <a:schemeClr val="dk2"/>
                   </a:solidFill>
                 </a:rPr>
-                <a:t>・商品編集</a:t>
-              </a:r>
-              <a:endParaRPr sz="700">
-                <a:solidFill>
-                  <a:schemeClr val="dk2"/>
-                </a:solidFill>
-              </a:endParaRPr>
-            </a:p>
-          </p:txBody>
-        </p:sp>
-      </p:grpSp>
-      <p:cxnSp>
-        <p:nvCxnSpPr>
-          <p:cNvPr id="369" name="Google Shape;369;p17"/>
-          <p:cNvCxnSpPr>
-            <a:endCxn id="365" idx="1"/>
-          </p:cNvCxnSpPr>
-          <p:nvPr/>
-        </p:nvCxnSpPr>
-        <p:spPr>
-          <a:xfrm>
-            <a:off x="5995413" y="1629950"/>
-            <a:ext cx="573600" cy="0"/>
-          </a:xfrm>
-          <a:prstGeom prst="straightConnector1">
-            <a:avLst/>
-          </a:prstGeom>
-          <a:noFill/>
-          <a:ln cap="flat" cmpd="sng" w="9525">
-            <a:solidFill>
-              <a:schemeClr val="dk2"/>
-            </a:solidFill>
-            <a:prstDash val="solid"/>
-            <a:round/>
-            <a:headEnd len="med" w="med" type="none"/>
-            <a:tailEnd len="med" w="med" type="triangle"/>
-          </a:ln>
-        </p:spPr>
-      </p:cxnSp>
-      <p:cxnSp>
-        <p:nvCxnSpPr>
-          <p:cNvPr id="370" name="Google Shape;370;p17"/>
-          <p:cNvCxnSpPr>
-            <a:stCxn id="348" idx="3"/>
-            <a:endCxn id="354" idx="1"/>
-          </p:cNvCxnSpPr>
-          <p:nvPr/>
-        </p:nvCxnSpPr>
-        <p:spPr>
-          <a:xfrm>
-            <a:off x="4285213" y="2571750"/>
-            <a:ext cx="536700" cy="0"/>
-          </a:xfrm>
-          <a:prstGeom prst="straightConnector1">
-            <a:avLst/>
-          </a:prstGeom>
-          <a:noFill/>
-          <a:ln cap="flat" cmpd="sng" w="9525">
-            <a:solidFill>
-              <a:schemeClr val="dk2"/>
-            </a:solidFill>
-            <a:prstDash val="solid"/>
-            <a:round/>
-            <a:headEnd len="med" w="med" type="none"/>
-            <a:tailEnd len="med" w="med" type="triangle"/>
-          </a:ln>
-        </p:spPr>
-      </p:cxnSp>
-      <p:cxnSp>
-        <p:nvCxnSpPr>
-          <p:cNvPr id="371" name="Google Shape;371;p17"/>
-          <p:cNvCxnSpPr>
-            <a:endCxn id="348" idx="1"/>
-          </p:cNvCxnSpPr>
-          <p:nvPr/>
-        </p:nvCxnSpPr>
-        <p:spPr>
-          <a:xfrm>
-            <a:off x="2574913" y="2566050"/>
-            <a:ext cx="536700" cy="5700"/>
-          </a:xfrm>
-          <a:prstGeom prst="straightConnector1">
-            <a:avLst/>
-          </a:prstGeom>
-          <a:noFill/>
-          <a:ln cap="flat" cmpd="sng" w="9525">
-            <a:solidFill>
-              <a:schemeClr val="dk2"/>
-            </a:solidFill>
-            <a:prstDash val="solid"/>
-            <a:round/>
-            <a:headEnd len="med" w="med" type="none"/>
-            <a:tailEnd len="med" w="med" type="triangle"/>
-          </a:ln>
-        </p:spPr>
-      </p:cxnSp>
-      <p:grpSp>
-        <p:nvGrpSpPr>
-          <p:cNvPr id="372" name="Google Shape;372;p17"/>
-          <p:cNvGrpSpPr/>
-          <p:nvPr/>
-        </p:nvGrpSpPr>
-        <p:grpSpPr>
-          <a:xfrm>
-            <a:off x="2264030" y="151100"/>
-            <a:ext cx="4594292" cy="648000"/>
-            <a:chOff x="3985200" y="2247750"/>
-            <a:chExt cx="1173600" cy="648000"/>
-          </a:xfrm>
-        </p:grpSpPr>
-        <p:sp>
-          <p:nvSpPr>
-            <p:cNvPr id="373" name="Google Shape;373;p17"/>
-            <p:cNvSpPr txBox="1"/>
-            <p:nvPr/>
-          </p:nvSpPr>
-          <p:spPr>
-            <a:xfrm>
-              <a:off x="3985200" y="2247750"/>
-              <a:ext cx="1173600" cy="648000"/>
-            </a:xfrm>
-            <a:prstGeom prst="rect">
-              <a:avLst/>
-            </a:prstGeom>
-            <a:solidFill>
-              <a:srgbClr val="EFEFEF"/>
-            </a:solidFill>
-            <a:ln cap="flat" cmpd="sng" w="9525">
-              <a:solidFill>
-                <a:srgbClr val="000000"/>
-              </a:solidFill>
-              <a:prstDash val="solid"/>
-              <a:round/>
-              <a:headEnd len="sm" w="sm" type="none"/>
-              <a:tailEnd len="sm" w="sm" type="none"/>
-            </a:ln>
-          </p:spPr>
-          <p:txBody>
-            <a:bodyPr anchorCtr="0" anchor="t" bIns="91425" lIns="91425" spcFirstLastPara="1" rIns="91425" wrap="square" tIns="91425">
-              <a:noAutofit/>
-            </a:bodyPr>
-            <a:lstStyle/>
-            <a:p>
-              <a:pPr indent="0" lvl="0" marL="0" rtl="0" algn="l">
-                <a:spcBef>
-                  <a:spcPts val="0"/>
-                </a:spcBef>
-                <a:spcAft>
-                  <a:spcPts val="0"/>
-                </a:spcAft>
-                <a:buNone/>
-              </a:pPr>
-              <a:r>
-                <a:t/>
-              </a:r>
-              <a:endParaRPr sz="900">
-                <a:solidFill>
-                  <a:schemeClr val="dk2"/>
-                </a:solidFill>
-              </a:endParaRPr>
-            </a:p>
-          </p:txBody>
-        </p:sp>
-        <p:sp>
-          <p:nvSpPr>
-            <p:cNvPr id="374" name="Google Shape;374;p17"/>
-            <p:cNvSpPr txBox="1"/>
-            <p:nvPr/>
-          </p:nvSpPr>
-          <p:spPr>
-            <a:xfrm>
-              <a:off x="3985200" y="2247750"/>
-              <a:ext cx="1173600" cy="129600"/>
-            </a:xfrm>
-            <a:prstGeom prst="rect">
-              <a:avLst/>
-            </a:prstGeom>
-            <a:noFill/>
-            <a:ln>
-              <a:noFill/>
-            </a:ln>
-          </p:spPr>
-          <p:txBody>
-            <a:bodyPr anchorCtr="0" anchor="ctr" bIns="91425" lIns="91425" spcFirstLastPara="1" rIns="91425" wrap="square" tIns="91425">
-              <a:noAutofit/>
-            </a:bodyPr>
-            <a:lstStyle/>
-            <a:p>
-              <a:pPr indent="0" lvl="0" marL="0" rtl="0" algn="ctr">
-                <a:spcBef>
-                  <a:spcPts val="0"/>
-                </a:spcBef>
-                <a:spcAft>
-                  <a:spcPts val="0"/>
-                </a:spcAft>
-                <a:buNone/>
-              </a:pPr>
-              <a:r>
-                <a:rPr b="1" lang="ja" sz="800">
-                  <a:solidFill>
-                    <a:schemeClr val="dk2"/>
-                  </a:solidFill>
-                </a:rPr>
-                <a:t>ヘッダーメニュー</a:t>
-              </a:r>
-              <a:endParaRPr b="1" sz="800">
-                <a:solidFill>
-                  <a:schemeClr val="dk2"/>
-                </a:solidFill>
-              </a:endParaRPr>
-            </a:p>
-          </p:txBody>
-        </p:sp>
-        <p:sp>
-          <p:nvSpPr>
-            <p:cNvPr id="375" name="Google Shape;375;p17"/>
-            <p:cNvSpPr txBox="1"/>
-            <p:nvPr/>
-          </p:nvSpPr>
-          <p:spPr>
-            <a:xfrm>
-              <a:off x="4025400" y="2404575"/>
-              <a:ext cx="1096500" cy="451200"/>
-            </a:xfrm>
-            <a:prstGeom prst="rect">
-              <a:avLst/>
-            </a:prstGeom>
-            <a:solidFill>
-              <a:schemeClr val="lt1"/>
-            </a:solidFill>
-            <a:ln cap="flat" cmpd="sng" w="9525">
-              <a:solidFill>
-                <a:srgbClr val="000000"/>
-              </a:solidFill>
-              <a:prstDash val="dash"/>
-              <a:round/>
-              <a:headEnd len="sm" w="sm" type="none"/>
-              <a:tailEnd len="sm" w="sm" type="none"/>
-            </a:ln>
-          </p:spPr>
-          <p:txBody>
-            <a:bodyPr anchorCtr="0" anchor="t" bIns="91425" lIns="91425" spcFirstLastPara="1" rIns="91425" wrap="square" tIns="91425">
-              <a:noAutofit/>
-            </a:bodyPr>
-            <a:lstStyle/>
-            <a:p>
-              <a:pPr indent="0" lvl="0" marL="0" rtl="0" algn="l">
-                <a:spcBef>
-                  <a:spcPts val="0"/>
-                </a:spcBef>
-                <a:spcAft>
-                  <a:spcPts val="0"/>
-                </a:spcAft>
-                <a:buNone/>
-              </a:pPr>
-              <a:r>
-                <a:t/>
-              </a:r>
-              <a:endParaRPr sz="1800">
-                <a:solidFill>
-                  <a:schemeClr val="dk2"/>
-                </a:solidFill>
-              </a:endParaRPr>
-            </a:p>
-          </p:txBody>
-        </p:sp>
-        <p:sp>
-          <p:nvSpPr>
-            <p:cNvPr id="376" name="Google Shape;376;p17"/>
-            <p:cNvSpPr txBox="1"/>
-            <p:nvPr/>
-          </p:nvSpPr>
-          <p:spPr>
-            <a:xfrm>
-              <a:off x="4025400" y="2404575"/>
-              <a:ext cx="1096500" cy="451200"/>
-            </a:xfrm>
-            <a:prstGeom prst="rect">
-              <a:avLst/>
-            </a:prstGeom>
-            <a:noFill/>
-            <a:ln>
-              <a:noFill/>
-            </a:ln>
-          </p:spPr>
-          <p:txBody>
-            <a:bodyPr anchorCtr="0" anchor="t" bIns="91425" lIns="91425" spcFirstLastPara="1" rIns="91425" wrap="square" tIns="91425">
-              <a:noAutofit/>
-            </a:bodyPr>
-            <a:lstStyle/>
-            <a:p>
-              <a:pPr indent="0" lvl="0" marL="0" rtl="0" algn="l">
-                <a:spcBef>
-                  <a:spcPts val="0"/>
-                </a:spcBef>
-                <a:spcAft>
-                  <a:spcPts val="0"/>
-                </a:spcAft>
-                <a:buNone/>
-              </a:pPr>
-              <a:r>
-                <a:rPr lang="ja" sz="700">
-                  <a:solidFill>
-                    <a:schemeClr val="dk2"/>
-                  </a:solidFill>
-                </a:rPr>
                 <a:t>・ホーム</a:t>
               </a:r>
               <a:endParaRPr sz="700">
@@ -19817,10 +19502,10 @@
       </p:grpSp>
       <p:cxnSp>
         <p:nvCxnSpPr>
-          <p:cNvPr id="377" name="Google Shape;377;p17"/>
+          <p:cNvPr id="372" name="Google Shape;372;p17"/>
           <p:cNvCxnSpPr>
-            <a:stCxn id="341" idx="0"/>
-            <a:endCxn id="373" idx="2"/>
+            <a:stCxn id="336" idx="0"/>
+            <a:endCxn id="368" idx="2"/>
           </p:cNvCxnSpPr>
           <p:nvPr/>
         </p:nvCxnSpPr>

--- a/画面遷移図.pptx
+++ b/画面遷移図.pptx
@@ -794,7 +794,7 @@
   <p:cSld>
     <p:spTree>
       <p:nvGrpSpPr>
-        <p:cNvPr id="140" name="Shape 140"/>
+        <p:cNvPr id="126" name="Shape 126"/>
         <p:cNvGrpSpPr/>
         <p:nvPr/>
       </p:nvGrpSpPr>
@@ -808,7 +808,7 @@
       </p:grpSpPr>
       <p:sp>
         <p:nvSpPr>
-          <p:cNvPr id="141" name="Google Shape;141;g2de79247aff_0_24:notes"/>
+          <p:cNvPr id="127" name="Google Shape;127;g2de79247aff_0_24:notes"/>
           <p:cNvSpPr/>
           <p:nvPr>
             <p:ph idx="2" type="sldImg"/>
@@ -843,7 +843,7 @@
       </p:sp>
       <p:sp>
         <p:nvSpPr>
-          <p:cNvPr id="142" name="Google Shape;142;g2de79247aff_0_24:notes"/>
+          <p:cNvPr id="128" name="Google Shape;128;g2de79247aff_0_24:notes"/>
           <p:cNvSpPr txBox="1"/>
           <p:nvPr>
             <p:ph idx="1" type="body"/>
@@ -893,7 +893,7 @@
   <p:cSld>
     <p:spTree>
       <p:nvGrpSpPr>
-        <p:cNvPr id="217" name="Shape 217"/>
+        <p:cNvPr id="203" name="Shape 203"/>
         <p:cNvGrpSpPr/>
         <p:nvPr/>
       </p:nvGrpSpPr>
@@ -907,7 +907,7 @@
       </p:grpSpPr>
       <p:sp>
         <p:nvSpPr>
-          <p:cNvPr id="218" name="Google Shape;218;g2de79247aff_0_236:notes"/>
+          <p:cNvPr id="204" name="Google Shape;204;g2de79247aff_0_236:notes"/>
           <p:cNvSpPr/>
           <p:nvPr>
             <p:ph idx="2" type="sldImg"/>
@@ -942,7 +942,7 @@
       </p:sp>
       <p:sp>
         <p:nvSpPr>
-          <p:cNvPr id="219" name="Google Shape;219;g2de79247aff_0_236:notes"/>
+          <p:cNvPr id="205" name="Google Shape;205;g2de79247aff_0_236:notes"/>
           <p:cNvSpPr txBox="1"/>
           <p:nvPr>
             <p:ph idx="1" type="body"/>
@@ -992,7 +992,7 @@
   <p:cSld>
     <p:spTree>
       <p:nvGrpSpPr>
-        <p:cNvPr id="271" name="Shape 271"/>
+        <p:cNvPr id="257" name="Shape 257"/>
         <p:cNvGrpSpPr/>
         <p:nvPr/>
       </p:nvGrpSpPr>
@@ -1006,7 +1006,7 @@
       </p:grpSpPr>
       <p:sp>
         <p:nvSpPr>
-          <p:cNvPr id="272" name="Google Shape;272;g2de390b1053_1_123:notes"/>
+          <p:cNvPr id="258" name="Google Shape;258;g2de390b1053_1_123:notes"/>
           <p:cNvSpPr/>
           <p:nvPr>
             <p:ph idx="2" type="sldImg"/>
@@ -1041,7 +1041,7 @@
       </p:sp>
       <p:sp>
         <p:nvSpPr>
-          <p:cNvPr id="273" name="Google Shape;273;g2de390b1053_1_123:notes"/>
+          <p:cNvPr id="259" name="Google Shape;259;g2de390b1053_1_123:notes"/>
           <p:cNvSpPr txBox="1"/>
           <p:nvPr>
             <p:ph idx="1" type="body"/>
@@ -1091,7 +1091,7 @@
   <p:cSld>
     <p:spTree>
       <p:nvGrpSpPr>
-        <p:cNvPr id="332" name="Shape 332"/>
+        <p:cNvPr id="318" name="Shape 318"/>
         <p:cNvGrpSpPr/>
         <p:nvPr/>
       </p:nvGrpSpPr>
@@ -1105,7 +1105,7 @@
       </p:grpSpPr>
       <p:sp>
         <p:nvSpPr>
-          <p:cNvPr id="333" name="Google Shape;333;g2de390b1053_1_221:notes"/>
+          <p:cNvPr id="319" name="Google Shape;319;g2de390b1053_1_221:notes"/>
           <p:cNvSpPr/>
           <p:nvPr>
             <p:ph idx="2" type="sldImg"/>
@@ -1140,7 +1140,7 @@
       </p:sp>
       <p:sp>
         <p:nvSpPr>
-          <p:cNvPr id="334" name="Google Shape;334;g2de390b1053_1_221:notes"/>
+          <p:cNvPr id="320" name="Google Shape;320;g2de390b1053_1_221:notes"/>
           <p:cNvSpPr txBox="1"/>
           <p:nvPr>
             <p:ph idx="1" type="body"/>
@@ -5859,7 +5859,7 @@
         </p:nvSpPr>
         <p:spPr>
           <a:xfrm>
-            <a:off x="243150" y="1019800"/>
+            <a:off x="243150" y="1248400"/>
             <a:ext cx="8657700" cy="3825600"/>
           </a:xfrm>
           <a:prstGeom prst="rect">
@@ -5908,7 +5908,7 @@
         </p:nvGrpSpPr>
         <p:grpSpPr>
           <a:xfrm>
-            <a:off x="3888363" y="4118925"/>
+            <a:off x="7308938" y="1540175"/>
             <a:ext cx="1173600" cy="648000"/>
             <a:chOff x="3985200" y="2247750"/>
             <a:chExt cx="1173600" cy="648000"/>
@@ -6153,10 +6153,10 @@
         </p:nvGrpSpPr>
         <p:grpSpPr>
           <a:xfrm>
-            <a:off x="3888400" y="3177025"/>
-            <a:ext cx="1173600" cy="648000"/>
-            <a:chOff x="3985200" y="2247750"/>
-            <a:chExt cx="1173600" cy="648000"/>
+            <a:off x="7308938" y="2476350"/>
+            <a:ext cx="1210500" cy="648000"/>
+            <a:chOff x="3948300" y="2247750"/>
+            <a:chExt cx="1210500" cy="648000"/>
           </a:xfrm>
         </p:grpSpPr>
         <p:sp>
@@ -6220,7 +6220,7 @@
           </p:nvSpPr>
           <p:spPr>
             <a:xfrm>
-              <a:off x="3985200" y="2247750"/>
+              <a:off x="3948300" y="2247750"/>
               <a:ext cx="1173600" cy="129600"/>
             </a:xfrm>
             <a:prstGeom prst="rect">
@@ -6252,7 +6252,7 @@
                     <a:schemeClr val="dk2"/>
                   </a:solidFill>
                 </a:rPr>
-                <a:t>ホーム</a:t>
+                <a:t>会員登録</a:t>
               </a:r>
               <a:endParaRPr b="1" sz="800">
                 <a:solidFill>
@@ -6355,31 +6355,7 @@
                     <a:schemeClr val="dk2"/>
                   </a:solidFill>
                 </a:rPr>
-                <a:t>・マイページ</a:t>
-              </a:r>
-              <a:endParaRPr sz="700">
-                <a:solidFill>
-                  <a:schemeClr val="dk2"/>
-                </a:solidFill>
-              </a:endParaRPr>
-            </a:p>
-            <a:p>
-              <a:pPr indent="0" lvl="0" marL="0" rtl="0" algn="l">
-                <a:spcBef>
-                  <a:spcPts val="0"/>
-                </a:spcBef>
-                <a:spcAft>
-                  <a:spcPts val="0"/>
-                </a:spcAft>
-                <a:buNone/>
-              </a:pPr>
-              <a:r>
-                <a:rPr lang="ja" sz="700">
-                  <a:solidFill>
-                    <a:schemeClr val="dk2"/>
-                  </a:solidFill>
-                </a:rPr>
-                <a:t>・商品一覧</a:t>
+                <a:t>・登録ボタン</a:t>
               </a:r>
               <a:endParaRPr sz="700">
                 <a:solidFill>
@@ -6398,10 +6374,10 @@
         </p:nvGrpSpPr>
         <p:grpSpPr>
           <a:xfrm>
-            <a:off x="2125988" y="4118825"/>
-            <a:ext cx="1210500" cy="648000"/>
-            <a:chOff x="3948300" y="2247750"/>
-            <a:chExt cx="1210500" cy="648000"/>
+            <a:off x="3888438" y="3405625"/>
+            <a:ext cx="1173600" cy="648000"/>
+            <a:chOff x="3985200" y="2247750"/>
+            <a:chExt cx="1173600" cy="648000"/>
           </a:xfrm>
         </p:grpSpPr>
         <p:sp>
@@ -6465,7 +6441,7 @@
           </p:nvSpPr>
           <p:spPr>
             <a:xfrm>
-              <a:off x="3948300" y="2247750"/>
+              <a:off x="3985200" y="2247750"/>
               <a:ext cx="1173600" cy="129600"/>
             </a:xfrm>
             <a:prstGeom prst="rect">
@@ -6497,7 +6473,7 @@
                     <a:schemeClr val="dk2"/>
                   </a:solidFill>
                 </a:rPr>
-                <a:t>会員登録</a:t>
+                <a:t>ホーム(商品一覧)</a:t>
               </a:r>
               <a:endParaRPr b="1" sz="800">
                 <a:solidFill>
@@ -6600,7 +6576,7 @@
                     <a:schemeClr val="dk2"/>
                   </a:solidFill>
                 </a:rPr>
-                <a:t>・登録ボタン</a:t>
+                <a:t>・商品詳細</a:t>
               </a:r>
               <a:endParaRPr sz="700">
                 <a:solidFill>
@@ -6611,43 +6587,15 @@
           </p:txBody>
         </p:sp>
       </p:grpSp>
-      <p:cxnSp>
-        <p:nvCxnSpPr>
-          <p:cNvPr id="70" name="Google Shape;70;p13"/>
-          <p:cNvCxnSpPr>
-            <a:endCxn id="66" idx="3"/>
-          </p:cNvCxnSpPr>
-          <p:nvPr/>
-        </p:nvCxnSpPr>
-        <p:spPr>
-          <a:xfrm rot="10800000">
-            <a:off x="3336488" y="4442825"/>
-            <a:ext cx="536700" cy="0"/>
-          </a:xfrm>
-          <a:prstGeom prst="straightConnector1">
-            <a:avLst/>
-          </a:prstGeom>
-          <a:noFill/>
-          <a:ln cap="flat" cmpd="sng" w="9525">
-            <a:solidFill>
-              <a:schemeClr val="dk2"/>
-            </a:solidFill>
-            <a:prstDash val="solid"/>
-            <a:round/>
-            <a:headEnd len="med" w="med" type="none"/>
-            <a:tailEnd len="med" w="med" type="triangle"/>
-          </a:ln>
-        </p:spPr>
-      </p:cxnSp>
       <p:grpSp>
         <p:nvGrpSpPr>
-          <p:cNvPr id="71" name="Google Shape;71;p13"/>
+          <p:cNvPr id="70" name="Google Shape;70;p13"/>
           <p:cNvGrpSpPr/>
           <p:nvPr/>
         </p:nvGrpSpPr>
         <p:grpSpPr>
           <a:xfrm>
-            <a:off x="3888400" y="2235225"/>
+            <a:off x="3888400" y="1531075"/>
             <a:ext cx="1173600" cy="648000"/>
             <a:chOff x="3985200" y="2247750"/>
             <a:chExt cx="1173600" cy="648000"/>
@@ -6655,7 +6603,7 @@
         </p:grpSpPr>
         <p:sp>
           <p:nvSpPr>
-            <p:cNvPr id="72" name="Google Shape;72;p13"/>
+            <p:cNvPr id="71" name="Google Shape;71;p13"/>
             <p:cNvSpPr txBox="1"/>
             <p:nvPr/>
           </p:nvSpPr>
@@ -6708,7 +6656,7 @@
         </p:sp>
         <p:sp>
           <p:nvSpPr>
-            <p:cNvPr id="73" name="Google Shape;73;p13"/>
+            <p:cNvPr id="72" name="Google Shape;72;p13"/>
             <p:cNvSpPr txBox="1"/>
             <p:nvPr/>
           </p:nvSpPr>
@@ -6746,7 +6694,7 @@
                     <a:schemeClr val="dk2"/>
                   </a:solidFill>
                 </a:rPr>
-                <a:t>商品一覧</a:t>
+                <a:t>商品詳細</a:t>
               </a:r>
               <a:endParaRPr b="1" sz="800">
                 <a:solidFill>
@@ -6758,7 +6706,7 @@
         </p:sp>
         <p:sp>
           <p:nvSpPr>
-            <p:cNvPr id="74" name="Google Shape;74;p13"/>
+            <p:cNvPr id="73" name="Google Shape;73;p13"/>
             <p:cNvSpPr txBox="1"/>
             <p:nvPr/>
           </p:nvSpPr>
@@ -6811,7 +6759,7 @@
         </p:sp>
         <p:sp>
           <p:nvSpPr>
-            <p:cNvPr id="75" name="Google Shape;75;p13"/>
+            <p:cNvPr id="74" name="Google Shape;74;p13"/>
             <p:cNvSpPr txBox="1"/>
             <p:nvPr/>
           </p:nvSpPr>
@@ -6849,7 +6797,7 @@
                     <a:schemeClr val="dk2"/>
                   </a:solidFill>
                 </a:rPr>
-                <a:t>・商品詳細</a:t>
+                <a:t>・カートに入れるボタン</a:t>
               </a:r>
               <a:endParaRPr sz="700">
                 <a:solidFill>
@@ -6862,13 +6810,13 @@
       </p:grpSp>
       <p:grpSp>
         <p:nvGrpSpPr>
-          <p:cNvPr id="76" name="Google Shape;76;p13"/>
+          <p:cNvPr id="75" name="Google Shape;75;p13"/>
           <p:cNvGrpSpPr/>
           <p:nvPr/>
         </p:nvGrpSpPr>
         <p:grpSpPr>
           <a:xfrm>
-            <a:off x="3888400" y="1302475"/>
+            <a:off x="2178125" y="2476350"/>
             <a:ext cx="1173600" cy="648000"/>
             <a:chOff x="3985200" y="2247750"/>
             <a:chExt cx="1173600" cy="648000"/>
@@ -6876,7 +6824,7 @@
         </p:grpSpPr>
         <p:sp>
           <p:nvSpPr>
-            <p:cNvPr id="77" name="Google Shape;77;p13"/>
+            <p:cNvPr id="76" name="Google Shape;76;p13"/>
             <p:cNvSpPr txBox="1"/>
             <p:nvPr/>
           </p:nvSpPr>
@@ -6929,7 +6877,7 @@
         </p:sp>
         <p:sp>
           <p:nvSpPr>
-            <p:cNvPr id="78" name="Google Shape;78;p13"/>
+            <p:cNvPr id="77" name="Google Shape;77;p13"/>
             <p:cNvSpPr txBox="1"/>
             <p:nvPr/>
           </p:nvSpPr>
@@ -6967,7 +6915,7 @@
                     <a:schemeClr val="dk2"/>
                   </a:solidFill>
                 </a:rPr>
-                <a:t>商品詳細</a:t>
+                <a:t>購入履歴</a:t>
               </a:r>
               <a:endParaRPr b="1" sz="800">
                 <a:solidFill>
@@ -6979,7 +6927,7 @@
         </p:sp>
         <p:sp>
           <p:nvSpPr>
-            <p:cNvPr id="79" name="Google Shape;79;p13"/>
+            <p:cNvPr id="78" name="Google Shape;78;p13"/>
             <p:cNvSpPr txBox="1"/>
             <p:nvPr/>
           </p:nvSpPr>
@@ -7032,7 +6980,7 @@
         </p:sp>
         <p:sp>
           <p:nvSpPr>
-            <p:cNvPr id="80" name="Google Shape;80;p13"/>
+            <p:cNvPr id="79" name="Google Shape;79;p13"/>
             <p:cNvSpPr txBox="1"/>
             <p:nvPr/>
           </p:nvSpPr>
@@ -7070,7 +7018,39 @@
                     <a:schemeClr val="dk2"/>
                   </a:solidFill>
                 </a:rPr>
-                <a:t>・カートに入れるボタン</a:t>
+                <a:t>・</a:t>
+              </a:r>
+              <a:r>
+                <a:rPr lang="ja" sz="700">
+                  <a:solidFill>
+                    <a:schemeClr val="dk2"/>
+                  </a:solidFill>
+                </a:rPr>
+                <a:t>購入履歴詳細</a:t>
+              </a:r>
+              <a:endParaRPr sz="700">
+                <a:solidFill>
+                  <a:schemeClr val="dk2"/>
+                </a:solidFill>
+              </a:endParaRPr>
+            </a:p>
+            <a:p>
+              <a:pPr indent="0" lvl="0" marL="0" rtl="0" algn="l">
+                <a:spcBef>
+                  <a:spcPts val="0"/>
+                </a:spcBef>
+                <a:spcAft>
+                  <a:spcPts val="0"/>
+                </a:spcAft>
+                <a:buNone/>
+              </a:pPr>
+              <a:r>
+                <a:rPr lang="ja" sz="700">
+                  <a:solidFill>
+                    <a:schemeClr val="dk2"/>
+                  </a:solidFill>
+                </a:rPr>
+                <a:t>・商品詳細</a:t>
               </a:r>
               <a:endParaRPr sz="700">
                 <a:solidFill>
@@ -7081,15 +7061,96 @@
           </p:txBody>
         </p:sp>
       </p:grpSp>
+      <p:cxnSp>
+        <p:nvCxnSpPr>
+          <p:cNvPr id="80" name="Google Shape;80;p13"/>
+          <p:cNvCxnSpPr/>
+          <p:nvPr/>
+        </p:nvCxnSpPr>
+        <p:spPr>
+          <a:xfrm rot="10800000">
+            <a:off x="3351725" y="3729625"/>
+            <a:ext cx="536700" cy="0"/>
+          </a:xfrm>
+          <a:prstGeom prst="straightConnector1">
+            <a:avLst/>
+          </a:prstGeom>
+          <a:noFill/>
+          <a:ln cap="flat" cmpd="sng" w="9525">
+            <a:solidFill>
+              <a:schemeClr val="dk2"/>
+            </a:solidFill>
+            <a:prstDash val="solid"/>
+            <a:round/>
+            <a:headEnd len="med" w="med" type="none"/>
+            <a:tailEnd len="med" w="med" type="triangle"/>
+          </a:ln>
+        </p:spPr>
+      </p:cxnSp>
+      <p:cxnSp>
+        <p:nvCxnSpPr>
+          <p:cNvPr id="81" name="Google Shape;81;p13"/>
+          <p:cNvCxnSpPr>
+            <a:stCxn id="67" idx="0"/>
+            <a:endCxn id="71" idx="2"/>
+          </p:cNvCxnSpPr>
+          <p:nvPr/>
+        </p:nvCxnSpPr>
+        <p:spPr>
+          <a:xfrm rot="10800000">
+            <a:off x="4475238" y="2178925"/>
+            <a:ext cx="0" cy="1226700"/>
+          </a:xfrm>
+          <a:prstGeom prst="straightConnector1">
+            <a:avLst/>
+          </a:prstGeom>
+          <a:noFill/>
+          <a:ln cap="flat" cmpd="sng" w="9525">
+            <a:solidFill>
+              <a:schemeClr val="dk2"/>
+            </a:solidFill>
+            <a:prstDash val="solid"/>
+            <a:round/>
+            <a:headEnd len="med" w="med" type="none"/>
+            <a:tailEnd len="med" w="med" type="triangle"/>
+          </a:ln>
+        </p:spPr>
+      </p:cxnSp>
+      <p:cxnSp>
+        <p:nvCxnSpPr>
+          <p:cNvPr id="82" name="Google Shape;82;p13"/>
+          <p:cNvCxnSpPr/>
+          <p:nvPr/>
+        </p:nvCxnSpPr>
+        <p:spPr>
+          <a:xfrm rot="10800000">
+            <a:off x="1604550" y="3729625"/>
+            <a:ext cx="573600" cy="0"/>
+          </a:xfrm>
+          <a:prstGeom prst="straightConnector1">
+            <a:avLst/>
+          </a:prstGeom>
+          <a:noFill/>
+          <a:ln cap="flat" cmpd="sng" w="9525">
+            <a:solidFill>
+              <a:schemeClr val="dk2"/>
+            </a:solidFill>
+            <a:prstDash val="solid"/>
+            <a:round/>
+            <a:headEnd len="med" w="med" type="none"/>
+            <a:tailEnd len="med" w="med" type="triangle"/>
+          </a:ln>
+        </p:spPr>
+      </p:cxnSp>
       <p:grpSp>
         <p:nvGrpSpPr>
-          <p:cNvPr id="81" name="Google Shape;81;p13"/>
+          <p:cNvPr id="83" name="Google Shape;83;p13"/>
           <p:cNvGrpSpPr/>
           <p:nvPr/>
         </p:nvGrpSpPr>
         <p:grpSpPr>
           <a:xfrm>
-            <a:off x="2178125" y="2247750"/>
+            <a:off x="5598663" y="1540175"/>
             <a:ext cx="1173600" cy="648000"/>
             <a:chOff x="3985200" y="2247750"/>
             <a:chExt cx="1173600" cy="648000"/>
@@ -7097,7 +7158,7 @@
         </p:grpSpPr>
         <p:sp>
           <p:nvSpPr>
-            <p:cNvPr id="82" name="Google Shape;82;p13"/>
+            <p:cNvPr id="84" name="Google Shape;84;p13"/>
             <p:cNvSpPr txBox="1"/>
             <p:nvPr/>
           </p:nvSpPr>
@@ -7150,7 +7211,7 @@
         </p:sp>
         <p:sp>
           <p:nvSpPr>
-            <p:cNvPr id="83" name="Google Shape;83;p13"/>
+            <p:cNvPr id="85" name="Google Shape;85;p13"/>
             <p:cNvSpPr txBox="1"/>
             <p:nvPr/>
           </p:nvSpPr>
@@ -7188,7 +7249,7 @@
                     <a:schemeClr val="dk2"/>
                   </a:solidFill>
                 </a:rPr>
-                <a:t>購入履歴</a:t>
+                <a:t>カート</a:t>
               </a:r>
               <a:endParaRPr b="1" sz="800">
                 <a:solidFill>
@@ -7200,7 +7261,7 @@
         </p:sp>
         <p:sp>
           <p:nvSpPr>
-            <p:cNvPr id="84" name="Google Shape;84;p13"/>
+            <p:cNvPr id="86" name="Google Shape;86;p13"/>
             <p:cNvSpPr txBox="1"/>
             <p:nvPr/>
           </p:nvSpPr>
@@ -7253,7 +7314,7 @@
         </p:sp>
         <p:sp>
           <p:nvSpPr>
-            <p:cNvPr id="85" name="Google Shape;85;p13"/>
+            <p:cNvPr id="87" name="Google Shape;87;p13"/>
             <p:cNvSpPr txBox="1"/>
             <p:nvPr/>
           </p:nvSpPr>
@@ -7291,39 +7352,31 @@
                     <a:schemeClr val="dk2"/>
                   </a:solidFill>
                 </a:rPr>
-                <a:t>・</a:t>
-              </a:r>
+                <a:t>・商品詳細</a:t>
+              </a:r>
+              <a:endParaRPr sz="700">
+                <a:solidFill>
+                  <a:schemeClr val="dk2"/>
+                </a:solidFill>
+              </a:endParaRPr>
+            </a:p>
+            <a:p>
+              <a:pPr indent="0" lvl="0" marL="0" rtl="0" algn="l">
+                <a:spcBef>
+                  <a:spcPts val="0"/>
+                </a:spcBef>
+                <a:spcAft>
+                  <a:spcPts val="0"/>
+                </a:spcAft>
+                <a:buNone/>
+              </a:pPr>
               <a:r>
                 <a:rPr lang="ja" sz="700">
                   <a:solidFill>
                     <a:schemeClr val="dk2"/>
                   </a:solidFill>
                 </a:rPr>
-                <a:t>購入履歴詳細</a:t>
-              </a:r>
-              <a:endParaRPr sz="700">
-                <a:solidFill>
-                  <a:schemeClr val="dk2"/>
-                </a:solidFill>
-              </a:endParaRPr>
-            </a:p>
-            <a:p>
-              <a:pPr indent="0" lvl="0" marL="0" rtl="0" algn="l">
-                <a:spcBef>
-                  <a:spcPts val="0"/>
-                </a:spcBef>
-                <a:spcAft>
-                  <a:spcPts val="0"/>
-                </a:spcAft>
-                <a:buNone/>
-              </a:pPr>
-              <a:r>
-                <a:rPr lang="ja" sz="700">
-                  <a:solidFill>
-                    <a:schemeClr val="dk2"/>
-                  </a:solidFill>
-                </a:rPr>
-                <a:t>・商品詳細</a:t>
+                <a:t>・レジに進むボタン</a:t>
               </a:r>
               <a:endParaRPr sz="700">
                 <a:solidFill>
@@ -7334,129 +7387,15 @@
           </p:txBody>
         </p:sp>
       </p:grpSp>
-      <p:cxnSp>
-        <p:nvCxnSpPr>
-          <p:cNvPr id="86" name="Google Shape;86;p13"/>
-          <p:cNvCxnSpPr>
-            <a:stCxn id="57" idx="0"/>
-            <a:endCxn id="61" idx="2"/>
-          </p:cNvCxnSpPr>
-          <p:nvPr/>
-        </p:nvCxnSpPr>
-        <p:spPr>
-          <a:xfrm rot="10800000">
-            <a:off x="4475163" y="3824925"/>
-            <a:ext cx="0" cy="294000"/>
-          </a:xfrm>
-          <a:prstGeom prst="straightConnector1">
-            <a:avLst/>
-          </a:prstGeom>
-          <a:noFill/>
-          <a:ln cap="flat" cmpd="sng" w="9525">
-            <a:solidFill>
-              <a:schemeClr val="dk2"/>
-            </a:solidFill>
-            <a:prstDash val="solid"/>
-            <a:round/>
-            <a:headEnd len="med" w="med" type="none"/>
-            <a:tailEnd len="med" w="med" type="triangle"/>
-          </a:ln>
-        </p:spPr>
-      </p:cxnSp>
-      <p:cxnSp>
-        <p:nvCxnSpPr>
-          <p:cNvPr id="87" name="Google Shape;87;p13"/>
-          <p:cNvCxnSpPr>
-            <a:endCxn id="88" idx="3"/>
-          </p:cNvCxnSpPr>
-          <p:nvPr/>
-        </p:nvCxnSpPr>
-        <p:spPr>
-          <a:xfrm rot="10800000">
-            <a:off x="3351725" y="3501025"/>
-            <a:ext cx="536700" cy="0"/>
-          </a:xfrm>
-          <a:prstGeom prst="straightConnector1">
-            <a:avLst/>
-          </a:prstGeom>
-          <a:noFill/>
-          <a:ln cap="flat" cmpd="sng" w="9525">
-            <a:solidFill>
-              <a:schemeClr val="dk2"/>
-            </a:solidFill>
-            <a:prstDash val="solid"/>
-            <a:round/>
-            <a:headEnd len="med" w="med" type="none"/>
-            <a:tailEnd len="med" w="med" type="triangle"/>
-          </a:ln>
-        </p:spPr>
-      </p:cxnSp>
-      <p:cxnSp>
-        <p:nvCxnSpPr>
-          <p:cNvPr id="89" name="Google Shape;89;p13"/>
-          <p:cNvCxnSpPr>
-            <a:stCxn id="73" idx="0"/>
-            <a:endCxn id="77" idx="2"/>
-          </p:cNvCxnSpPr>
-          <p:nvPr/>
-        </p:nvCxnSpPr>
-        <p:spPr>
-          <a:xfrm rot="10800000">
-            <a:off x="4475200" y="1950525"/>
-            <a:ext cx="0" cy="284700"/>
-          </a:xfrm>
-          <a:prstGeom prst="straightConnector1">
-            <a:avLst/>
-          </a:prstGeom>
-          <a:noFill/>
-          <a:ln cap="flat" cmpd="sng" w="9525">
-            <a:solidFill>
-              <a:schemeClr val="dk2"/>
-            </a:solidFill>
-            <a:prstDash val="solid"/>
-            <a:round/>
-            <a:headEnd len="med" w="med" type="none"/>
-            <a:tailEnd len="med" w="med" type="triangle"/>
-          </a:ln>
-        </p:spPr>
-      </p:cxnSp>
-      <p:cxnSp>
-        <p:nvCxnSpPr>
-          <p:cNvPr id="90" name="Google Shape;90;p13"/>
-          <p:cNvCxnSpPr>
-            <a:endCxn id="91" idx="3"/>
-          </p:cNvCxnSpPr>
-          <p:nvPr/>
-        </p:nvCxnSpPr>
-        <p:spPr>
-          <a:xfrm rot="10800000">
-            <a:off x="1604550" y="3501025"/>
-            <a:ext cx="573600" cy="0"/>
-          </a:xfrm>
-          <a:prstGeom prst="straightConnector1">
-            <a:avLst/>
-          </a:prstGeom>
-          <a:noFill/>
-          <a:ln cap="flat" cmpd="sng" w="9525">
-            <a:solidFill>
-              <a:schemeClr val="dk2"/>
-            </a:solidFill>
-            <a:prstDash val="solid"/>
-            <a:round/>
-            <a:headEnd len="med" w="med" type="none"/>
-            <a:tailEnd len="med" w="med" type="triangle"/>
-          </a:ln>
-        </p:spPr>
-      </p:cxnSp>
       <p:grpSp>
         <p:nvGrpSpPr>
-          <p:cNvPr id="92" name="Google Shape;92;p13"/>
+          <p:cNvPr id="88" name="Google Shape;88;p13"/>
           <p:cNvGrpSpPr/>
           <p:nvPr/>
         </p:nvGrpSpPr>
         <p:grpSpPr>
           <a:xfrm>
-            <a:off x="5598663" y="1311575"/>
+            <a:off x="5598675" y="2472925"/>
             <a:ext cx="1173600" cy="648000"/>
             <a:chOff x="3985200" y="2247750"/>
             <a:chExt cx="1173600" cy="648000"/>
@@ -7464,7 +7403,7 @@
         </p:grpSpPr>
         <p:sp>
           <p:nvSpPr>
-            <p:cNvPr id="93" name="Google Shape;93;p13"/>
+            <p:cNvPr id="89" name="Google Shape;89;p13"/>
             <p:cNvSpPr txBox="1"/>
             <p:nvPr/>
           </p:nvSpPr>
@@ -7517,7 +7456,7 @@
         </p:sp>
         <p:sp>
           <p:nvSpPr>
-            <p:cNvPr id="94" name="Google Shape;94;p13"/>
+            <p:cNvPr id="90" name="Google Shape;90;p13"/>
             <p:cNvSpPr txBox="1"/>
             <p:nvPr/>
           </p:nvSpPr>
@@ -7555,7 +7494,7 @@
                     <a:schemeClr val="dk2"/>
                   </a:solidFill>
                 </a:rPr>
-                <a:t>カート</a:t>
+                <a:t>購入</a:t>
               </a:r>
               <a:endParaRPr b="1" sz="800">
                 <a:solidFill>
@@ -7567,7 +7506,7 @@
         </p:sp>
         <p:sp>
           <p:nvSpPr>
-            <p:cNvPr id="95" name="Google Shape;95;p13"/>
+            <p:cNvPr id="91" name="Google Shape;91;p13"/>
             <p:cNvSpPr txBox="1"/>
             <p:nvPr/>
           </p:nvSpPr>
@@ -7620,7 +7559,7 @@
         </p:sp>
         <p:sp>
           <p:nvSpPr>
-            <p:cNvPr id="96" name="Google Shape;96;p13"/>
+            <p:cNvPr id="92" name="Google Shape;92;p13"/>
             <p:cNvSpPr txBox="1"/>
             <p:nvPr/>
           </p:nvSpPr>
@@ -7638,7 +7577,7 @@
             </a:ln>
           </p:spPr>
           <p:txBody>
-            <a:bodyPr anchorCtr="0" anchor="t" bIns="91425" lIns="91425" spcFirstLastPara="1" rIns="91425" wrap="square" tIns="91425">
+            <a:bodyPr anchorCtr="0" anchor="ctr" bIns="91425" lIns="91425" spcFirstLastPara="1" rIns="91425" wrap="square" tIns="91425">
               <a:noAutofit/>
             </a:bodyPr>
             <a:lstStyle/>
@@ -7658,7 +7597,7 @@
                     <a:schemeClr val="dk2"/>
                   </a:solidFill>
                 </a:rPr>
-                <a:t>・商品詳細</a:t>
+                <a:t>・お届け先追加・変更</a:t>
               </a:r>
               <a:endParaRPr sz="700">
                 <a:solidFill>
@@ -7682,7 +7621,31 @@
                     <a:schemeClr val="dk2"/>
                   </a:solidFill>
                 </a:rPr>
-                <a:t>・レジに進むボタン</a:t>
+                <a:t>・お支払い方法追加・変更</a:t>
+              </a:r>
+              <a:endParaRPr sz="700">
+                <a:solidFill>
+                  <a:schemeClr val="dk2"/>
+                </a:solidFill>
+              </a:endParaRPr>
+            </a:p>
+            <a:p>
+              <a:pPr indent="0" lvl="0" marL="0" rtl="0" algn="l">
+                <a:spcBef>
+                  <a:spcPts val="0"/>
+                </a:spcBef>
+                <a:spcAft>
+                  <a:spcPts val="0"/>
+                </a:spcAft>
+                <a:buNone/>
+              </a:pPr>
+              <a:r>
+                <a:rPr lang="ja" sz="700">
+                  <a:solidFill>
+                    <a:schemeClr val="dk2"/>
+                  </a:solidFill>
+                </a:rPr>
+                <a:t>・確認ボタン</a:t>
               </a:r>
               <a:endParaRPr sz="700">
                 <a:solidFill>
@@ -7695,13 +7658,13 @@
       </p:grpSp>
       <p:grpSp>
         <p:nvGrpSpPr>
-          <p:cNvPr id="97" name="Google Shape;97;p13"/>
+          <p:cNvPr id="93" name="Google Shape;93;p13"/>
           <p:cNvGrpSpPr/>
           <p:nvPr/>
         </p:nvGrpSpPr>
         <p:grpSpPr>
           <a:xfrm>
-            <a:off x="5598675" y="2244325"/>
+            <a:off x="5598663" y="3405675"/>
             <a:ext cx="1173600" cy="648000"/>
             <a:chOff x="3985200" y="2247750"/>
             <a:chExt cx="1173600" cy="648000"/>
@@ -7709,7 +7672,7 @@
         </p:grpSpPr>
         <p:sp>
           <p:nvSpPr>
-            <p:cNvPr id="98" name="Google Shape;98;p13"/>
+            <p:cNvPr id="94" name="Google Shape;94;p13"/>
             <p:cNvSpPr txBox="1"/>
             <p:nvPr/>
           </p:nvSpPr>
@@ -7762,7 +7725,7 @@
         </p:sp>
         <p:sp>
           <p:nvSpPr>
-            <p:cNvPr id="99" name="Google Shape;99;p13"/>
+            <p:cNvPr id="95" name="Google Shape;95;p13"/>
             <p:cNvSpPr txBox="1"/>
             <p:nvPr/>
           </p:nvSpPr>
@@ -7802,6 +7765,14 @@
                 </a:rPr>
                 <a:t>購入</a:t>
               </a:r>
+              <a:r>
+                <a:rPr b="1" lang="ja" sz="800">
+                  <a:solidFill>
+                    <a:schemeClr val="dk2"/>
+                  </a:solidFill>
+                </a:rPr>
+                <a:t>完了</a:t>
+              </a:r>
               <a:endParaRPr b="1" sz="800">
                 <a:solidFill>
                   <a:schemeClr val="dk2"/>
@@ -7812,7 +7783,7 @@
         </p:sp>
         <p:sp>
           <p:nvSpPr>
-            <p:cNvPr id="100" name="Google Shape;100;p13"/>
+            <p:cNvPr id="96" name="Google Shape;96;p13"/>
             <p:cNvSpPr txBox="1"/>
             <p:nvPr/>
           </p:nvSpPr>
@@ -7865,7 +7836,7 @@
         </p:sp>
         <p:sp>
           <p:nvSpPr>
-            <p:cNvPr id="101" name="Google Shape;101;p13"/>
+            <p:cNvPr id="97" name="Google Shape;97;p13"/>
             <p:cNvSpPr txBox="1"/>
             <p:nvPr/>
           </p:nvSpPr>
@@ -7883,7 +7854,7 @@
             </a:ln>
           </p:spPr>
           <p:txBody>
-            <a:bodyPr anchorCtr="0" anchor="ctr" bIns="91425" lIns="91425" spcFirstLastPara="1" rIns="91425" wrap="square" tIns="91425">
+            <a:bodyPr anchorCtr="0" anchor="t" bIns="91425" lIns="91425" spcFirstLastPara="1" rIns="91425" wrap="square" tIns="91425">
               <a:noAutofit/>
             </a:bodyPr>
             <a:lstStyle/>
@@ -7903,7 +7874,7 @@
                     <a:schemeClr val="dk2"/>
                   </a:solidFill>
                 </a:rPr>
-                <a:t>・お届け先追加・変更</a:t>
+                <a:t>・ホーム画面に戻るボタン</a:t>
               </a:r>
               <a:endParaRPr sz="700">
                 <a:solidFill>
@@ -7911,6 +7882,243 @@
                 </a:solidFill>
               </a:endParaRPr>
             </a:p>
+          </p:txBody>
+        </p:sp>
+      </p:grpSp>
+      <p:sp>
+        <p:nvSpPr>
+          <p:cNvPr id="98" name="Google Shape;98;p13"/>
+          <p:cNvSpPr txBox="1"/>
+          <p:nvPr>
+            <p:ph type="title"/>
+          </p:nvPr>
+        </p:nvSpPr>
+        <p:spPr>
+          <a:xfrm>
+            <a:off x="0" y="0"/>
+            <a:ext cx="8520600" cy="572700"/>
+          </a:xfrm>
+          <a:prstGeom prst="rect">
+            <a:avLst/>
+          </a:prstGeom>
+        </p:spPr>
+        <p:txBody>
+          <a:bodyPr anchorCtr="0" anchor="t" bIns="91425" lIns="91425" spcFirstLastPara="1" rIns="91425" wrap="square" tIns="91425">
+            <a:normAutofit fontScale="90000"/>
+          </a:bodyPr>
+          <a:lstStyle/>
+          <a:p>
+            <a:pPr indent="0" lvl="0" marL="0" rtl="0" algn="l">
+              <a:spcBef>
+                <a:spcPts val="0"/>
+              </a:spcBef>
+              <a:spcAft>
+                <a:spcPts val="0"/>
+              </a:spcAft>
+              <a:buNone/>
+            </a:pPr>
+            <a:r>
+              <a:rPr lang="ja"/>
+              <a:t>購入者</a:t>
+            </a:r>
+            <a:endParaRPr/>
+          </a:p>
+        </p:txBody>
+      </p:sp>
+      <p:grpSp>
+        <p:nvGrpSpPr>
+          <p:cNvPr id="99" name="Google Shape;99;p13"/>
+          <p:cNvGrpSpPr/>
+          <p:nvPr/>
+        </p:nvGrpSpPr>
+        <p:grpSpPr>
+          <a:xfrm>
+            <a:off x="2264025" y="34125"/>
+            <a:ext cx="4594297" cy="841200"/>
+            <a:chOff x="3985199" y="2054575"/>
+            <a:chExt cx="1173601" cy="841200"/>
+          </a:xfrm>
+        </p:grpSpPr>
+        <p:sp>
+          <p:nvSpPr>
+            <p:cNvPr id="100" name="Google Shape;100;p13"/>
+            <p:cNvSpPr txBox="1"/>
+            <p:nvPr/>
+          </p:nvSpPr>
+          <p:spPr>
+            <a:xfrm>
+              <a:off x="3985199" y="2054575"/>
+              <a:ext cx="1173600" cy="841200"/>
+            </a:xfrm>
+            <a:prstGeom prst="rect">
+              <a:avLst/>
+            </a:prstGeom>
+            <a:solidFill>
+              <a:srgbClr val="EFEFEF"/>
+            </a:solidFill>
+            <a:ln cap="flat" cmpd="sng" w="9525">
+              <a:solidFill>
+                <a:srgbClr val="000000"/>
+              </a:solidFill>
+              <a:prstDash val="solid"/>
+              <a:round/>
+              <a:headEnd len="sm" w="sm" type="none"/>
+              <a:tailEnd len="sm" w="sm" type="none"/>
+            </a:ln>
+          </p:spPr>
+          <p:txBody>
+            <a:bodyPr anchorCtr="0" anchor="t" bIns="91425" lIns="91425" spcFirstLastPara="1" rIns="91425" wrap="square" tIns="91425">
+              <a:noAutofit/>
+            </a:bodyPr>
+            <a:lstStyle/>
+            <a:p>
+              <a:pPr indent="0" lvl="0" marL="0" rtl="0" algn="l">
+                <a:spcBef>
+                  <a:spcPts val="0"/>
+                </a:spcBef>
+                <a:spcAft>
+                  <a:spcPts val="0"/>
+                </a:spcAft>
+                <a:buNone/>
+              </a:pPr>
+              <a:r>
+                <a:t/>
+              </a:r>
+              <a:endParaRPr sz="900">
+                <a:solidFill>
+                  <a:schemeClr val="dk2"/>
+                </a:solidFill>
+              </a:endParaRPr>
+            </a:p>
+          </p:txBody>
+        </p:sp>
+        <p:sp>
+          <p:nvSpPr>
+            <p:cNvPr id="101" name="Google Shape;101;p13"/>
+            <p:cNvSpPr txBox="1"/>
+            <p:nvPr/>
+          </p:nvSpPr>
+          <p:spPr>
+            <a:xfrm>
+              <a:off x="3985200" y="2095350"/>
+              <a:ext cx="1173600" cy="129600"/>
+            </a:xfrm>
+            <a:prstGeom prst="rect">
+              <a:avLst/>
+            </a:prstGeom>
+            <a:noFill/>
+            <a:ln>
+              <a:noFill/>
+            </a:ln>
+          </p:spPr>
+          <p:txBody>
+            <a:bodyPr anchorCtr="0" anchor="ctr" bIns="91425" lIns="91425" spcFirstLastPara="1" rIns="91425" wrap="square" tIns="91425">
+              <a:noAutofit/>
+            </a:bodyPr>
+            <a:lstStyle/>
+            <a:p>
+              <a:pPr indent="0" lvl="0" marL="0" rtl="0" algn="ctr">
+                <a:spcBef>
+                  <a:spcPts val="0"/>
+                </a:spcBef>
+                <a:spcAft>
+                  <a:spcPts val="0"/>
+                </a:spcAft>
+                <a:buNone/>
+              </a:pPr>
+              <a:r>
+                <a:rPr b="1" lang="ja" sz="800">
+                  <a:solidFill>
+                    <a:schemeClr val="dk2"/>
+                  </a:solidFill>
+                </a:rPr>
+                <a:t>ヘッダーメニュー</a:t>
+              </a:r>
+              <a:endParaRPr b="1" sz="800">
+                <a:solidFill>
+                  <a:schemeClr val="dk2"/>
+                </a:solidFill>
+              </a:endParaRPr>
+            </a:p>
+          </p:txBody>
+        </p:sp>
+        <p:sp>
+          <p:nvSpPr>
+            <p:cNvPr id="102" name="Google Shape;102;p13"/>
+            <p:cNvSpPr txBox="1"/>
+            <p:nvPr/>
+          </p:nvSpPr>
+          <p:spPr>
+            <a:xfrm>
+              <a:off x="4025400" y="2283075"/>
+              <a:ext cx="1096500" cy="572700"/>
+            </a:xfrm>
+            <a:prstGeom prst="rect">
+              <a:avLst/>
+            </a:prstGeom>
+            <a:solidFill>
+              <a:schemeClr val="lt1"/>
+            </a:solidFill>
+            <a:ln cap="flat" cmpd="sng" w="9525">
+              <a:solidFill>
+                <a:srgbClr val="000000"/>
+              </a:solidFill>
+              <a:prstDash val="dash"/>
+              <a:round/>
+              <a:headEnd len="sm" w="sm" type="none"/>
+              <a:tailEnd len="sm" w="sm" type="none"/>
+            </a:ln>
+          </p:spPr>
+          <p:txBody>
+            <a:bodyPr anchorCtr="0" anchor="t" bIns="91425" lIns="91425" spcFirstLastPara="1" rIns="91425" wrap="square" tIns="91425">
+              <a:noAutofit/>
+            </a:bodyPr>
+            <a:lstStyle/>
+            <a:p>
+              <a:pPr indent="0" lvl="0" marL="0" rtl="0" algn="l">
+                <a:spcBef>
+                  <a:spcPts val="0"/>
+                </a:spcBef>
+                <a:spcAft>
+                  <a:spcPts val="0"/>
+                </a:spcAft>
+                <a:buNone/>
+              </a:pPr>
+              <a:r>
+                <a:t/>
+              </a:r>
+              <a:endParaRPr sz="1800">
+                <a:solidFill>
+                  <a:schemeClr val="dk2"/>
+                </a:solidFill>
+              </a:endParaRPr>
+            </a:p>
+          </p:txBody>
+        </p:sp>
+        <p:sp>
+          <p:nvSpPr>
+            <p:cNvPr id="103" name="Google Shape;103;p13"/>
+            <p:cNvSpPr txBox="1"/>
+            <p:nvPr/>
+          </p:nvSpPr>
+          <p:spPr>
+            <a:xfrm>
+              <a:off x="4027012" y="2270138"/>
+              <a:ext cx="1096500" cy="572700"/>
+            </a:xfrm>
+            <a:prstGeom prst="rect">
+              <a:avLst/>
+            </a:prstGeom>
+            <a:noFill/>
+            <a:ln>
+              <a:noFill/>
+            </a:ln>
+          </p:spPr>
+          <p:txBody>
+            <a:bodyPr anchorCtr="0" anchor="t" bIns="91425" lIns="91425" spcFirstLastPara="1" rIns="91425" wrap="square" tIns="91425">
+              <a:noAutofit/>
+            </a:bodyPr>
+            <a:lstStyle/>
             <a:p>
               <a:pPr indent="0" lvl="0" marL="0" rtl="0" algn="l">
                 <a:spcBef>
@@ -7927,7 +8135,7 @@
                     <a:schemeClr val="dk2"/>
                   </a:solidFill>
                 </a:rPr>
-                <a:t>・お支払い方法追加・変更</a:t>
+                <a:t>・ログイン</a:t>
               </a:r>
               <a:endParaRPr sz="700">
                 <a:solidFill>
@@ -7951,7 +8159,55 @@
                     <a:schemeClr val="dk2"/>
                   </a:solidFill>
                 </a:rPr>
-                <a:t>・確認ボタン</a:t>
+                <a:t>・ホーム</a:t>
+              </a:r>
+              <a:endParaRPr sz="700">
+                <a:solidFill>
+                  <a:schemeClr val="dk2"/>
+                </a:solidFill>
+              </a:endParaRPr>
+            </a:p>
+            <a:p>
+              <a:pPr indent="0" lvl="0" marL="0" rtl="0" algn="l">
+                <a:spcBef>
+                  <a:spcPts val="0"/>
+                </a:spcBef>
+                <a:spcAft>
+                  <a:spcPts val="0"/>
+                </a:spcAft>
+                <a:buNone/>
+              </a:pPr>
+              <a:r>
+                <a:rPr lang="ja" sz="700">
+                  <a:solidFill>
+                    <a:schemeClr val="dk2"/>
+                  </a:solidFill>
+                </a:rPr>
+                <a:t>・マイページ</a:t>
+              </a:r>
+              <a:endParaRPr sz="700">
+                <a:solidFill>
+                  <a:schemeClr val="dk2"/>
+                </a:solidFill>
+              </a:endParaRPr>
+            </a:p>
+            <a:p>
+              <a:pPr indent="0" lvl="0" marL="0" rtl="0" algn="l">
+                <a:spcBef>
+                  <a:spcPts val="0"/>
+                </a:spcBef>
+                <a:spcAft>
+                  <a:spcPts val="0"/>
+                </a:spcAft>
+                <a:buNone/>
+              </a:pPr>
+              <a:r>
+                <a:rPr lang="ja" sz="700">
+                  <a:solidFill>
+                    <a:schemeClr val="dk2"/>
+                  </a:solidFill>
+                </a:rPr>
+                <a:t>・カート</a:t>
               </a:r>
               <a:endParaRPr sz="700">
                 <a:solidFill>
@@ -7962,15 +8218,100 @@
           </p:txBody>
         </p:sp>
       </p:grpSp>
+      <p:cxnSp>
+        <p:nvCxnSpPr>
+          <p:cNvPr id="104" name="Google Shape;104;p13"/>
+          <p:cNvCxnSpPr>
+            <a:endCxn id="85" idx="0"/>
+          </p:cNvCxnSpPr>
+          <p:nvPr/>
+        </p:nvCxnSpPr>
+        <p:spPr>
+          <a:xfrm>
+            <a:off x="6184863" y="872375"/>
+            <a:ext cx="600" cy="667800"/>
+          </a:xfrm>
+          <a:prstGeom prst="straightConnector1">
+            <a:avLst/>
+          </a:prstGeom>
+          <a:noFill/>
+          <a:ln cap="flat" cmpd="sng" w="9525">
+            <a:solidFill>
+              <a:schemeClr val="dk2"/>
+            </a:solidFill>
+            <a:prstDash val="solid"/>
+            <a:round/>
+            <a:headEnd len="med" w="med" type="none"/>
+            <a:tailEnd len="med" w="med" type="triangle"/>
+          </a:ln>
+        </p:spPr>
+      </p:cxnSp>
+      <p:cxnSp>
+        <p:nvCxnSpPr>
+          <p:cNvPr id="105" name="Google Shape;105;p13"/>
+          <p:cNvCxnSpPr>
+            <a:stCxn id="84" idx="2"/>
+            <a:endCxn id="90" idx="0"/>
+          </p:cNvCxnSpPr>
+          <p:nvPr/>
+        </p:nvCxnSpPr>
+        <p:spPr>
+          <a:xfrm>
+            <a:off x="6185463" y="2188175"/>
+            <a:ext cx="0" cy="284700"/>
+          </a:xfrm>
+          <a:prstGeom prst="straightConnector1">
+            <a:avLst/>
+          </a:prstGeom>
+          <a:noFill/>
+          <a:ln cap="flat" cmpd="sng" w="9525">
+            <a:solidFill>
+              <a:schemeClr val="dk2"/>
+            </a:solidFill>
+            <a:prstDash val="solid"/>
+            <a:round/>
+            <a:headEnd len="med" w="med" type="none"/>
+            <a:tailEnd len="med" w="med" type="triangle"/>
+          </a:ln>
+        </p:spPr>
+      </p:cxnSp>
+      <p:cxnSp>
+        <p:nvCxnSpPr>
+          <p:cNvPr id="106" name="Google Shape;106;p13"/>
+          <p:cNvCxnSpPr>
+            <a:stCxn id="54" idx="0"/>
+          </p:cNvCxnSpPr>
+          <p:nvPr/>
+        </p:nvCxnSpPr>
+        <p:spPr>
+          <a:xfrm flipH="1" rot="10800000">
+            <a:off x="4572000" y="907600"/>
+            <a:ext cx="3900" cy="340800"/>
+          </a:xfrm>
+          <a:prstGeom prst="straightConnector1">
+            <a:avLst/>
+          </a:prstGeom>
+          <a:noFill/>
+          <a:ln cap="flat" cmpd="sng" w="9525">
+            <a:solidFill>
+              <a:schemeClr val="dk2"/>
+            </a:solidFill>
+            <a:prstDash val="solid"/>
+            <a:round/>
+            <a:headEnd len="med" w="med" type="none"/>
+            <a:tailEnd len="med" w="med" type="triangle"/>
+          </a:ln>
+        </p:spPr>
+      </p:cxnSp>
       <p:grpSp>
         <p:nvGrpSpPr>
-          <p:cNvPr id="102" name="Google Shape;102;p13"/>
+          <p:cNvPr id="107" name="Google Shape;107;p13"/>
           <p:cNvGrpSpPr/>
           <p:nvPr/>
         </p:nvGrpSpPr>
         <p:grpSpPr>
           <a:xfrm>
-            <a:off x="5602863" y="4109775"/>
+            <a:off x="2178125" y="1534425"/>
             <a:ext cx="1173600" cy="648000"/>
             <a:chOff x="3985200" y="2247750"/>
             <a:chExt cx="1173600" cy="648000"/>
@@ -7978,7 +8319,7 @@
         </p:grpSpPr>
         <p:sp>
           <p:nvSpPr>
-            <p:cNvPr id="103" name="Google Shape;103;p13"/>
+            <p:cNvPr id="108" name="Google Shape;108;p13"/>
             <p:cNvSpPr txBox="1"/>
             <p:nvPr/>
           </p:nvSpPr>
@@ -8031,7 +8372,7 @@
         </p:sp>
         <p:sp>
           <p:nvSpPr>
-            <p:cNvPr id="104" name="Google Shape;104;p13"/>
+            <p:cNvPr id="109" name="Google Shape;109;p13"/>
             <p:cNvSpPr txBox="1"/>
             <p:nvPr/>
           </p:nvSpPr>
@@ -8069,7 +8410,7 @@
                     <a:schemeClr val="dk2"/>
                   </a:solidFill>
                 </a:rPr>
-                <a:t>購入</a:t>
+                <a:t>注文</a:t>
               </a:r>
               <a:r>
                 <a:rPr b="1" lang="ja" sz="800">
@@ -8077,7 +8418,7 @@
                     <a:schemeClr val="dk2"/>
                   </a:solidFill>
                 </a:rPr>
-                <a:t>完了</a:t>
+                <a:t>詳細</a:t>
               </a:r>
               <a:endParaRPr b="1" sz="800">
                 <a:solidFill>
@@ -8089,7 +8430,7 @@
         </p:sp>
         <p:sp>
           <p:nvSpPr>
-            <p:cNvPr id="105" name="Google Shape;105;p13"/>
+            <p:cNvPr id="110" name="Google Shape;110;p13"/>
             <p:cNvSpPr txBox="1"/>
             <p:nvPr/>
           </p:nvSpPr>
@@ -8142,7 +8483,7 @@
         </p:sp>
         <p:sp>
           <p:nvSpPr>
-            <p:cNvPr id="106" name="Google Shape;106;p13"/>
+            <p:cNvPr id="111" name="Google Shape;111;p13"/>
             <p:cNvSpPr txBox="1"/>
             <p:nvPr/>
           </p:nvSpPr>
@@ -8180,7 +8521,7 @@
                     <a:schemeClr val="dk2"/>
                   </a:solidFill>
                 </a:rPr>
-                <a:t>・ホーム画面に戻るボタン</a:t>
+                <a:t>・商品詳細</a:t>
               </a:r>
               <a:endParaRPr sz="700">
                 <a:solidFill>
@@ -8191,26 +8532,144 @@
           </p:txBody>
         </p:sp>
       </p:grpSp>
+      <p:cxnSp>
+        <p:nvCxnSpPr>
+          <p:cNvPr id="112" name="Google Shape;112;p13"/>
+          <p:cNvCxnSpPr>
+            <a:stCxn id="113" idx="0"/>
+            <a:endCxn id="76" idx="2"/>
+          </p:cNvCxnSpPr>
+          <p:nvPr/>
+        </p:nvCxnSpPr>
+        <p:spPr>
+          <a:xfrm flipH="1" rot="10800000">
+            <a:off x="2763188" y="3124213"/>
+            <a:ext cx="1800" cy="281400"/>
+          </a:xfrm>
+          <a:prstGeom prst="straightConnector1">
+            <a:avLst/>
+          </a:prstGeom>
+          <a:noFill/>
+          <a:ln cap="flat" cmpd="sng" w="9525">
+            <a:solidFill>
+              <a:schemeClr val="dk2"/>
+            </a:solidFill>
+            <a:prstDash val="solid"/>
+            <a:round/>
+            <a:headEnd len="med" w="med" type="none"/>
+            <a:tailEnd len="med" w="med" type="triangle"/>
+          </a:ln>
+        </p:spPr>
+      </p:cxnSp>
+      <p:cxnSp>
+        <p:nvCxnSpPr>
+          <p:cNvPr id="114" name="Google Shape;114;p13"/>
+          <p:cNvCxnSpPr>
+            <a:stCxn id="77" idx="0"/>
+            <a:endCxn id="108" idx="2"/>
+          </p:cNvCxnSpPr>
+          <p:nvPr/>
+        </p:nvCxnSpPr>
+        <p:spPr>
+          <a:xfrm rot="10800000">
+            <a:off x="2764925" y="2182350"/>
+            <a:ext cx="0" cy="294000"/>
+          </a:xfrm>
+          <a:prstGeom prst="straightConnector1">
+            <a:avLst/>
+          </a:prstGeom>
+          <a:noFill/>
+          <a:ln cap="flat" cmpd="sng" w="9525">
+            <a:solidFill>
+              <a:schemeClr val="dk2"/>
+            </a:solidFill>
+            <a:prstDash val="solid"/>
+            <a:round/>
+            <a:headEnd len="med" w="med" type="none"/>
+            <a:tailEnd len="med" w="med" type="triangle"/>
+          </a:ln>
+        </p:spPr>
+      </p:cxnSp>
+      <p:cxnSp>
+        <p:nvCxnSpPr>
+          <p:cNvPr id="115" name="Google Shape;115;p13"/>
+          <p:cNvCxnSpPr>
+            <a:stCxn id="108" idx="3"/>
+            <a:endCxn id="71" idx="1"/>
+          </p:cNvCxnSpPr>
+          <p:nvPr/>
+        </p:nvCxnSpPr>
+        <p:spPr>
+          <a:xfrm flipH="1" rot="10800000">
+            <a:off x="3351725" y="1855125"/>
+            <a:ext cx="536700" cy="3300"/>
+          </a:xfrm>
+          <a:prstGeom prst="straightConnector1">
+            <a:avLst/>
+          </a:prstGeom>
+          <a:noFill/>
+          <a:ln cap="flat" cmpd="sng" w="9525">
+            <a:solidFill>
+              <a:schemeClr val="dk2"/>
+            </a:solidFill>
+            <a:prstDash val="solid"/>
+            <a:round/>
+            <a:headEnd len="med" w="med" type="none"/>
+            <a:tailEnd len="med" w="med" type="triangle"/>
+          </a:ln>
+        </p:spPr>
+      </p:cxnSp>
+      <p:cxnSp>
+        <p:nvCxnSpPr>
+          <p:cNvPr id="116" name="Google Shape;116;p13"/>
+          <p:cNvCxnSpPr>
+            <a:stCxn id="76" idx="3"/>
+            <a:endCxn id="71" idx="1"/>
+          </p:cNvCxnSpPr>
+          <p:nvPr/>
+        </p:nvCxnSpPr>
+        <p:spPr>
+          <a:xfrm flipH="1" rot="10800000">
+            <a:off x="3351725" y="1855050"/>
+            <a:ext cx="536700" cy="945300"/>
+          </a:xfrm>
+          <a:prstGeom prst="straightConnector1">
+            <a:avLst/>
+          </a:prstGeom>
+          <a:noFill/>
+          <a:ln cap="flat" cmpd="sng" w="9525">
+            <a:solidFill>
+              <a:schemeClr val="dk2"/>
+            </a:solidFill>
+            <a:prstDash val="solid"/>
+            <a:round/>
+            <a:headEnd len="med" w="med" type="none"/>
+            <a:tailEnd len="med" w="med" type="triangle"/>
+          </a:ln>
+        </p:spPr>
+      </p:cxnSp>
       <p:sp>
         <p:nvSpPr>
-          <p:cNvPr id="107" name="Google Shape;107;p13"/>
+          <p:cNvPr id="117" name="Google Shape;117;p13"/>
           <p:cNvSpPr txBox="1"/>
-          <p:nvPr>
-            <p:ph type="title"/>
-          </p:nvPr>
+          <p:nvPr/>
         </p:nvSpPr>
         <p:spPr>
           <a:xfrm>
-            <a:off x="0" y="0"/>
-            <a:ext cx="8520600" cy="572700"/>
+            <a:off x="275575" y="3494250"/>
+            <a:ext cx="1329000" cy="572700"/>
           </a:xfrm>
           <a:prstGeom prst="rect">
             <a:avLst/>
           </a:prstGeom>
+          <a:noFill/>
+          <a:ln>
+            <a:noFill/>
+          </a:ln>
         </p:spPr>
         <p:txBody>
           <a:bodyPr anchorCtr="0" anchor="t" bIns="91425" lIns="91425" spcFirstLastPara="1" rIns="91425" wrap="square" tIns="91425">
-            <a:normAutofit fontScale="90000"/>
+            <a:noAutofit/>
           </a:bodyPr>
           <a:lstStyle/>
           <a:p>
@@ -8224,26 +8683,59 @@
               <a:buNone/>
             </a:pPr>
             <a:r>
-              <a:rPr lang="ja"/>
-              <a:t>購入者</a:t>
+              <a:rPr lang="ja" sz="1800">
+                <a:solidFill>
+                  <a:schemeClr val="dk2"/>
+                </a:solidFill>
+              </a:rPr>
+              <a:t>別スライド</a:t>
             </a:r>
-            <a:endParaRPr/>
+            <a:endParaRPr sz="1800">
+              <a:solidFill>
+                <a:schemeClr val="dk2"/>
+              </a:solidFill>
+            </a:endParaRPr>
           </a:p>
         </p:txBody>
       </p:sp>
       <p:cxnSp>
         <p:nvCxnSpPr>
-          <p:cNvPr id="108" name="Google Shape;108;p13"/>
+          <p:cNvPr id="118" name="Google Shape;118;p13"/>
+          <p:cNvCxnSpPr/>
+          <p:nvPr/>
+        </p:nvCxnSpPr>
+        <p:spPr>
+          <a:xfrm>
+            <a:off x="6185463" y="3120950"/>
+            <a:ext cx="0" cy="284700"/>
+          </a:xfrm>
+          <a:prstGeom prst="straightConnector1">
+            <a:avLst/>
+          </a:prstGeom>
+          <a:noFill/>
+          <a:ln cap="flat" cmpd="sng" w="9525">
+            <a:solidFill>
+              <a:schemeClr val="dk2"/>
+            </a:solidFill>
+            <a:prstDash val="solid"/>
+            <a:round/>
+            <a:headEnd len="med" w="med" type="none"/>
+            <a:tailEnd len="med" w="med" type="triangle"/>
+          </a:ln>
+        </p:spPr>
+      </p:cxnSp>
+      <p:cxnSp>
+        <p:nvCxnSpPr>
+          <p:cNvPr id="119" name="Google Shape;119;p13"/>
           <p:cNvCxnSpPr>
-            <a:stCxn id="62" idx="0"/>
-            <a:endCxn id="72" idx="2"/>
+            <a:endCxn id="71" idx="3"/>
           </p:cNvCxnSpPr>
           <p:nvPr/>
         </p:nvCxnSpPr>
         <p:spPr>
           <a:xfrm rot="10800000">
-            <a:off x="4475200" y="2883325"/>
-            <a:ext cx="0" cy="293700"/>
+            <a:off x="5062000" y="1855075"/>
+            <a:ext cx="536700" cy="9000"/>
           </a:xfrm>
           <a:prstGeom prst="straightConnector1">
             <a:avLst/>
@@ -8262,21 +8754,21 @@
       </p:cxnSp>
       <p:grpSp>
         <p:nvGrpSpPr>
-          <p:cNvPr id="109" name="Google Shape;109;p13"/>
+          <p:cNvPr id="120" name="Google Shape;120;p13"/>
           <p:cNvGrpSpPr/>
           <p:nvPr/>
         </p:nvGrpSpPr>
         <p:grpSpPr>
           <a:xfrm>
-            <a:off x="2264030" y="151100"/>
-            <a:ext cx="4594292" cy="648000"/>
-            <a:chOff x="3985200" y="2247750"/>
-            <a:chExt cx="1173600" cy="648000"/>
+            <a:off x="2117363" y="3405613"/>
+            <a:ext cx="1295100" cy="648000"/>
+            <a:chOff x="3926175" y="2247750"/>
+            <a:chExt cx="1295100" cy="648000"/>
           </a:xfrm>
         </p:grpSpPr>
         <p:sp>
           <p:nvSpPr>
-            <p:cNvPr id="110" name="Google Shape;110;p13"/>
+            <p:cNvPr id="121" name="Google Shape;121;p13"/>
             <p:cNvSpPr txBox="1"/>
             <p:nvPr/>
           </p:nvSpPr>
@@ -8329,7 +8821,7 @@
         </p:sp>
         <p:sp>
           <p:nvSpPr>
-            <p:cNvPr id="111" name="Google Shape;111;p13"/>
+            <p:cNvPr id="113" name="Google Shape;113;p13"/>
             <p:cNvSpPr txBox="1"/>
             <p:nvPr/>
           </p:nvSpPr>
@@ -8367,7 +8859,7 @@
                     <a:schemeClr val="dk2"/>
                   </a:solidFill>
                 </a:rPr>
-                <a:t>ヘッダーメニュー</a:t>
+                <a:t>マイページ</a:t>
               </a:r>
               <a:endParaRPr b="1" sz="800">
                 <a:solidFill>
@@ -8379,7 +8871,7 @@
         </p:sp>
         <p:sp>
           <p:nvSpPr>
-            <p:cNvPr id="112" name="Google Shape;112;p13"/>
+            <p:cNvPr id="122" name="Google Shape;122;p13"/>
             <p:cNvSpPr txBox="1"/>
             <p:nvPr/>
           </p:nvSpPr>
@@ -8432,1077 +8924,7 @@
         </p:sp>
         <p:sp>
           <p:nvSpPr>
-            <p:cNvPr id="113" name="Google Shape;113;p13"/>
-            <p:cNvSpPr txBox="1"/>
-            <p:nvPr/>
-          </p:nvSpPr>
-          <p:spPr>
-            <a:xfrm>
-              <a:off x="4025400" y="2404575"/>
-              <a:ext cx="1096500" cy="451200"/>
-            </a:xfrm>
-            <a:prstGeom prst="rect">
-              <a:avLst/>
-            </a:prstGeom>
-            <a:noFill/>
-            <a:ln>
-              <a:noFill/>
-            </a:ln>
-          </p:spPr>
-          <p:txBody>
-            <a:bodyPr anchorCtr="0" anchor="t" bIns="91425" lIns="91425" spcFirstLastPara="1" rIns="91425" wrap="square" tIns="91425">
-              <a:noAutofit/>
-            </a:bodyPr>
-            <a:lstStyle/>
-            <a:p>
-              <a:pPr indent="0" lvl="0" marL="0" rtl="0" algn="l">
-                <a:spcBef>
-                  <a:spcPts val="0"/>
-                </a:spcBef>
-                <a:spcAft>
-                  <a:spcPts val="0"/>
-                </a:spcAft>
-                <a:buNone/>
-              </a:pPr>
-              <a:r>
-                <a:rPr lang="ja" sz="700">
-                  <a:solidFill>
-                    <a:schemeClr val="dk2"/>
-                  </a:solidFill>
-                </a:rPr>
-                <a:t>・ホーム</a:t>
-              </a:r>
-              <a:endParaRPr sz="700">
-                <a:solidFill>
-                  <a:schemeClr val="dk2"/>
-                </a:solidFill>
-              </a:endParaRPr>
-            </a:p>
-            <a:p>
-              <a:pPr indent="0" lvl="0" marL="0" rtl="0" algn="l">
-                <a:spcBef>
-                  <a:spcPts val="0"/>
-                </a:spcBef>
-                <a:spcAft>
-                  <a:spcPts val="0"/>
-                </a:spcAft>
-                <a:buNone/>
-              </a:pPr>
-              <a:r>
-                <a:rPr lang="ja" sz="700">
-                  <a:solidFill>
-                    <a:schemeClr val="dk2"/>
-                  </a:solidFill>
-                </a:rPr>
-                <a:t>・マイページ</a:t>
-              </a:r>
-              <a:endParaRPr sz="700">
-                <a:solidFill>
-                  <a:schemeClr val="dk2"/>
-                </a:solidFill>
-              </a:endParaRPr>
-            </a:p>
-            <a:p>
-              <a:pPr indent="0" lvl="0" marL="0" rtl="0" algn="l">
-                <a:spcBef>
-                  <a:spcPts val="0"/>
-                </a:spcBef>
-                <a:spcAft>
-                  <a:spcPts val="0"/>
-                </a:spcAft>
-                <a:buNone/>
-              </a:pPr>
-              <a:r>
-                <a:rPr lang="ja" sz="700">
-                  <a:solidFill>
-                    <a:schemeClr val="dk2"/>
-                  </a:solidFill>
-                </a:rPr>
-                <a:t>・カート</a:t>
-              </a:r>
-              <a:endParaRPr sz="700">
-                <a:solidFill>
-                  <a:schemeClr val="dk2"/>
-                </a:solidFill>
-              </a:endParaRPr>
-            </a:p>
-          </p:txBody>
-        </p:sp>
-      </p:grpSp>
-      <p:cxnSp>
-        <p:nvCxnSpPr>
-          <p:cNvPr id="114" name="Google Shape;114;p13"/>
-          <p:cNvCxnSpPr>
-            <a:endCxn id="94" idx="0"/>
-          </p:cNvCxnSpPr>
-          <p:nvPr/>
-        </p:nvCxnSpPr>
-        <p:spPr>
-          <a:xfrm flipH="1">
-            <a:off x="6185463" y="791375"/>
-            <a:ext cx="1800" cy="520200"/>
-          </a:xfrm>
-          <a:prstGeom prst="straightConnector1">
-            <a:avLst/>
-          </a:prstGeom>
-          <a:noFill/>
-          <a:ln cap="flat" cmpd="sng" w="9525">
-            <a:solidFill>
-              <a:schemeClr val="dk2"/>
-            </a:solidFill>
-            <a:prstDash val="solid"/>
-            <a:round/>
-            <a:headEnd len="med" w="med" type="none"/>
-            <a:tailEnd len="med" w="med" type="triangle"/>
-          </a:ln>
-        </p:spPr>
-      </p:cxnSp>
-      <p:cxnSp>
-        <p:nvCxnSpPr>
-          <p:cNvPr id="115" name="Google Shape;115;p13"/>
-          <p:cNvCxnSpPr>
-            <a:stCxn id="93" idx="2"/>
-            <a:endCxn id="99" idx="0"/>
-          </p:cNvCxnSpPr>
-          <p:nvPr/>
-        </p:nvCxnSpPr>
-        <p:spPr>
-          <a:xfrm>
-            <a:off x="6185463" y="1959575"/>
-            <a:ext cx="0" cy="284700"/>
-          </a:xfrm>
-          <a:prstGeom prst="straightConnector1">
-            <a:avLst/>
-          </a:prstGeom>
-          <a:noFill/>
-          <a:ln cap="flat" cmpd="sng" w="9525">
-            <a:solidFill>
-              <a:schemeClr val="dk2"/>
-            </a:solidFill>
-            <a:prstDash val="solid"/>
-            <a:round/>
-            <a:headEnd len="med" w="med" type="none"/>
-            <a:tailEnd len="med" w="med" type="triangle"/>
-          </a:ln>
-        </p:spPr>
-      </p:cxnSp>
-      <p:cxnSp>
-        <p:nvCxnSpPr>
-          <p:cNvPr id="116" name="Google Shape;116;p13"/>
-          <p:cNvCxnSpPr>
-            <a:stCxn id="54" idx="0"/>
-          </p:cNvCxnSpPr>
-          <p:nvPr/>
-        </p:nvCxnSpPr>
-        <p:spPr>
-          <a:xfrm flipH="1" rot="10800000">
-            <a:off x="4572000" y="679000"/>
-            <a:ext cx="3900" cy="340800"/>
-          </a:xfrm>
-          <a:prstGeom prst="straightConnector1">
-            <a:avLst/>
-          </a:prstGeom>
-          <a:noFill/>
-          <a:ln cap="flat" cmpd="sng" w="9525">
-            <a:solidFill>
-              <a:schemeClr val="dk2"/>
-            </a:solidFill>
-            <a:prstDash val="solid"/>
-            <a:round/>
-            <a:headEnd len="med" w="med" type="none"/>
-            <a:tailEnd len="med" w="med" type="triangle"/>
-          </a:ln>
-        </p:spPr>
-      </p:cxnSp>
-      <p:grpSp>
-        <p:nvGrpSpPr>
-          <p:cNvPr id="117" name="Google Shape;117;p13"/>
-          <p:cNvGrpSpPr/>
-          <p:nvPr/>
-        </p:nvGrpSpPr>
-        <p:grpSpPr>
-          <a:xfrm>
-            <a:off x="2178125" y="1305825"/>
-            <a:ext cx="1173600" cy="648000"/>
-            <a:chOff x="3985200" y="2247750"/>
-            <a:chExt cx="1173600" cy="648000"/>
-          </a:xfrm>
-        </p:grpSpPr>
-        <p:sp>
-          <p:nvSpPr>
-            <p:cNvPr id="118" name="Google Shape;118;p13"/>
-            <p:cNvSpPr txBox="1"/>
-            <p:nvPr/>
-          </p:nvSpPr>
-          <p:spPr>
-            <a:xfrm>
-              <a:off x="3985200" y="2247750"/>
-              <a:ext cx="1173600" cy="648000"/>
-            </a:xfrm>
-            <a:prstGeom prst="rect">
-              <a:avLst/>
-            </a:prstGeom>
-            <a:solidFill>
-              <a:srgbClr val="EFEFEF"/>
-            </a:solidFill>
-            <a:ln cap="flat" cmpd="sng" w="9525">
-              <a:solidFill>
-                <a:srgbClr val="000000"/>
-              </a:solidFill>
-              <a:prstDash val="solid"/>
-              <a:round/>
-              <a:headEnd len="sm" w="sm" type="none"/>
-              <a:tailEnd len="sm" w="sm" type="none"/>
-            </a:ln>
-          </p:spPr>
-          <p:txBody>
-            <a:bodyPr anchorCtr="0" anchor="t" bIns="91425" lIns="91425" spcFirstLastPara="1" rIns="91425" wrap="square" tIns="91425">
-              <a:noAutofit/>
-            </a:bodyPr>
-            <a:lstStyle/>
-            <a:p>
-              <a:pPr indent="0" lvl="0" marL="0" rtl="0" algn="l">
-                <a:spcBef>
-                  <a:spcPts val="0"/>
-                </a:spcBef>
-                <a:spcAft>
-                  <a:spcPts val="0"/>
-                </a:spcAft>
-                <a:buNone/>
-              </a:pPr>
-              <a:r>
-                <a:t/>
-              </a:r>
-              <a:endParaRPr sz="900">
-                <a:solidFill>
-                  <a:schemeClr val="dk2"/>
-                </a:solidFill>
-              </a:endParaRPr>
-            </a:p>
-          </p:txBody>
-        </p:sp>
-        <p:sp>
-          <p:nvSpPr>
-            <p:cNvPr id="119" name="Google Shape;119;p13"/>
-            <p:cNvSpPr txBox="1"/>
-            <p:nvPr/>
-          </p:nvSpPr>
-          <p:spPr>
-            <a:xfrm>
-              <a:off x="3985200" y="2247750"/>
-              <a:ext cx="1173600" cy="129600"/>
-            </a:xfrm>
-            <a:prstGeom prst="rect">
-              <a:avLst/>
-            </a:prstGeom>
-            <a:noFill/>
-            <a:ln>
-              <a:noFill/>
-            </a:ln>
-          </p:spPr>
-          <p:txBody>
-            <a:bodyPr anchorCtr="0" anchor="ctr" bIns="91425" lIns="91425" spcFirstLastPara="1" rIns="91425" wrap="square" tIns="91425">
-              <a:noAutofit/>
-            </a:bodyPr>
-            <a:lstStyle/>
-            <a:p>
-              <a:pPr indent="0" lvl="0" marL="0" rtl="0" algn="ctr">
-                <a:spcBef>
-                  <a:spcPts val="0"/>
-                </a:spcBef>
-                <a:spcAft>
-                  <a:spcPts val="0"/>
-                </a:spcAft>
-                <a:buNone/>
-              </a:pPr>
-              <a:r>
-                <a:rPr b="1" lang="ja" sz="800">
-                  <a:solidFill>
-                    <a:schemeClr val="dk2"/>
-                  </a:solidFill>
-                </a:rPr>
-                <a:t>注文</a:t>
-              </a:r>
-              <a:r>
-                <a:rPr b="1" lang="ja" sz="800">
-                  <a:solidFill>
-                    <a:schemeClr val="dk2"/>
-                  </a:solidFill>
-                </a:rPr>
-                <a:t>詳細</a:t>
-              </a:r>
-              <a:endParaRPr b="1" sz="800">
-                <a:solidFill>
-                  <a:schemeClr val="dk2"/>
-                </a:solidFill>
-              </a:endParaRPr>
-            </a:p>
-          </p:txBody>
-        </p:sp>
-        <p:sp>
-          <p:nvSpPr>
-            <p:cNvPr id="120" name="Google Shape;120;p13"/>
-            <p:cNvSpPr txBox="1"/>
-            <p:nvPr/>
-          </p:nvSpPr>
-          <p:spPr>
-            <a:xfrm>
-              <a:off x="4025400" y="2404575"/>
-              <a:ext cx="1096500" cy="451200"/>
-            </a:xfrm>
-            <a:prstGeom prst="rect">
-              <a:avLst/>
-            </a:prstGeom>
-            <a:solidFill>
-              <a:schemeClr val="lt1"/>
-            </a:solidFill>
-            <a:ln cap="flat" cmpd="sng" w="9525">
-              <a:solidFill>
-                <a:srgbClr val="000000"/>
-              </a:solidFill>
-              <a:prstDash val="dash"/>
-              <a:round/>
-              <a:headEnd len="sm" w="sm" type="none"/>
-              <a:tailEnd len="sm" w="sm" type="none"/>
-            </a:ln>
-          </p:spPr>
-          <p:txBody>
-            <a:bodyPr anchorCtr="0" anchor="t" bIns="91425" lIns="91425" spcFirstLastPara="1" rIns="91425" wrap="square" tIns="91425">
-              <a:noAutofit/>
-            </a:bodyPr>
-            <a:lstStyle/>
-            <a:p>
-              <a:pPr indent="0" lvl="0" marL="0" rtl="0" algn="l">
-                <a:spcBef>
-                  <a:spcPts val="0"/>
-                </a:spcBef>
-                <a:spcAft>
-                  <a:spcPts val="0"/>
-                </a:spcAft>
-                <a:buNone/>
-              </a:pPr>
-              <a:r>
-                <a:t/>
-              </a:r>
-              <a:endParaRPr sz="1800">
-                <a:solidFill>
-                  <a:schemeClr val="dk2"/>
-                </a:solidFill>
-              </a:endParaRPr>
-            </a:p>
-          </p:txBody>
-        </p:sp>
-        <p:sp>
-          <p:nvSpPr>
-            <p:cNvPr id="121" name="Google Shape;121;p13"/>
-            <p:cNvSpPr txBox="1"/>
-            <p:nvPr/>
-          </p:nvSpPr>
-          <p:spPr>
-            <a:xfrm>
-              <a:off x="4025400" y="2404575"/>
-              <a:ext cx="1096500" cy="451200"/>
-            </a:xfrm>
-            <a:prstGeom prst="rect">
-              <a:avLst/>
-            </a:prstGeom>
-            <a:noFill/>
-            <a:ln>
-              <a:noFill/>
-            </a:ln>
-          </p:spPr>
-          <p:txBody>
-            <a:bodyPr anchorCtr="0" anchor="t" bIns="91425" lIns="91425" spcFirstLastPara="1" rIns="91425" wrap="square" tIns="91425">
-              <a:noAutofit/>
-            </a:bodyPr>
-            <a:lstStyle/>
-            <a:p>
-              <a:pPr indent="0" lvl="0" marL="0" rtl="0" algn="l">
-                <a:spcBef>
-                  <a:spcPts val="0"/>
-                </a:spcBef>
-                <a:spcAft>
-                  <a:spcPts val="0"/>
-                </a:spcAft>
-                <a:buNone/>
-              </a:pPr>
-              <a:r>
-                <a:rPr lang="ja" sz="700">
-                  <a:solidFill>
-                    <a:schemeClr val="dk2"/>
-                  </a:solidFill>
-                </a:rPr>
-                <a:t>・商品詳細</a:t>
-              </a:r>
-              <a:endParaRPr sz="700">
-                <a:solidFill>
-                  <a:schemeClr val="dk2"/>
-                </a:solidFill>
-              </a:endParaRPr>
-            </a:p>
-          </p:txBody>
-        </p:sp>
-      </p:grpSp>
-      <p:cxnSp>
-        <p:nvCxnSpPr>
-          <p:cNvPr id="122" name="Google Shape;122;p13"/>
-          <p:cNvCxnSpPr>
-            <a:stCxn id="123" idx="0"/>
-            <a:endCxn id="82" idx="2"/>
-          </p:cNvCxnSpPr>
-          <p:nvPr/>
-        </p:nvCxnSpPr>
-        <p:spPr>
-          <a:xfrm flipH="1" rot="10800000">
-            <a:off x="2763188" y="2895613"/>
-            <a:ext cx="1800" cy="281400"/>
-          </a:xfrm>
-          <a:prstGeom prst="straightConnector1">
-            <a:avLst/>
-          </a:prstGeom>
-          <a:noFill/>
-          <a:ln cap="flat" cmpd="sng" w="9525">
-            <a:solidFill>
-              <a:schemeClr val="dk2"/>
-            </a:solidFill>
-            <a:prstDash val="solid"/>
-            <a:round/>
-            <a:headEnd len="med" w="med" type="none"/>
-            <a:tailEnd len="med" w="med" type="triangle"/>
-          </a:ln>
-        </p:spPr>
-      </p:cxnSp>
-      <p:cxnSp>
-        <p:nvCxnSpPr>
-          <p:cNvPr id="124" name="Google Shape;124;p13"/>
-          <p:cNvCxnSpPr>
-            <a:stCxn id="83" idx="0"/>
-            <a:endCxn id="118" idx="2"/>
-          </p:cNvCxnSpPr>
-          <p:nvPr/>
-        </p:nvCxnSpPr>
-        <p:spPr>
-          <a:xfrm rot="10800000">
-            <a:off x="2764925" y="1953750"/>
-            <a:ext cx="0" cy="294000"/>
-          </a:xfrm>
-          <a:prstGeom prst="straightConnector1">
-            <a:avLst/>
-          </a:prstGeom>
-          <a:noFill/>
-          <a:ln cap="flat" cmpd="sng" w="9525">
-            <a:solidFill>
-              <a:schemeClr val="dk2"/>
-            </a:solidFill>
-            <a:prstDash val="solid"/>
-            <a:round/>
-            <a:headEnd len="med" w="med" type="none"/>
-            <a:tailEnd len="med" w="med" type="triangle"/>
-          </a:ln>
-        </p:spPr>
-      </p:cxnSp>
-      <p:cxnSp>
-        <p:nvCxnSpPr>
-          <p:cNvPr id="125" name="Google Shape;125;p13"/>
-          <p:cNvCxnSpPr>
-            <a:stCxn id="118" idx="3"/>
-            <a:endCxn id="77" idx="1"/>
-          </p:cNvCxnSpPr>
-          <p:nvPr/>
-        </p:nvCxnSpPr>
-        <p:spPr>
-          <a:xfrm flipH="1" rot="10800000">
-            <a:off x="3351725" y="1626525"/>
-            <a:ext cx="536700" cy="3300"/>
-          </a:xfrm>
-          <a:prstGeom prst="straightConnector1">
-            <a:avLst/>
-          </a:prstGeom>
-          <a:noFill/>
-          <a:ln cap="flat" cmpd="sng" w="9525">
-            <a:solidFill>
-              <a:schemeClr val="dk2"/>
-            </a:solidFill>
-            <a:prstDash val="solid"/>
-            <a:round/>
-            <a:headEnd len="med" w="med" type="none"/>
-            <a:tailEnd len="med" w="med" type="triangle"/>
-          </a:ln>
-        </p:spPr>
-      </p:cxnSp>
-      <p:cxnSp>
-        <p:nvCxnSpPr>
-          <p:cNvPr id="126" name="Google Shape;126;p13"/>
-          <p:cNvCxnSpPr>
-            <a:stCxn id="82" idx="3"/>
-            <a:endCxn id="77" idx="1"/>
-          </p:cNvCxnSpPr>
-          <p:nvPr/>
-        </p:nvCxnSpPr>
-        <p:spPr>
-          <a:xfrm flipH="1" rot="10800000">
-            <a:off x="3351725" y="1626450"/>
-            <a:ext cx="536700" cy="945300"/>
-          </a:xfrm>
-          <a:prstGeom prst="straightConnector1">
-            <a:avLst/>
-          </a:prstGeom>
-          <a:noFill/>
-          <a:ln cap="flat" cmpd="sng" w="9525">
-            <a:solidFill>
-              <a:schemeClr val="dk2"/>
-            </a:solidFill>
-            <a:prstDash val="solid"/>
-            <a:round/>
-            <a:headEnd len="med" w="med" type="none"/>
-            <a:tailEnd len="med" w="med" type="triangle"/>
-          </a:ln>
-        </p:spPr>
-      </p:cxnSp>
-      <p:grpSp>
-        <p:nvGrpSpPr>
-          <p:cNvPr id="127" name="Google Shape;127;p13"/>
-          <p:cNvGrpSpPr/>
-          <p:nvPr/>
-        </p:nvGrpSpPr>
-        <p:grpSpPr>
-          <a:xfrm>
-            <a:off x="5598663" y="3177050"/>
-            <a:ext cx="1173600" cy="648000"/>
-            <a:chOff x="3985200" y="2247750"/>
-            <a:chExt cx="1173600" cy="648000"/>
-          </a:xfrm>
-        </p:grpSpPr>
-        <p:sp>
-          <p:nvSpPr>
-            <p:cNvPr id="128" name="Google Shape;128;p13"/>
-            <p:cNvSpPr txBox="1"/>
-            <p:nvPr/>
-          </p:nvSpPr>
-          <p:spPr>
-            <a:xfrm>
-              <a:off x="3985200" y="2247750"/>
-              <a:ext cx="1173600" cy="648000"/>
-            </a:xfrm>
-            <a:prstGeom prst="rect">
-              <a:avLst/>
-            </a:prstGeom>
-            <a:solidFill>
-              <a:srgbClr val="EFEFEF"/>
-            </a:solidFill>
-            <a:ln cap="flat" cmpd="sng" w="9525">
-              <a:solidFill>
-                <a:srgbClr val="000000"/>
-              </a:solidFill>
-              <a:prstDash val="solid"/>
-              <a:round/>
-              <a:headEnd len="sm" w="sm" type="none"/>
-              <a:tailEnd len="sm" w="sm" type="none"/>
-            </a:ln>
-          </p:spPr>
-          <p:txBody>
-            <a:bodyPr anchorCtr="0" anchor="t" bIns="91425" lIns="91425" spcFirstLastPara="1" rIns="91425" wrap="square" tIns="91425">
-              <a:noAutofit/>
-            </a:bodyPr>
-            <a:lstStyle/>
-            <a:p>
-              <a:pPr indent="0" lvl="0" marL="0" rtl="0" algn="l">
-                <a:spcBef>
-                  <a:spcPts val="0"/>
-                </a:spcBef>
-                <a:spcAft>
-                  <a:spcPts val="0"/>
-                </a:spcAft>
-                <a:buNone/>
-              </a:pPr>
-              <a:r>
-                <a:t/>
-              </a:r>
-              <a:endParaRPr sz="900">
-                <a:solidFill>
-                  <a:schemeClr val="dk2"/>
-                </a:solidFill>
-              </a:endParaRPr>
-            </a:p>
-          </p:txBody>
-        </p:sp>
-        <p:sp>
-          <p:nvSpPr>
-            <p:cNvPr id="129" name="Google Shape;129;p13"/>
-            <p:cNvSpPr txBox="1"/>
-            <p:nvPr/>
-          </p:nvSpPr>
-          <p:spPr>
-            <a:xfrm>
-              <a:off x="3985200" y="2247750"/>
-              <a:ext cx="1173600" cy="129600"/>
-            </a:xfrm>
-            <a:prstGeom prst="rect">
-              <a:avLst/>
-            </a:prstGeom>
-            <a:noFill/>
-            <a:ln>
-              <a:noFill/>
-            </a:ln>
-          </p:spPr>
-          <p:txBody>
-            <a:bodyPr anchorCtr="0" anchor="ctr" bIns="91425" lIns="91425" spcFirstLastPara="1" rIns="91425" wrap="square" tIns="91425">
-              <a:noAutofit/>
-            </a:bodyPr>
-            <a:lstStyle/>
-            <a:p>
-              <a:pPr indent="0" lvl="0" marL="0" rtl="0" algn="ctr">
-                <a:spcBef>
-                  <a:spcPts val="0"/>
-                </a:spcBef>
-                <a:spcAft>
-                  <a:spcPts val="0"/>
-                </a:spcAft>
-                <a:buNone/>
-              </a:pPr>
-              <a:r>
-                <a:rPr b="1" lang="ja" sz="800">
-                  <a:solidFill>
-                    <a:schemeClr val="dk2"/>
-                  </a:solidFill>
-                </a:rPr>
-                <a:t>購入</a:t>
-              </a:r>
-              <a:r>
-                <a:rPr b="1" lang="ja" sz="800">
-                  <a:solidFill>
-                    <a:schemeClr val="dk2"/>
-                  </a:solidFill>
-                </a:rPr>
-                <a:t>確認</a:t>
-              </a:r>
-              <a:endParaRPr b="1" sz="800">
-                <a:solidFill>
-                  <a:schemeClr val="dk2"/>
-                </a:solidFill>
-              </a:endParaRPr>
-            </a:p>
-          </p:txBody>
-        </p:sp>
-        <p:sp>
-          <p:nvSpPr>
-            <p:cNvPr id="130" name="Google Shape;130;p13"/>
-            <p:cNvSpPr txBox="1"/>
-            <p:nvPr/>
-          </p:nvSpPr>
-          <p:spPr>
-            <a:xfrm>
-              <a:off x="4025400" y="2404575"/>
-              <a:ext cx="1096500" cy="451200"/>
-            </a:xfrm>
-            <a:prstGeom prst="rect">
-              <a:avLst/>
-            </a:prstGeom>
-            <a:solidFill>
-              <a:schemeClr val="lt1"/>
-            </a:solidFill>
-            <a:ln cap="flat" cmpd="sng" w="9525">
-              <a:solidFill>
-                <a:srgbClr val="000000"/>
-              </a:solidFill>
-              <a:prstDash val="dash"/>
-              <a:round/>
-              <a:headEnd len="sm" w="sm" type="none"/>
-              <a:tailEnd len="sm" w="sm" type="none"/>
-            </a:ln>
-          </p:spPr>
-          <p:txBody>
-            <a:bodyPr anchorCtr="0" anchor="t" bIns="91425" lIns="91425" spcFirstLastPara="1" rIns="91425" wrap="square" tIns="91425">
-              <a:noAutofit/>
-            </a:bodyPr>
-            <a:lstStyle/>
-            <a:p>
-              <a:pPr indent="0" lvl="0" marL="0" rtl="0" algn="l">
-                <a:spcBef>
-                  <a:spcPts val="0"/>
-                </a:spcBef>
-                <a:spcAft>
-                  <a:spcPts val="0"/>
-                </a:spcAft>
-                <a:buNone/>
-              </a:pPr>
-              <a:r>
-                <a:t/>
-              </a:r>
-              <a:endParaRPr sz="1800">
-                <a:solidFill>
-                  <a:schemeClr val="dk2"/>
-                </a:solidFill>
-              </a:endParaRPr>
-            </a:p>
-          </p:txBody>
-        </p:sp>
-        <p:sp>
-          <p:nvSpPr>
-            <p:cNvPr id="131" name="Google Shape;131;p13"/>
-            <p:cNvSpPr txBox="1"/>
-            <p:nvPr/>
-          </p:nvSpPr>
-          <p:spPr>
-            <a:xfrm>
-              <a:off x="4025400" y="2404575"/>
-              <a:ext cx="1096500" cy="451200"/>
-            </a:xfrm>
-            <a:prstGeom prst="rect">
-              <a:avLst/>
-            </a:prstGeom>
-            <a:noFill/>
-            <a:ln>
-              <a:noFill/>
-            </a:ln>
-          </p:spPr>
-          <p:txBody>
-            <a:bodyPr anchorCtr="0" anchor="t" bIns="91425" lIns="91425" spcFirstLastPara="1" rIns="91425" wrap="square" tIns="91425">
-              <a:noAutofit/>
-            </a:bodyPr>
-            <a:lstStyle/>
-            <a:p>
-              <a:pPr indent="0" lvl="0" marL="0" rtl="0" algn="l">
-                <a:spcBef>
-                  <a:spcPts val="0"/>
-                </a:spcBef>
-                <a:spcAft>
-                  <a:spcPts val="0"/>
-                </a:spcAft>
-                <a:buNone/>
-              </a:pPr>
-              <a:r>
-                <a:rPr lang="ja" sz="700">
-                  <a:solidFill>
-                    <a:schemeClr val="dk2"/>
-                  </a:solidFill>
-                </a:rPr>
-                <a:t>・</a:t>
-              </a:r>
-              <a:r>
-                <a:rPr lang="ja" sz="700">
-                  <a:solidFill>
-                    <a:schemeClr val="dk2"/>
-                  </a:solidFill>
-                </a:rPr>
-                <a:t>購入ボタン</a:t>
-              </a:r>
-              <a:endParaRPr sz="700">
-                <a:solidFill>
-                  <a:schemeClr val="dk2"/>
-                </a:solidFill>
-              </a:endParaRPr>
-            </a:p>
-          </p:txBody>
-        </p:sp>
-      </p:grpSp>
-      <p:sp>
-        <p:nvSpPr>
-          <p:cNvPr id="132" name="Google Shape;132;p13"/>
-          <p:cNvSpPr txBox="1"/>
-          <p:nvPr/>
-        </p:nvSpPr>
-        <p:spPr>
-          <a:xfrm>
-            <a:off x="275575" y="3265650"/>
-            <a:ext cx="1329000" cy="572700"/>
-          </a:xfrm>
-          <a:prstGeom prst="rect">
-            <a:avLst/>
-          </a:prstGeom>
-          <a:noFill/>
-          <a:ln>
-            <a:noFill/>
-          </a:ln>
-        </p:spPr>
-        <p:txBody>
-          <a:bodyPr anchorCtr="0" anchor="t" bIns="91425" lIns="91425" spcFirstLastPara="1" rIns="91425" wrap="square" tIns="91425">
-            <a:noAutofit/>
-          </a:bodyPr>
-          <a:lstStyle/>
-          <a:p>
-            <a:pPr indent="0" lvl="0" marL="0" rtl="0" algn="l">
-              <a:spcBef>
-                <a:spcPts val="0"/>
-              </a:spcBef>
-              <a:spcAft>
-                <a:spcPts val="0"/>
-              </a:spcAft>
-              <a:buNone/>
-            </a:pPr>
-            <a:r>
-              <a:rPr lang="ja" sz="1800">
-                <a:solidFill>
-                  <a:schemeClr val="dk2"/>
-                </a:solidFill>
-              </a:rPr>
-              <a:t>別スライド</a:t>
-            </a:r>
-            <a:endParaRPr sz="1800">
-              <a:solidFill>
-                <a:schemeClr val="dk2"/>
-              </a:solidFill>
-            </a:endParaRPr>
-          </a:p>
-        </p:txBody>
-      </p:sp>
-      <p:cxnSp>
-        <p:nvCxnSpPr>
-          <p:cNvPr id="133" name="Google Shape;133;p13"/>
-          <p:cNvCxnSpPr>
-            <a:endCxn id="129" idx="0"/>
-          </p:cNvCxnSpPr>
-          <p:nvPr/>
-        </p:nvCxnSpPr>
-        <p:spPr>
-          <a:xfrm>
-            <a:off x="6185463" y="2892350"/>
-            <a:ext cx="0" cy="284700"/>
-          </a:xfrm>
-          <a:prstGeom prst="straightConnector1">
-            <a:avLst/>
-          </a:prstGeom>
-          <a:noFill/>
-          <a:ln cap="flat" cmpd="sng" w="9525">
-            <a:solidFill>
-              <a:schemeClr val="dk2"/>
-            </a:solidFill>
-            <a:prstDash val="solid"/>
-            <a:round/>
-            <a:headEnd len="med" w="med" type="none"/>
-            <a:tailEnd len="med" w="med" type="triangle"/>
-          </a:ln>
-        </p:spPr>
-      </p:cxnSp>
-      <p:cxnSp>
-        <p:nvCxnSpPr>
-          <p:cNvPr id="134" name="Google Shape;134;p13"/>
-          <p:cNvCxnSpPr>
-            <a:endCxn id="104" idx="0"/>
-          </p:cNvCxnSpPr>
-          <p:nvPr/>
-        </p:nvCxnSpPr>
-        <p:spPr>
-          <a:xfrm>
-            <a:off x="6185463" y="3825075"/>
-            <a:ext cx="4200" cy="284700"/>
-          </a:xfrm>
-          <a:prstGeom prst="straightConnector1">
-            <a:avLst/>
-          </a:prstGeom>
-          <a:noFill/>
-          <a:ln cap="flat" cmpd="sng" w="9525">
-            <a:solidFill>
-              <a:schemeClr val="dk2"/>
-            </a:solidFill>
-            <a:prstDash val="solid"/>
-            <a:round/>
-            <a:headEnd len="med" w="med" type="none"/>
-            <a:tailEnd len="med" w="med" type="triangle"/>
-          </a:ln>
-        </p:spPr>
-      </p:cxnSp>
-      <p:cxnSp>
-        <p:nvCxnSpPr>
-          <p:cNvPr id="135" name="Google Shape;135;p13"/>
-          <p:cNvCxnSpPr>
-            <a:endCxn id="77" idx="3"/>
-          </p:cNvCxnSpPr>
-          <p:nvPr/>
-        </p:nvCxnSpPr>
-        <p:spPr>
-          <a:xfrm rot="10800000">
-            <a:off x="5062000" y="1626475"/>
-            <a:ext cx="536700" cy="9000"/>
-          </a:xfrm>
-          <a:prstGeom prst="straightConnector1">
-            <a:avLst/>
-          </a:prstGeom>
-          <a:noFill/>
-          <a:ln cap="flat" cmpd="sng" w="9525">
-            <a:solidFill>
-              <a:schemeClr val="dk2"/>
-            </a:solidFill>
-            <a:prstDash val="solid"/>
-            <a:round/>
-            <a:headEnd len="med" w="med" type="none"/>
-            <a:tailEnd len="med" w="med" type="triangle"/>
-          </a:ln>
-        </p:spPr>
-      </p:cxnSp>
-      <p:grpSp>
-        <p:nvGrpSpPr>
-          <p:cNvPr id="136" name="Google Shape;136;p13"/>
-          <p:cNvGrpSpPr/>
-          <p:nvPr/>
-        </p:nvGrpSpPr>
-        <p:grpSpPr>
-          <a:xfrm>
-            <a:off x="2117363" y="3177013"/>
-            <a:ext cx="1295100" cy="648000"/>
-            <a:chOff x="3926175" y="2247750"/>
-            <a:chExt cx="1295100" cy="648000"/>
-          </a:xfrm>
-        </p:grpSpPr>
-        <p:sp>
-          <p:nvSpPr>
-            <p:cNvPr id="137" name="Google Shape;137;p13"/>
-            <p:cNvSpPr txBox="1"/>
-            <p:nvPr/>
-          </p:nvSpPr>
-          <p:spPr>
-            <a:xfrm>
-              <a:off x="3985200" y="2247750"/>
-              <a:ext cx="1173600" cy="648000"/>
-            </a:xfrm>
-            <a:prstGeom prst="rect">
-              <a:avLst/>
-            </a:prstGeom>
-            <a:solidFill>
-              <a:srgbClr val="EFEFEF"/>
-            </a:solidFill>
-            <a:ln cap="flat" cmpd="sng" w="9525">
-              <a:solidFill>
-                <a:srgbClr val="000000"/>
-              </a:solidFill>
-              <a:prstDash val="solid"/>
-              <a:round/>
-              <a:headEnd len="sm" w="sm" type="none"/>
-              <a:tailEnd len="sm" w="sm" type="none"/>
-            </a:ln>
-          </p:spPr>
-          <p:txBody>
-            <a:bodyPr anchorCtr="0" anchor="t" bIns="91425" lIns="91425" spcFirstLastPara="1" rIns="91425" wrap="square" tIns="91425">
-              <a:noAutofit/>
-            </a:bodyPr>
-            <a:lstStyle/>
-            <a:p>
-              <a:pPr indent="0" lvl="0" marL="0" rtl="0" algn="l">
-                <a:spcBef>
-                  <a:spcPts val="0"/>
-                </a:spcBef>
-                <a:spcAft>
-                  <a:spcPts val="0"/>
-                </a:spcAft>
-                <a:buNone/>
-              </a:pPr>
-              <a:r>
-                <a:t/>
-              </a:r>
-              <a:endParaRPr sz="900">
-                <a:solidFill>
-                  <a:schemeClr val="dk2"/>
-                </a:solidFill>
-              </a:endParaRPr>
-            </a:p>
-          </p:txBody>
-        </p:sp>
-        <p:sp>
-          <p:nvSpPr>
             <p:cNvPr id="123" name="Google Shape;123;p13"/>
-            <p:cNvSpPr txBox="1"/>
-            <p:nvPr/>
-          </p:nvSpPr>
-          <p:spPr>
-            <a:xfrm>
-              <a:off x="3985200" y="2247750"/>
-              <a:ext cx="1173600" cy="129600"/>
-            </a:xfrm>
-            <a:prstGeom prst="rect">
-              <a:avLst/>
-            </a:prstGeom>
-            <a:noFill/>
-            <a:ln>
-              <a:noFill/>
-            </a:ln>
-          </p:spPr>
-          <p:txBody>
-            <a:bodyPr anchorCtr="0" anchor="ctr" bIns="91425" lIns="91425" spcFirstLastPara="1" rIns="91425" wrap="square" tIns="91425">
-              <a:noAutofit/>
-            </a:bodyPr>
-            <a:lstStyle/>
-            <a:p>
-              <a:pPr indent="0" lvl="0" marL="0" rtl="0" algn="ctr">
-                <a:spcBef>
-                  <a:spcPts val="0"/>
-                </a:spcBef>
-                <a:spcAft>
-                  <a:spcPts val="0"/>
-                </a:spcAft>
-                <a:buNone/>
-              </a:pPr>
-              <a:r>
-                <a:rPr b="1" lang="ja" sz="800">
-                  <a:solidFill>
-                    <a:schemeClr val="dk2"/>
-                  </a:solidFill>
-                </a:rPr>
-                <a:t>マイページ</a:t>
-              </a:r>
-              <a:endParaRPr b="1" sz="800">
-                <a:solidFill>
-                  <a:schemeClr val="dk2"/>
-                </a:solidFill>
-              </a:endParaRPr>
-            </a:p>
-          </p:txBody>
-        </p:sp>
-        <p:sp>
-          <p:nvSpPr>
-            <p:cNvPr id="138" name="Google Shape;138;p13"/>
-            <p:cNvSpPr txBox="1"/>
-            <p:nvPr/>
-          </p:nvSpPr>
-          <p:spPr>
-            <a:xfrm>
-              <a:off x="4025400" y="2404575"/>
-              <a:ext cx="1096500" cy="451200"/>
-            </a:xfrm>
-            <a:prstGeom prst="rect">
-              <a:avLst/>
-            </a:prstGeom>
-            <a:solidFill>
-              <a:schemeClr val="lt1"/>
-            </a:solidFill>
-            <a:ln cap="flat" cmpd="sng" w="9525">
-              <a:solidFill>
-                <a:srgbClr val="000000"/>
-              </a:solidFill>
-              <a:prstDash val="dash"/>
-              <a:round/>
-              <a:headEnd len="sm" w="sm" type="none"/>
-              <a:tailEnd len="sm" w="sm" type="none"/>
-            </a:ln>
-          </p:spPr>
-          <p:txBody>
-            <a:bodyPr anchorCtr="0" anchor="t" bIns="91425" lIns="91425" spcFirstLastPara="1" rIns="91425" wrap="square" tIns="91425">
-              <a:noAutofit/>
-            </a:bodyPr>
-            <a:lstStyle/>
-            <a:p>
-              <a:pPr indent="0" lvl="0" marL="0" rtl="0" algn="l">
-                <a:spcBef>
-                  <a:spcPts val="0"/>
-                </a:spcBef>
-                <a:spcAft>
-                  <a:spcPts val="0"/>
-                </a:spcAft>
-                <a:buNone/>
-              </a:pPr>
-              <a:r>
-                <a:t/>
-              </a:r>
-              <a:endParaRPr sz="1800">
-                <a:solidFill>
-                  <a:schemeClr val="dk2"/>
-                </a:solidFill>
-              </a:endParaRPr>
-            </a:p>
-          </p:txBody>
-        </p:sp>
-        <p:sp>
-          <p:nvSpPr>
-            <p:cNvPr id="139" name="Google Shape;139;p13"/>
             <p:cNvSpPr txBox="1"/>
             <p:nvPr/>
           </p:nvSpPr>
@@ -9623,6 +9045,63 @@
           </p:txBody>
         </p:sp>
       </p:grpSp>
+      <p:cxnSp>
+        <p:nvCxnSpPr>
+          <p:cNvPr id="124" name="Google Shape;124;p13"/>
+          <p:cNvCxnSpPr>
+            <a:stCxn id="56" idx="2"/>
+            <a:endCxn id="62" idx="0"/>
+          </p:cNvCxnSpPr>
+          <p:nvPr/>
+        </p:nvCxnSpPr>
+        <p:spPr>
+          <a:xfrm>
+            <a:off x="7895738" y="2188175"/>
+            <a:ext cx="0" cy="288300"/>
+          </a:xfrm>
+          <a:prstGeom prst="straightConnector1">
+            <a:avLst/>
+          </a:prstGeom>
+          <a:noFill/>
+          <a:ln cap="flat" cmpd="sng" w="9525">
+            <a:solidFill>
+              <a:schemeClr val="dk2"/>
+            </a:solidFill>
+            <a:prstDash val="solid"/>
+            <a:round/>
+            <a:headEnd len="med" w="med" type="none"/>
+            <a:tailEnd len="med" w="med" type="triangle"/>
+          </a:ln>
+        </p:spPr>
+      </p:cxnSp>
+      <p:cxnSp>
+        <p:nvCxnSpPr>
+          <p:cNvPr id="125" name="Google Shape;125;p13"/>
+          <p:cNvCxnSpPr>
+            <a:endCxn id="57" idx="0"/>
+          </p:cNvCxnSpPr>
+          <p:nvPr/>
+        </p:nvCxnSpPr>
+        <p:spPr>
+          <a:xfrm>
+            <a:off x="6861638" y="876875"/>
+            <a:ext cx="1034100" cy="663300"/>
+          </a:xfrm>
+          <a:prstGeom prst="straightConnector1">
+            <a:avLst/>
+          </a:prstGeom>
+          <a:noFill/>
+          <a:ln cap="flat" cmpd="sng" w="9525">
+            <a:solidFill>
+              <a:schemeClr val="dk2"/>
+            </a:solidFill>
+            <a:prstDash val="solid"/>
+            <a:round/>
+            <a:headEnd len="med" w="med" type="none"/>
+            <a:tailEnd len="med" w="med" type="triangle"/>
+          </a:ln>
+        </p:spPr>
+      </p:cxnSp>
     </p:spTree>
   </p:cSld>
   <p:clrMapOvr>
@@ -9636,7 +9115,7 @@
   <p:cSld>
     <p:spTree>
       <p:nvGrpSpPr>
-        <p:cNvPr id="143" name="Shape 143"/>
+        <p:cNvPr id="129" name="Shape 129"/>
         <p:cNvGrpSpPr/>
         <p:nvPr/>
       </p:nvGrpSpPr>
@@ -9650,7 +9129,7 @@
       </p:grpSpPr>
       <p:sp>
         <p:nvSpPr>
-          <p:cNvPr id="144" name="Google Shape;144;p14"/>
+          <p:cNvPr id="130" name="Google Shape;130;p14"/>
           <p:cNvSpPr/>
           <p:nvPr/>
         </p:nvSpPr>
@@ -9699,7 +9178,7 @@
       </p:sp>
       <p:grpSp>
         <p:nvGrpSpPr>
-          <p:cNvPr id="145" name="Google Shape;145;p14"/>
+          <p:cNvPr id="131" name="Google Shape;131;p14"/>
           <p:cNvGrpSpPr/>
           <p:nvPr/>
         </p:nvGrpSpPr>
@@ -9713,7 +9192,7 @@
         </p:grpSpPr>
         <p:sp>
           <p:nvSpPr>
-            <p:cNvPr id="146" name="Google Shape;146;p14"/>
+            <p:cNvPr id="132" name="Google Shape;132;p14"/>
             <p:cNvSpPr txBox="1"/>
             <p:nvPr/>
           </p:nvSpPr>
@@ -9766,7 +9245,7 @@
         </p:sp>
         <p:sp>
           <p:nvSpPr>
-            <p:cNvPr id="147" name="Google Shape;147;p14"/>
+            <p:cNvPr id="133" name="Google Shape;133;p14"/>
             <p:cNvSpPr txBox="1"/>
             <p:nvPr/>
           </p:nvSpPr>
@@ -9816,7 +9295,7 @@
         </p:sp>
         <p:sp>
           <p:nvSpPr>
-            <p:cNvPr id="148" name="Google Shape;148;p14"/>
+            <p:cNvPr id="134" name="Google Shape;134;p14"/>
             <p:cNvSpPr txBox="1"/>
             <p:nvPr/>
           </p:nvSpPr>
@@ -9869,7 +9348,7 @@
         </p:sp>
         <p:sp>
           <p:nvSpPr>
-            <p:cNvPr id="149" name="Google Shape;149;p14"/>
+            <p:cNvPr id="135" name="Google Shape;135;p14"/>
             <p:cNvSpPr txBox="1"/>
             <p:nvPr/>
           </p:nvSpPr>
@@ -9928,7 +9407,7 @@
       </p:grpSp>
       <p:grpSp>
         <p:nvGrpSpPr>
-          <p:cNvPr id="150" name="Google Shape;150;p14"/>
+          <p:cNvPr id="136" name="Google Shape;136;p14"/>
           <p:cNvGrpSpPr/>
           <p:nvPr/>
         </p:nvGrpSpPr>
@@ -9942,7 +9421,7 @@
         </p:grpSpPr>
         <p:sp>
           <p:nvSpPr>
-            <p:cNvPr id="151" name="Google Shape;151;p14"/>
+            <p:cNvPr id="137" name="Google Shape;137;p14"/>
             <p:cNvSpPr txBox="1"/>
             <p:nvPr/>
           </p:nvSpPr>
@@ -9995,7 +9474,7 @@
         </p:sp>
         <p:sp>
           <p:nvSpPr>
-            <p:cNvPr id="152" name="Google Shape;152;p14"/>
+            <p:cNvPr id="138" name="Google Shape;138;p14"/>
             <p:cNvSpPr txBox="1"/>
             <p:nvPr/>
           </p:nvSpPr>
@@ -10045,7 +9524,7 @@
         </p:sp>
         <p:sp>
           <p:nvSpPr>
-            <p:cNvPr id="153" name="Google Shape;153;p14"/>
+            <p:cNvPr id="139" name="Google Shape;139;p14"/>
             <p:cNvSpPr txBox="1"/>
             <p:nvPr/>
           </p:nvSpPr>
@@ -10098,7 +9577,7 @@
         </p:sp>
         <p:sp>
           <p:nvSpPr>
-            <p:cNvPr id="154" name="Google Shape;154;p14"/>
+            <p:cNvPr id="140" name="Google Shape;140;p14"/>
             <p:cNvSpPr txBox="1"/>
             <p:nvPr/>
           </p:nvSpPr>
@@ -10149,7 +9628,7 @@
       </p:grpSp>
       <p:grpSp>
         <p:nvGrpSpPr>
-          <p:cNvPr id="155" name="Google Shape;155;p14"/>
+          <p:cNvPr id="141" name="Google Shape;141;p14"/>
           <p:cNvGrpSpPr/>
           <p:nvPr/>
         </p:nvGrpSpPr>
@@ -10163,7 +9642,7 @@
         </p:grpSpPr>
         <p:sp>
           <p:nvSpPr>
-            <p:cNvPr id="156" name="Google Shape;156;p14"/>
+            <p:cNvPr id="142" name="Google Shape;142;p14"/>
             <p:cNvSpPr txBox="1"/>
             <p:nvPr/>
           </p:nvSpPr>
@@ -10216,7 +9695,7 @@
         </p:sp>
         <p:sp>
           <p:nvSpPr>
-            <p:cNvPr id="157" name="Google Shape;157;p14"/>
+            <p:cNvPr id="143" name="Google Shape;143;p14"/>
             <p:cNvSpPr txBox="1"/>
             <p:nvPr/>
           </p:nvSpPr>
@@ -10266,7 +9745,7 @@
         </p:sp>
         <p:sp>
           <p:nvSpPr>
-            <p:cNvPr id="158" name="Google Shape;158;p14"/>
+            <p:cNvPr id="144" name="Google Shape;144;p14"/>
             <p:cNvSpPr txBox="1"/>
             <p:nvPr/>
           </p:nvSpPr>
@@ -10319,7 +9798,7 @@
         </p:sp>
         <p:sp>
           <p:nvSpPr>
-            <p:cNvPr id="159" name="Google Shape;159;p14"/>
+            <p:cNvPr id="145" name="Google Shape;145;p14"/>
             <p:cNvSpPr txBox="1"/>
             <p:nvPr/>
           </p:nvSpPr>
@@ -10450,7 +9929,7 @@
       </p:grpSp>
       <p:grpSp>
         <p:nvGrpSpPr>
-          <p:cNvPr id="160" name="Google Shape;160;p14"/>
+          <p:cNvPr id="146" name="Google Shape;146;p14"/>
           <p:cNvGrpSpPr/>
           <p:nvPr/>
         </p:nvGrpSpPr>
@@ -10464,7 +9943,7 @@
         </p:grpSpPr>
         <p:sp>
           <p:nvSpPr>
-            <p:cNvPr id="161" name="Google Shape;161;p14"/>
+            <p:cNvPr id="147" name="Google Shape;147;p14"/>
             <p:cNvSpPr txBox="1"/>
             <p:nvPr/>
           </p:nvSpPr>
@@ -10517,7 +9996,7 @@
         </p:sp>
         <p:sp>
           <p:nvSpPr>
-            <p:cNvPr id="162" name="Google Shape;162;p14"/>
+            <p:cNvPr id="148" name="Google Shape;148;p14"/>
             <p:cNvSpPr txBox="1"/>
             <p:nvPr/>
           </p:nvSpPr>
@@ -10567,7 +10046,7 @@
         </p:sp>
         <p:sp>
           <p:nvSpPr>
-            <p:cNvPr id="163" name="Google Shape;163;p14"/>
+            <p:cNvPr id="149" name="Google Shape;149;p14"/>
             <p:cNvSpPr txBox="1"/>
             <p:nvPr/>
           </p:nvSpPr>
@@ -10620,7 +10099,7 @@
         </p:sp>
         <p:sp>
           <p:nvSpPr>
-            <p:cNvPr id="164" name="Google Shape;164;p14"/>
+            <p:cNvPr id="150" name="Google Shape;150;p14"/>
             <p:cNvSpPr txBox="1"/>
             <p:nvPr/>
           </p:nvSpPr>
@@ -10711,7 +10190,7 @@
       </p:grpSp>
       <p:grpSp>
         <p:nvGrpSpPr>
-          <p:cNvPr id="165" name="Google Shape;165;p14"/>
+          <p:cNvPr id="151" name="Google Shape;151;p14"/>
           <p:cNvGrpSpPr/>
           <p:nvPr/>
         </p:nvGrpSpPr>
@@ -10725,7 +10204,7 @@
         </p:grpSpPr>
         <p:sp>
           <p:nvSpPr>
-            <p:cNvPr id="166" name="Google Shape;166;p14"/>
+            <p:cNvPr id="152" name="Google Shape;152;p14"/>
             <p:cNvSpPr txBox="1"/>
             <p:nvPr/>
           </p:nvSpPr>
@@ -10778,7 +10257,7 @@
         </p:sp>
         <p:sp>
           <p:nvSpPr>
-            <p:cNvPr id="167" name="Google Shape;167;p14"/>
+            <p:cNvPr id="153" name="Google Shape;153;p14"/>
             <p:cNvSpPr txBox="1"/>
             <p:nvPr/>
           </p:nvSpPr>
@@ -10828,7 +10307,7 @@
         </p:sp>
         <p:sp>
           <p:nvSpPr>
-            <p:cNvPr id="168" name="Google Shape;168;p14"/>
+            <p:cNvPr id="154" name="Google Shape;154;p14"/>
             <p:cNvSpPr txBox="1"/>
             <p:nvPr/>
           </p:nvSpPr>
@@ -10881,7 +10360,7 @@
         </p:sp>
         <p:sp>
           <p:nvSpPr>
-            <p:cNvPr id="169" name="Google Shape;169;p14"/>
+            <p:cNvPr id="155" name="Google Shape;155;p14"/>
             <p:cNvSpPr txBox="1"/>
             <p:nvPr/>
           </p:nvSpPr>
@@ -10940,7 +10419,7 @@
       </p:grpSp>
       <p:grpSp>
         <p:nvGrpSpPr>
-          <p:cNvPr id="170" name="Google Shape;170;p14"/>
+          <p:cNvPr id="156" name="Google Shape;156;p14"/>
           <p:cNvGrpSpPr/>
           <p:nvPr/>
         </p:nvGrpSpPr>
@@ -10954,7 +10433,7 @@
         </p:grpSpPr>
         <p:sp>
           <p:nvSpPr>
-            <p:cNvPr id="171" name="Google Shape;171;p14"/>
+            <p:cNvPr id="157" name="Google Shape;157;p14"/>
             <p:cNvSpPr txBox="1"/>
             <p:nvPr/>
           </p:nvSpPr>
@@ -11007,7 +10486,7 @@
         </p:sp>
         <p:sp>
           <p:nvSpPr>
-            <p:cNvPr id="172" name="Google Shape;172;p14"/>
+            <p:cNvPr id="158" name="Google Shape;158;p14"/>
             <p:cNvSpPr txBox="1"/>
             <p:nvPr/>
           </p:nvSpPr>
@@ -11057,7 +10536,7 @@
         </p:sp>
         <p:sp>
           <p:nvSpPr>
-            <p:cNvPr id="173" name="Google Shape;173;p14"/>
+            <p:cNvPr id="159" name="Google Shape;159;p14"/>
             <p:cNvSpPr txBox="1"/>
             <p:nvPr/>
           </p:nvSpPr>
@@ -11110,7 +10589,7 @@
         </p:sp>
         <p:sp>
           <p:nvSpPr>
-            <p:cNvPr id="174" name="Google Shape;174;p14"/>
+            <p:cNvPr id="160" name="Google Shape;160;p14"/>
             <p:cNvSpPr txBox="1"/>
             <p:nvPr/>
           </p:nvSpPr>
@@ -11169,7 +10648,7 @@
       </p:grpSp>
       <p:sp>
         <p:nvSpPr>
-          <p:cNvPr id="175" name="Google Shape;175;p14"/>
+          <p:cNvPr id="161" name="Google Shape;161;p14"/>
           <p:cNvSpPr txBox="1"/>
           <p:nvPr>
             <p:ph type="title"/>
@@ -11213,7 +10692,7 @@
       </p:sp>
       <p:grpSp>
         <p:nvGrpSpPr>
-          <p:cNvPr id="176" name="Google Shape;176;p14"/>
+          <p:cNvPr id="162" name="Google Shape;162;p14"/>
           <p:cNvGrpSpPr/>
           <p:nvPr/>
         </p:nvGrpSpPr>
@@ -11223,6 +10702,608 @@
             <a:ext cx="1173600" cy="648000"/>
             <a:chOff x="3985200" y="2247750"/>
             <a:chExt cx="1173600" cy="648000"/>
+          </a:xfrm>
+        </p:grpSpPr>
+        <p:sp>
+          <p:nvSpPr>
+            <p:cNvPr id="163" name="Google Shape;163;p14"/>
+            <p:cNvSpPr txBox="1"/>
+            <p:nvPr/>
+          </p:nvSpPr>
+          <p:spPr>
+            <a:xfrm>
+              <a:off x="3985200" y="2247750"/>
+              <a:ext cx="1173600" cy="648000"/>
+            </a:xfrm>
+            <a:prstGeom prst="rect">
+              <a:avLst/>
+            </a:prstGeom>
+            <a:solidFill>
+              <a:srgbClr val="EFEFEF"/>
+            </a:solidFill>
+            <a:ln cap="flat" cmpd="sng" w="9525">
+              <a:solidFill>
+                <a:srgbClr val="000000"/>
+              </a:solidFill>
+              <a:prstDash val="solid"/>
+              <a:round/>
+              <a:headEnd len="sm" w="sm" type="none"/>
+              <a:tailEnd len="sm" w="sm" type="none"/>
+            </a:ln>
+          </p:spPr>
+          <p:txBody>
+            <a:bodyPr anchorCtr="0" anchor="t" bIns="91425" lIns="91425" spcFirstLastPara="1" rIns="91425" wrap="square" tIns="91425">
+              <a:noAutofit/>
+            </a:bodyPr>
+            <a:lstStyle/>
+            <a:p>
+              <a:pPr indent="0" lvl="0" marL="0" rtl="0" algn="l">
+                <a:spcBef>
+                  <a:spcPts val="0"/>
+                </a:spcBef>
+                <a:spcAft>
+                  <a:spcPts val="0"/>
+                </a:spcAft>
+                <a:buNone/>
+              </a:pPr>
+              <a:r>
+                <a:t/>
+              </a:r>
+              <a:endParaRPr sz="900">
+                <a:solidFill>
+                  <a:schemeClr val="dk2"/>
+                </a:solidFill>
+              </a:endParaRPr>
+            </a:p>
+          </p:txBody>
+        </p:sp>
+        <p:sp>
+          <p:nvSpPr>
+            <p:cNvPr id="164" name="Google Shape;164;p14"/>
+            <p:cNvSpPr txBox="1"/>
+            <p:nvPr/>
+          </p:nvSpPr>
+          <p:spPr>
+            <a:xfrm>
+              <a:off x="3985200" y="2247750"/>
+              <a:ext cx="1173600" cy="129600"/>
+            </a:xfrm>
+            <a:prstGeom prst="rect">
+              <a:avLst/>
+            </a:prstGeom>
+            <a:noFill/>
+            <a:ln>
+              <a:noFill/>
+            </a:ln>
+          </p:spPr>
+          <p:txBody>
+            <a:bodyPr anchorCtr="0" anchor="ctr" bIns="91425" lIns="91425" spcFirstLastPara="1" rIns="91425" wrap="square" tIns="91425">
+              <a:noAutofit/>
+            </a:bodyPr>
+            <a:lstStyle/>
+            <a:p>
+              <a:pPr indent="0" lvl="0" marL="0" rtl="0" algn="ctr">
+                <a:spcBef>
+                  <a:spcPts val="0"/>
+                </a:spcBef>
+                <a:spcAft>
+                  <a:spcPts val="0"/>
+                </a:spcAft>
+                <a:buNone/>
+              </a:pPr>
+              <a:r>
+                <a:rPr b="1" lang="ja" sz="800">
+                  <a:solidFill>
+                    <a:schemeClr val="dk2"/>
+                  </a:solidFill>
+                </a:rPr>
+                <a:t>基本情報編集</a:t>
+              </a:r>
+              <a:endParaRPr b="1" sz="800">
+                <a:solidFill>
+                  <a:schemeClr val="dk2"/>
+                </a:solidFill>
+              </a:endParaRPr>
+            </a:p>
+          </p:txBody>
+        </p:sp>
+        <p:sp>
+          <p:nvSpPr>
+            <p:cNvPr id="165" name="Google Shape;165;p14"/>
+            <p:cNvSpPr txBox="1"/>
+            <p:nvPr/>
+          </p:nvSpPr>
+          <p:spPr>
+            <a:xfrm>
+              <a:off x="4025400" y="2404575"/>
+              <a:ext cx="1096500" cy="451200"/>
+            </a:xfrm>
+            <a:prstGeom prst="rect">
+              <a:avLst/>
+            </a:prstGeom>
+            <a:solidFill>
+              <a:schemeClr val="lt1"/>
+            </a:solidFill>
+            <a:ln cap="flat" cmpd="sng" w="9525">
+              <a:solidFill>
+                <a:srgbClr val="000000"/>
+              </a:solidFill>
+              <a:prstDash val="dash"/>
+              <a:round/>
+              <a:headEnd len="sm" w="sm" type="none"/>
+              <a:tailEnd len="sm" w="sm" type="none"/>
+            </a:ln>
+          </p:spPr>
+          <p:txBody>
+            <a:bodyPr anchorCtr="0" anchor="t" bIns="91425" lIns="91425" spcFirstLastPara="1" rIns="91425" wrap="square" tIns="91425">
+              <a:noAutofit/>
+            </a:bodyPr>
+            <a:lstStyle/>
+            <a:p>
+              <a:pPr indent="0" lvl="0" marL="0" rtl="0" algn="l">
+                <a:spcBef>
+                  <a:spcPts val="0"/>
+                </a:spcBef>
+                <a:spcAft>
+                  <a:spcPts val="0"/>
+                </a:spcAft>
+                <a:buNone/>
+              </a:pPr>
+              <a:r>
+                <a:t/>
+              </a:r>
+              <a:endParaRPr sz="1800">
+                <a:solidFill>
+                  <a:schemeClr val="dk2"/>
+                </a:solidFill>
+              </a:endParaRPr>
+            </a:p>
+          </p:txBody>
+        </p:sp>
+        <p:sp>
+          <p:nvSpPr>
+            <p:cNvPr id="166" name="Google Shape;166;p14"/>
+            <p:cNvSpPr txBox="1"/>
+            <p:nvPr/>
+          </p:nvSpPr>
+          <p:spPr>
+            <a:xfrm>
+              <a:off x="4025400" y="2404575"/>
+              <a:ext cx="1096500" cy="451200"/>
+            </a:xfrm>
+            <a:prstGeom prst="rect">
+              <a:avLst/>
+            </a:prstGeom>
+            <a:noFill/>
+            <a:ln>
+              <a:noFill/>
+            </a:ln>
+          </p:spPr>
+          <p:txBody>
+            <a:bodyPr anchorCtr="0" anchor="t" bIns="91425" lIns="91425" spcFirstLastPara="1" rIns="91425" wrap="square" tIns="91425">
+              <a:noAutofit/>
+            </a:bodyPr>
+            <a:lstStyle/>
+            <a:p>
+              <a:pPr indent="0" lvl="0" marL="0" rtl="0" algn="l">
+                <a:spcBef>
+                  <a:spcPts val="0"/>
+                </a:spcBef>
+                <a:spcAft>
+                  <a:spcPts val="0"/>
+                </a:spcAft>
+                <a:buNone/>
+              </a:pPr>
+              <a:r>
+                <a:rPr lang="ja" sz="700">
+                  <a:solidFill>
+                    <a:schemeClr val="dk2"/>
+                  </a:solidFill>
+                </a:rPr>
+                <a:t>・</a:t>
+              </a:r>
+              <a:r>
+                <a:rPr lang="ja" sz="700">
+                  <a:solidFill>
+                    <a:schemeClr val="dk2"/>
+                  </a:solidFill>
+                </a:rPr>
+                <a:t>確認ボタン</a:t>
+              </a:r>
+              <a:endParaRPr sz="700">
+                <a:solidFill>
+                  <a:schemeClr val="dk2"/>
+                </a:solidFill>
+              </a:endParaRPr>
+            </a:p>
+          </p:txBody>
+        </p:sp>
+      </p:grpSp>
+      <p:cxnSp>
+        <p:nvCxnSpPr>
+          <p:cNvPr id="167" name="Google Shape;167;p14"/>
+          <p:cNvCxnSpPr>
+            <a:endCxn id="157" idx="2"/>
+          </p:cNvCxnSpPr>
+          <p:nvPr/>
+        </p:nvCxnSpPr>
+        <p:spPr>
+          <a:xfrm rot="10800000">
+            <a:off x="1054638" y="1950475"/>
+            <a:ext cx="0" cy="284700"/>
+          </a:xfrm>
+          <a:prstGeom prst="straightConnector1">
+            <a:avLst/>
+          </a:prstGeom>
+          <a:noFill/>
+          <a:ln cap="flat" cmpd="sng" w="9525">
+            <a:solidFill>
+              <a:schemeClr val="dk2"/>
+            </a:solidFill>
+            <a:prstDash val="solid"/>
+            <a:round/>
+            <a:headEnd len="med" w="med" type="none"/>
+            <a:tailEnd len="med" w="med" type="triangle"/>
+          </a:ln>
+        </p:spPr>
+      </p:cxnSp>
+      <p:cxnSp>
+        <p:nvCxnSpPr>
+          <p:cNvPr id="168" name="Google Shape;168;p14"/>
+          <p:cNvCxnSpPr>
+            <a:endCxn id="163" idx="1"/>
+          </p:cNvCxnSpPr>
+          <p:nvPr/>
+        </p:nvCxnSpPr>
+        <p:spPr>
+          <a:xfrm>
+            <a:off x="1641425" y="1626525"/>
+            <a:ext cx="536700" cy="3300"/>
+          </a:xfrm>
+          <a:prstGeom prst="straightConnector1">
+            <a:avLst/>
+          </a:prstGeom>
+          <a:noFill/>
+          <a:ln cap="flat" cmpd="sng" w="9525">
+            <a:solidFill>
+              <a:schemeClr val="dk2"/>
+            </a:solidFill>
+            <a:prstDash val="solid"/>
+            <a:round/>
+            <a:headEnd len="med" w="med" type="none"/>
+            <a:tailEnd len="med" w="med" type="triangle"/>
+          </a:ln>
+        </p:spPr>
+      </p:cxnSp>
+      <p:cxnSp>
+        <p:nvCxnSpPr>
+          <p:cNvPr id="169" name="Google Shape;169;p14"/>
+          <p:cNvCxnSpPr>
+            <a:endCxn id="137" idx="1"/>
+          </p:cNvCxnSpPr>
+          <p:nvPr/>
+        </p:nvCxnSpPr>
+        <p:spPr>
+          <a:xfrm flipH="1" rot="10800000">
+            <a:off x="3351700" y="1626475"/>
+            <a:ext cx="536700" cy="3300"/>
+          </a:xfrm>
+          <a:prstGeom prst="straightConnector1">
+            <a:avLst/>
+          </a:prstGeom>
+          <a:noFill/>
+          <a:ln cap="flat" cmpd="sng" w="9525">
+            <a:solidFill>
+              <a:schemeClr val="dk2"/>
+            </a:solidFill>
+            <a:prstDash val="solid"/>
+            <a:round/>
+            <a:headEnd len="med" w="med" type="none"/>
+            <a:tailEnd len="med" w="med" type="triangle"/>
+          </a:ln>
+        </p:spPr>
+      </p:cxnSp>
+      <p:cxnSp>
+        <p:nvCxnSpPr>
+          <p:cNvPr id="170" name="Google Shape;170;p14"/>
+          <p:cNvCxnSpPr>
+            <a:endCxn id="152" idx="1"/>
+          </p:cNvCxnSpPr>
+          <p:nvPr/>
+        </p:nvCxnSpPr>
+        <p:spPr>
+          <a:xfrm>
+            <a:off x="5061963" y="1626575"/>
+            <a:ext cx="536700" cy="9000"/>
+          </a:xfrm>
+          <a:prstGeom prst="straightConnector1">
+            <a:avLst/>
+          </a:prstGeom>
+          <a:noFill/>
+          <a:ln cap="flat" cmpd="sng" w="9525">
+            <a:solidFill>
+              <a:schemeClr val="dk2"/>
+            </a:solidFill>
+            <a:prstDash val="solid"/>
+            <a:round/>
+            <a:headEnd len="med" w="med" type="none"/>
+            <a:tailEnd len="med" w="med" type="triangle"/>
+          </a:ln>
+        </p:spPr>
+      </p:cxnSp>
+      <p:grpSp>
+        <p:nvGrpSpPr>
+          <p:cNvPr id="171" name="Google Shape;171;p14"/>
+          <p:cNvGrpSpPr/>
+          <p:nvPr/>
+        </p:nvGrpSpPr>
+        <p:grpSpPr>
+          <a:xfrm>
+            <a:off x="5560425" y="2247750"/>
+            <a:ext cx="1250100" cy="648000"/>
+            <a:chOff x="3946950" y="2247750"/>
+            <a:chExt cx="1250100" cy="648000"/>
+          </a:xfrm>
+        </p:grpSpPr>
+        <p:sp>
+          <p:nvSpPr>
+            <p:cNvPr id="172" name="Google Shape;172;p14"/>
+            <p:cNvSpPr txBox="1"/>
+            <p:nvPr/>
+          </p:nvSpPr>
+          <p:spPr>
+            <a:xfrm>
+              <a:off x="3985200" y="2247750"/>
+              <a:ext cx="1173600" cy="648000"/>
+            </a:xfrm>
+            <a:prstGeom prst="rect">
+              <a:avLst/>
+            </a:prstGeom>
+            <a:solidFill>
+              <a:srgbClr val="EFEFEF"/>
+            </a:solidFill>
+            <a:ln cap="flat" cmpd="sng" w="9525">
+              <a:solidFill>
+                <a:srgbClr val="000000"/>
+              </a:solidFill>
+              <a:prstDash val="solid"/>
+              <a:round/>
+              <a:headEnd len="sm" w="sm" type="none"/>
+              <a:tailEnd len="sm" w="sm" type="none"/>
+            </a:ln>
+          </p:spPr>
+          <p:txBody>
+            <a:bodyPr anchorCtr="0" anchor="t" bIns="91425" lIns="91425" spcFirstLastPara="1" rIns="91425" wrap="square" tIns="91425">
+              <a:noAutofit/>
+            </a:bodyPr>
+            <a:lstStyle/>
+            <a:p>
+              <a:pPr indent="0" lvl="0" marL="0" rtl="0" algn="l">
+                <a:spcBef>
+                  <a:spcPts val="0"/>
+                </a:spcBef>
+                <a:spcAft>
+                  <a:spcPts val="0"/>
+                </a:spcAft>
+                <a:buNone/>
+              </a:pPr>
+              <a:r>
+                <a:t/>
+              </a:r>
+              <a:endParaRPr sz="900">
+                <a:solidFill>
+                  <a:schemeClr val="dk2"/>
+                </a:solidFill>
+              </a:endParaRPr>
+            </a:p>
+          </p:txBody>
+        </p:sp>
+        <p:sp>
+          <p:nvSpPr>
+            <p:cNvPr id="173" name="Google Shape;173;p14"/>
+            <p:cNvSpPr txBox="1"/>
+            <p:nvPr/>
+          </p:nvSpPr>
+          <p:spPr>
+            <a:xfrm>
+              <a:off x="3946950" y="2247750"/>
+              <a:ext cx="1250100" cy="129600"/>
+            </a:xfrm>
+            <a:prstGeom prst="rect">
+              <a:avLst/>
+            </a:prstGeom>
+            <a:noFill/>
+            <a:ln>
+              <a:noFill/>
+            </a:ln>
+          </p:spPr>
+          <p:txBody>
+            <a:bodyPr anchorCtr="0" anchor="ctr" bIns="91425" lIns="91425" spcFirstLastPara="1" rIns="91425" wrap="square" tIns="91425">
+              <a:noAutofit/>
+            </a:bodyPr>
+            <a:lstStyle/>
+            <a:p>
+              <a:pPr indent="0" lvl="0" marL="0" rtl="0" algn="ctr">
+                <a:spcBef>
+                  <a:spcPts val="0"/>
+                </a:spcBef>
+                <a:spcAft>
+                  <a:spcPts val="0"/>
+                </a:spcAft>
+                <a:buNone/>
+              </a:pPr>
+              <a:r>
+                <a:rPr b="1" lang="ja" sz="800">
+                  <a:solidFill>
+                    <a:schemeClr val="dk2"/>
+                  </a:solidFill>
+                </a:rPr>
+                <a:t>お届け先</a:t>
+              </a:r>
+              <a:r>
+                <a:rPr b="1" lang="ja" sz="800">
+                  <a:solidFill>
+                    <a:schemeClr val="dk2"/>
+                  </a:solidFill>
+                </a:rPr>
+                <a:t>情報</a:t>
+              </a:r>
+              <a:r>
+                <a:rPr b="1" lang="ja" sz="800">
+                  <a:solidFill>
+                    <a:schemeClr val="dk2"/>
+                  </a:solidFill>
+                </a:rPr>
+                <a:t>編集</a:t>
+              </a:r>
+              <a:r>
+                <a:rPr b="1" lang="ja" sz="800">
+                  <a:solidFill>
+                    <a:schemeClr val="dk2"/>
+                  </a:solidFill>
+                </a:rPr>
+                <a:t>確認</a:t>
+              </a:r>
+              <a:endParaRPr b="1" sz="800">
+                <a:solidFill>
+                  <a:schemeClr val="dk2"/>
+                </a:solidFill>
+              </a:endParaRPr>
+            </a:p>
+          </p:txBody>
+        </p:sp>
+        <p:sp>
+          <p:nvSpPr>
+            <p:cNvPr id="174" name="Google Shape;174;p14"/>
+            <p:cNvSpPr txBox="1"/>
+            <p:nvPr/>
+          </p:nvSpPr>
+          <p:spPr>
+            <a:xfrm>
+              <a:off x="4025400" y="2404575"/>
+              <a:ext cx="1096500" cy="451200"/>
+            </a:xfrm>
+            <a:prstGeom prst="rect">
+              <a:avLst/>
+            </a:prstGeom>
+            <a:solidFill>
+              <a:schemeClr val="lt1"/>
+            </a:solidFill>
+            <a:ln cap="flat" cmpd="sng" w="9525">
+              <a:solidFill>
+                <a:srgbClr val="000000"/>
+              </a:solidFill>
+              <a:prstDash val="dash"/>
+              <a:round/>
+              <a:headEnd len="sm" w="sm" type="none"/>
+              <a:tailEnd len="sm" w="sm" type="none"/>
+            </a:ln>
+          </p:spPr>
+          <p:txBody>
+            <a:bodyPr anchorCtr="0" anchor="t" bIns="91425" lIns="91425" spcFirstLastPara="1" rIns="91425" wrap="square" tIns="91425">
+              <a:noAutofit/>
+            </a:bodyPr>
+            <a:lstStyle/>
+            <a:p>
+              <a:pPr indent="0" lvl="0" marL="0" rtl="0" algn="l">
+                <a:spcBef>
+                  <a:spcPts val="0"/>
+                </a:spcBef>
+                <a:spcAft>
+                  <a:spcPts val="0"/>
+                </a:spcAft>
+                <a:buNone/>
+              </a:pPr>
+              <a:r>
+                <a:t/>
+              </a:r>
+              <a:endParaRPr sz="1800">
+                <a:solidFill>
+                  <a:schemeClr val="dk2"/>
+                </a:solidFill>
+              </a:endParaRPr>
+            </a:p>
+          </p:txBody>
+        </p:sp>
+        <p:sp>
+          <p:nvSpPr>
+            <p:cNvPr id="175" name="Google Shape;175;p14"/>
+            <p:cNvSpPr txBox="1"/>
+            <p:nvPr/>
+          </p:nvSpPr>
+          <p:spPr>
+            <a:xfrm>
+              <a:off x="4025400" y="2404575"/>
+              <a:ext cx="1096500" cy="451200"/>
+            </a:xfrm>
+            <a:prstGeom prst="rect">
+              <a:avLst/>
+            </a:prstGeom>
+            <a:noFill/>
+            <a:ln>
+              <a:noFill/>
+            </a:ln>
+          </p:spPr>
+          <p:txBody>
+            <a:bodyPr anchorCtr="0" anchor="t" bIns="91425" lIns="91425" spcFirstLastPara="1" rIns="91425" wrap="square" tIns="91425">
+              <a:noAutofit/>
+            </a:bodyPr>
+            <a:lstStyle/>
+            <a:p>
+              <a:pPr indent="0" lvl="0" marL="0" rtl="0" algn="l">
+                <a:spcBef>
+                  <a:spcPts val="0"/>
+                </a:spcBef>
+                <a:spcAft>
+                  <a:spcPts val="0"/>
+                </a:spcAft>
+                <a:buNone/>
+              </a:pPr>
+              <a:r>
+                <a:rPr lang="ja" sz="700">
+                  <a:solidFill>
+                    <a:schemeClr val="dk2"/>
+                  </a:solidFill>
+                </a:rPr>
+                <a:t>・</a:t>
+              </a:r>
+              <a:r>
+                <a:rPr lang="ja" sz="700">
+                  <a:solidFill>
+                    <a:schemeClr val="dk2"/>
+                  </a:solidFill>
+                </a:rPr>
+                <a:t>更新</a:t>
+              </a:r>
+              <a:r>
+                <a:rPr lang="ja" sz="700">
+                  <a:solidFill>
+                    <a:schemeClr val="dk2"/>
+                  </a:solidFill>
+                </a:rPr>
+                <a:t>ボタン</a:t>
+              </a:r>
+              <a:endParaRPr sz="700">
+                <a:solidFill>
+                  <a:schemeClr val="dk2"/>
+                </a:solidFill>
+              </a:endParaRPr>
+            </a:p>
+          </p:txBody>
+        </p:sp>
+      </p:grpSp>
+      <p:grpSp>
+        <p:nvGrpSpPr>
+          <p:cNvPr id="176" name="Google Shape;176;p14"/>
+          <p:cNvGrpSpPr/>
+          <p:nvPr/>
+        </p:nvGrpSpPr>
+        <p:grpSpPr>
+          <a:xfrm>
+            <a:off x="7270700" y="2247750"/>
+            <a:ext cx="1250100" cy="648000"/>
+            <a:chOff x="3946950" y="2247750"/>
+            <a:chExt cx="1250100" cy="648000"/>
           </a:xfrm>
         </p:grpSpPr>
         <p:sp>
@@ -11286,8 +11367,8 @@
           </p:nvSpPr>
           <p:spPr>
             <a:xfrm>
-              <a:off x="3985200" y="2247750"/>
-              <a:ext cx="1173600" cy="129600"/>
+              <a:off x="3946950" y="2247750"/>
+              <a:ext cx="1250100" cy="129600"/>
             </a:xfrm>
             <a:prstGeom prst="rect">
               <a:avLst/>
@@ -11318,7 +11399,15 @@
                     <a:schemeClr val="dk2"/>
                   </a:solidFill>
                 </a:rPr>
-                <a:t>基本情報編集</a:t>
+                <a:t>お届け先</a:t>
+              </a:r>
+              <a:r>
+                <a:rPr b="1" lang="ja" sz="800">
+                  <a:solidFill>
+                    <a:schemeClr val="dk2"/>
+                  </a:solidFill>
+                </a:rPr>
+                <a:t>情報更新完了</a:t>
               </a:r>
               <a:endParaRPr b="1" sz="800">
                 <a:solidFill>
@@ -11429,7 +11518,7 @@
                     <a:schemeClr val="dk2"/>
                   </a:solidFill>
                 </a:rPr>
-                <a:t>確認ボタン</a:t>
+                <a:t>戻るボタン</a:t>
               </a:r>
               <a:endParaRPr sz="700">
                 <a:solidFill>
@@ -11444,14 +11533,15 @@
         <p:nvCxnSpPr>
           <p:cNvPr id="181" name="Google Shape;181;p14"/>
           <p:cNvCxnSpPr>
-            <a:endCxn id="171" idx="2"/>
+            <a:stCxn id="142" idx="3"/>
+            <a:endCxn id="147" idx="1"/>
           </p:cNvCxnSpPr>
           <p:nvPr/>
         </p:nvCxnSpPr>
         <p:spPr>
-          <a:xfrm rot="10800000">
-            <a:off x="1054638" y="1950475"/>
-            <a:ext cx="0" cy="284700"/>
+          <a:xfrm>
+            <a:off x="1641450" y="2571750"/>
+            <a:ext cx="536700" cy="0"/>
           </a:xfrm>
           <a:prstGeom prst="straightConnector1">
             <a:avLst/>
@@ -11472,14 +11562,15 @@
         <p:nvCxnSpPr>
           <p:cNvPr id="182" name="Google Shape;182;p14"/>
           <p:cNvCxnSpPr>
-            <a:endCxn id="177" idx="1"/>
+            <a:stCxn id="147" idx="3"/>
+            <a:endCxn id="132" idx="1"/>
           </p:cNvCxnSpPr>
           <p:nvPr/>
         </p:nvCxnSpPr>
         <p:spPr>
-          <a:xfrm>
-            <a:off x="1641425" y="1626525"/>
-            <a:ext cx="536700" cy="3300"/>
+          <a:xfrm flipH="1" rot="10800000">
+            <a:off x="3351725" y="2569950"/>
+            <a:ext cx="536700" cy="1800"/>
           </a:xfrm>
           <a:prstGeom prst="straightConnector1">
             <a:avLst/>
@@ -11500,14 +11591,15 @@
         <p:nvCxnSpPr>
           <p:cNvPr id="183" name="Google Shape;183;p14"/>
           <p:cNvCxnSpPr>
-            <a:endCxn id="151" idx="1"/>
+            <a:stCxn id="132" idx="3"/>
+            <a:endCxn id="172" idx="1"/>
           </p:cNvCxnSpPr>
           <p:nvPr/>
         </p:nvCxnSpPr>
         <p:spPr>
-          <a:xfrm flipH="1" rot="10800000">
-            <a:off x="3351700" y="1626475"/>
-            <a:ext cx="536700" cy="3300"/>
+          <a:xfrm>
+            <a:off x="5062000" y="2570075"/>
+            <a:ext cx="536700" cy="1800"/>
           </a:xfrm>
           <a:prstGeom prst="straightConnector1">
             <a:avLst/>
@@ -11528,14 +11620,14 @@
         <p:nvCxnSpPr>
           <p:cNvPr id="184" name="Google Shape;184;p14"/>
           <p:cNvCxnSpPr>
-            <a:endCxn id="166" idx="1"/>
+            <a:endCxn id="177" idx="1"/>
           </p:cNvCxnSpPr>
           <p:nvPr/>
         </p:nvCxnSpPr>
         <p:spPr>
           <a:xfrm>
-            <a:off x="5061963" y="1626575"/>
-            <a:ext cx="536700" cy="9000"/>
+            <a:off x="6772250" y="2571750"/>
+            <a:ext cx="536700" cy="0"/>
           </a:xfrm>
           <a:prstGeom prst="straightConnector1">
             <a:avLst/>
@@ -11560,10 +11652,10 @@
         </p:nvGrpSpPr>
         <p:grpSpPr>
           <a:xfrm>
-            <a:off x="5560425" y="2247750"/>
-            <a:ext cx="1250100" cy="648000"/>
-            <a:chOff x="3946950" y="2247750"/>
-            <a:chExt cx="1250100" cy="648000"/>
+            <a:off x="2178125" y="3189675"/>
+            <a:ext cx="1173600" cy="648000"/>
+            <a:chOff x="3985200" y="2247750"/>
+            <a:chExt cx="1173600" cy="648000"/>
           </a:xfrm>
         </p:grpSpPr>
         <p:sp>
@@ -11627,8 +11719,8 @@
           </p:nvSpPr>
           <p:spPr>
             <a:xfrm>
-              <a:off x="3946950" y="2247750"/>
-              <a:ext cx="1250100" cy="129600"/>
+              <a:off x="3985200" y="2247750"/>
+              <a:ext cx="1173600" cy="129600"/>
             </a:xfrm>
             <a:prstGeom prst="rect">
               <a:avLst/>
@@ -11667,23 +11759,7 @@
                     <a:schemeClr val="dk2"/>
                   </a:solidFill>
                 </a:rPr>
-                <a:t>情報</a:t>
-              </a:r>
-              <a:r>
-                <a:rPr b="1" lang="ja" sz="800">
-                  <a:solidFill>
-                    <a:schemeClr val="dk2"/>
-                  </a:solidFill>
-                </a:rPr>
-                <a:t>編集</a:t>
-              </a:r>
-              <a:r>
-                <a:rPr b="1" lang="ja" sz="800">
-                  <a:solidFill>
-                    <a:schemeClr val="dk2"/>
-                  </a:solidFill>
-                </a:rPr>
-                <a:t>確認</a:t>
+                <a:t>情報追加</a:t>
               </a:r>
               <a:endParaRPr b="1" sz="800">
                 <a:solidFill>
@@ -11794,7 +11870,7 @@
                     <a:schemeClr val="dk2"/>
                   </a:solidFill>
                 </a:rPr>
-                <a:t>更新</a:t>
+                <a:t>確認</a:t>
               </a:r>
               <a:r>
                 <a:rPr lang="ja" sz="700">
@@ -11821,7 +11897,7 @@
         </p:nvGrpSpPr>
         <p:grpSpPr>
           <a:xfrm>
-            <a:off x="7270700" y="2247750"/>
+            <a:off x="3850150" y="3189675"/>
             <a:ext cx="1250100" cy="648000"/>
             <a:chOff x="3946950" y="2247750"/>
             <a:chExt cx="1250100" cy="648000"/>
@@ -11928,7 +12004,23 @@
                     <a:schemeClr val="dk2"/>
                   </a:solidFill>
                 </a:rPr>
-                <a:t>情報更新完了</a:t>
+                <a:t>情報</a:t>
+              </a:r>
+              <a:r>
+                <a:rPr b="1" lang="ja" sz="800">
+                  <a:solidFill>
+                    <a:schemeClr val="dk2"/>
+                  </a:solidFill>
+                </a:rPr>
+                <a:t>追加</a:t>
+              </a:r>
+              <a:r>
+                <a:rPr b="1" lang="ja" sz="800">
+                  <a:solidFill>
+                    <a:schemeClr val="dk2"/>
+                  </a:solidFill>
+                </a:rPr>
+                <a:t>確認</a:t>
               </a:r>
               <a:endParaRPr b="1" sz="800">
                 <a:solidFill>
@@ -12039,7 +12131,15 @@
                     <a:schemeClr val="dk2"/>
                   </a:solidFill>
                 </a:rPr>
-                <a:t>戻るボタン</a:t>
+                <a:t>追加</a:t>
+              </a:r>
+              <a:r>
+                <a:rPr lang="ja" sz="700">
+                  <a:solidFill>
+                    <a:schemeClr val="dk2"/>
+                  </a:solidFill>
+                </a:rPr>
+                <a:t>ボタン</a:t>
               </a:r>
               <a:endParaRPr sz="700">
                 <a:solidFill>
@@ -12050,138 +12150,23 @@
           </p:txBody>
         </p:sp>
       </p:grpSp>
-      <p:cxnSp>
-        <p:nvCxnSpPr>
-          <p:cNvPr id="195" name="Google Shape;195;p14"/>
-          <p:cNvCxnSpPr>
-            <a:stCxn id="156" idx="3"/>
-            <a:endCxn id="161" idx="1"/>
-          </p:cNvCxnSpPr>
-          <p:nvPr/>
-        </p:nvCxnSpPr>
-        <p:spPr>
-          <a:xfrm>
-            <a:off x="1641450" y="2571750"/>
-            <a:ext cx="536700" cy="0"/>
-          </a:xfrm>
-          <a:prstGeom prst="straightConnector1">
-            <a:avLst/>
-          </a:prstGeom>
-          <a:noFill/>
-          <a:ln cap="flat" cmpd="sng" w="9525">
-            <a:solidFill>
-              <a:schemeClr val="dk2"/>
-            </a:solidFill>
-            <a:prstDash val="solid"/>
-            <a:round/>
-            <a:headEnd len="med" w="med" type="none"/>
-            <a:tailEnd len="med" w="med" type="triangle"/>
-          </a:ln>
-        </p:spPr>
-      </p:cxnSp>
-      <p:cxnSp>
-        <p:nvCxnSpPr>
-          <p:cNvPr id="196" name="Google Shape;196;p14"/>
-          <p:cNvCxnSpPr>
-            <a:stCxn id="161" idx="3"/>
-            <a:endCxn id="146" idx="1"/>
-          </p:cNvCxnSpPr>
-          <p:nvPr/>
-        </p:nvCxnSpPr>
-        <p:spPr>
-          <a:xfrm flipH="1" rot="10800000">
-            <a:off x="3351725" y="2569950"/>
-            <a:ext cx="536700" cy="1800"/>
-          </a:xfrm>
-          <a:prstGeom prst="straightConnector1">
-            <a:avLst/>
-          </a:prstGeom>
-          <a:noFill/>
-          <a:ln cap="flat" cmpd="sng" w="9525">
-            <a:solidFill>
-              <a:schemeClr val="dk2"/>
-            </a:solidFill>
-            <a:prstDash val="solid"/>
-            <a:round/>
-            <a:headEnd len="med" w="med" type="none"/>
-            <a:tailEnd len="med" w="med" type="triangle"/>
-          </a:ln>
-        </p:spPr>
-      </p:cxnSp>
-      <p:cxnSp>
-        <p:nvCxnSpPr>
-          <p:cNvPr id="197" name="Google Shape;197;p14"/>
-          <p:cNvCxnSpPr>
-            <a:stCxn id="146" idx="3"/>
-            <a:endCxn id="186" idx="1"/>
-          </p:cNvCxnSpPr>
-          <p:nvPr/>
-        </p:nvCxnSpPr>
-        <p:spPr>
-          <a:xfrm>
-            <a:off x="5062000" y="2570075"/>
-            <a:ext cx="536700" cy="1800"/>
-          </a:xfrm>
-          <a:prstGeom prst="straightConnector1">
-            <a:avLst/>
-          </a:prstGeom>
-          <a:noFill/>
-          <a:ln cap="flat" cmpd="sng" w="9525">
-            <a:solidFill>
-              <a:schemeClr val="dk2"/>
-            </a:solidFill>
-            <a:prstDash val="solid"/>
-            <a:round/>
-            <a:headEnd len="med" w="med" type="none"/>
-            <a:tailEnd len="med" w="med" type="triangle"/>
-          </a:ln>
-        </p:spPr>
-      </p:cxnSp>
-      <p:cxnSp>
-        <p:nvCxnSpPr>
-          <p:cNvPr id="198" name="Google Shape;198;p14"/>
-          <p:cNvCxnSpPr>
-            <a:endCxn id="191" idx="1"/>
-          </p:cNvCxnSpPr>
-          <p:nvPr/>
-        </p:nvCxnSpPr>
-        <p:spPr>
-          <a:xfrm>
-            <a:off x="6772250" y="2571750"/>
-            <a:ext cx="536700" cy="0"/>
-          </a:xfrm>
-          <a:prstGeom prst="straightConnector1">
-            <a:avLst/>
-          </a:prstGeom>
-          <a:noFill/>
-          <a:ln cap="flat" cmpd="sng" w="9525">
-            <a:solidFill>
-              <a:schemeClr val="dk2"/>
-            </a:solidFill>
-            <a:prstDash val="solid"/>
-            <a:round/>
-            <a:headEnd len="med" w="med" type="none"/>
-            <a:tailEnd len="med" w="med" type="triangle"/>
-          </a:ln>
-        </p:spPr>
-      </p:cxnSp>
       <p:grpSp>
         <p:nvGrpSpPr>
-          <p:cNvPr id="199" name="Google Shape;199;p14"/>
+          <p:cNvPr id="195" name="Google Shape;195;p14"/>
           <p:cNvGrpSpPr/>
           <p:nvPr/>
         </p:nvGrpSpPr>
         <p:grpSpPr>
           <a:xfrm>
-            <a:off x="2178125" y="3189675"/>
-            <a:ext cx="1173600" cy="648000"/>
-            <a:chOff x="3985200" y="2247750"/>
-            <a:chExt cx="1173600" cy="648000"/>
+            <a:off x="5560425" y="3183925"/>
+            <a:ext cx="1250100" cy="648000"/>
+            <a:chOff x="3946950" y="2247750"/>
+            <a:chExt cx="1250100" cy="648000"/>
           </a:xfrm>
         </p:grpSpPr>
         <p:sp>
           <p:nvSpPr>
-            <p:cNvPr id="200" name="Google Shape;200;p14"/>
+            <p:cNvPr id="196" name="Google Shape;196;p14"/>
             <p:cNvSpPr txBox="1"/>
             <p:nvPr/>
           </p:nvSpPr>
@@ -12234,14 +12219,14 @@
         </p:sp>
         <p:sp>
           <p:nvSpPr>
-            <p:cNvPr id="201" name="Google Shape;201;p14"/>
+            <p:cNvPr id="197" name="Google Shape;197;p14"/>
             <p:cNvSpPr txBox="1"/>
             <p:nvPr/>
           </p:nvSpPr>
           <p:spPr>
             <a:xfrm>
-              <a:off x="3985200" y="2247750"/>
-              <a:ext cx="1173600" cy="129600"/>
+              <a:off x="3946950" y="2247750"/>
+              <a:ext cx="1250100" cy="129600"/>
             </a:xfrm>
             <a:prstGeom prst="rect">
               <a:avLst/>
@@ -12280,7 +12265,23 @@
                     <a:schemeClr val="dk2"/>
                   </a:solidFill>
                 </a:rPr>
-                <a:t>情報追加</a:t>
+                <a:t>情報</a:t>
+              </a:r>
+              <a:r>
+                <a:rPr b="1" lang="ja" sz="800">
+                  <a:solidFill>
+                    <a:schemeClr val="dk2"/>
+                  </a:solidFill>
+                </a:rPr>
+                <a:t>追加</a:t>
+              </a:r>
+              <a:r>
+                <a:rPr b="1" lang="ja" sz="800">
+                  <a:solidFill>
+                    <a:schemeClr val="dk2"/>
+                  </a:solidFill>
+                </a:rPr>
+                <a:t>完了</a:t>
               </a:r>
               <a:endParaRPr b="1" sz="800">
                 <a:solidFill>
@@ -12292,7 +12293,7 @@
         </p:sp>
         <p:sp>
           <p:nvSpPr>
-            <p:cNvPr id="202" name="Google Shape;202;p14"/>
+            <p:cNvPr id="198" name="Google Shape;198;p14"/>
             <p:cNvSpPr txBox="1"/>
             <p:nvPr/>
           </p:nvSpPr>
@@ -12345,7 +12346,7 @@
         </p:sp>
         <p:sp>
           <p:nvSpPr>
-            <p:cNvPr id="203" name="Google Shape;203;p14"/>
+            <p:cNvPr id="199" name="Google Shape;199;p14"/>
             <p:cNvSpPr txBox="1"/>
             <p:nvPr/>
           </p:nvSpPr>
@@ -12391,7 +12392,7 @@
                     <a:schemeClr val="dk2"/>
                   </a:solidFill>
                 </a:rPr>
-                <a:t>確認</a:t>
+                <a:t>戻る</a:t>
               </a:r>
               <a:r>
                 <a:rPr lang="ja" sz="700">
@@ -12410,533 +12411,11 @@
           </p:txBody>
         </p:sp>
       </p:grpSp>
-      <p:grpSp>
-        <p:nvGrpSpPr>
-          <p:cNvPr id="204" name="Google Shape;204;p14"/>
-          <p:cNvGrpSpPr/>
-          <p:nvPr/>
-        </p:nvGrpSpPr>
-        <p:grpSpPr>
-          <a:xfrm>
-            <a:off x="3850150" y="3189675"/>
-            <a:ext cx="1250100" cy="648000"/>
-            <a:chOff x="3946950" y="2247750"/>
-            <a:chExt cx="1250100" cy="648000"/>
-          </a:xfrm>
-        </p:grpSpPr>
-        <p:sp>
-          <p:nvSpPr>
-            <p:cNvPr id="205" name="Google Shape;205;p14"/>
-            <p:cNvSpPr txBox="1"/>
-            <p:nvPr/>
-          </p:nvSpPr>
-          <p:spPr>
-            <a:xfrm>
-              <a:off x="3985200" y="2247750"/>
-              <a:ext cx="1173600" cy="648000"/>
-            </a:xfrm>
-            <a:prstGeom prst="rect">
-              <a:avLst/>
-            </a:prstGeom>
-            <a:solidFill>
-              <a:srgbClr val="EFEFEF"/>
-            </a:solidFill>
-            <a:ln cap="flat" cmpd="sng" w="9525">
-              <a:solidFill>
-                <a:srgbClr val="000000"/>
-              </a:solidFill>
-              <a:prstDash val="solid"/>
-              <a:round/>
-              <a:headEnd len="sm" w="sm" type="none"/>
-              <a:tailEnd len="sm" w="sm" type="none"/>
-            </a:ln>
-          </p:spPr>
-          <p:txBody>
-            <a:bodyPr anchorCtr="0" anchor="t" bIns="91425" lIns="91425" spcFirstLastPara="1" rIns="91425" wrap="square" tIns="91425">
-              <a:noAutofit/>
-            </a:bodyPr>
-            <a:lstStyle/>
-            <a:p>
-              <a:pPr indent="0" lvl="0" marL="0" rtl="0" algn="l">
-                <a:spcBef>
-                  <a:spcPts val="0"/>
-                </a:spcBef>
-                <a:spcAft>
-                  <a:spcPts val="0"/>
-                </a:spcAft>
-                <a:buNone/>
-              </a:pPr>
-              <a:r>
-                <a:t/>
-              </a:r>
-              <a:endParaRPr sz="900">
-                <a:solidFill>
-                  <a:schemeClr val="dk2"/>
-                </a:solidFill>
-              </a:endParaRPr>
-            </a:p>
-          </p:txBody>
-        </p:sp>
-        <p:sp>
-          <p:nvSpPr>
-            <p:cNvPr id="206" name="Google Shape;206;p14"/>
-            <p:cNvSpPr txBox="1"/>
-            <p:nvPr/>
-          </p:nvSpPr>
-          <p:spPr>
-            <a:xfrm>
-              <a:off x="3946950" y="2247750"/>
-              <a:ext cx="1250100" cy="129600"/>
-            </a:xfrm>
-            <a:prstGeom prst="rect">
-              <a:avLst/>
-            </a:prstGeom>
-            <a:noFill/>
-            <a:ln>
-              <a:noFill/>
-            </a:ln>
-          </p:spPr>
-          <p:txBody>
-            <a:bodyPr anchorCtr="0" anchor="ctr" bIns="91425" lIns="91425" spcFirstLastPara="1" rIns="91425" wrap="square" tIns="91425">
-              <a:noAutofit/>
-            </a:bodyPr>
-            <a:lstStyle/>
-            <a:p>
-              <a:pPr indent="0" lvl="0" marL="0" rtl="0" algn="ctr">
-                <a:spcBef>
-                  <a:spcPts val="0"/>
-                </a:spcBef>
-                <a:spcAft>
-                  <a:spcPts val="0"/>
-                </a:spcAft>
-                <a:buNone/>
-              </a:pPr>
-              <a:r>
-                <a:rPr b="1" lang="ja" sz="800">
-                  <a:solidFill>
-                    <a:schemeClr val="dk2"/>
-                  </a:solidFill>
-                </a:rPr>
-                <a:t>お届け先</a:t>
-              </a:r>
-              <a:r>
-                <a:rPr b="1" lang="ja" sz="800">
-                  <a:solidFill>
-                    <a:schemeClr val="dk2"/>
-                  </a:solidFill>
-                </a:rPr>
-                <a:t>情報</a:t>
-              </a:r>
-              <a:r>
-                <a:rPr b="1" lang="ja" sz="800">
-                  <a:solidFill>
-                    <a:schemeClr val="dk2"/>
-                  </a:solidFill>
-                </a:rPr>
-                <a:t>追加</a:t>
-              </a:r>
-              <a:r>
-                <a:rPr b="1" lang="ja" sz="800">
-                  <a:solidFill>
-                    <a:schemeClr val="dk2"/>
-                  </a:solidFill>
-                </a:rPr>
-                <a:t>確認</a:t>
-              </a:r>
-              <a:endParaRPr b="1" sz="800">
-                <a:solidFill>
-                  <a:schemeClr val="dk2"/>
-                </a:solidFill>
-              </a:endParaRPr>
-            </a:p>
-          </p:txBody>
-        </p:sp>
-        <p:sp>
-          <p:nvSpPr>
-            <p:cNvPr id="207" name="Google Shape;207;p14"/>
-            <p:cNvSpPr txBox="1"/>
-            <p:nvPr/>
-          </p:nvSpPr>
-          <p:spPr>
-            <a:xfrm>
-              <a:off x="4025400" y="2404575"/>
-              <a:ext cx="1096500" cy="451200"/>
-            </a:xfrm>
-            <a:prstGeom prst="rect">
-              <a:avLst/>
-            </a:prstGeom>
-            <a:solidFill>
-              <a:schemeClr val="lt1"/>
-            </a:solidFill>
-            <a:ln cap="flat" cmpd="sng" w="9525">
-              <a:solidFill>
-                <a:srgbClr val="000000"/>
-              </a:solidFill>
-              <a:prstDash val="dash"/>
-              <a:round/>
-              <a:headEnd len="sm" w="sm" type="none"/>
-              <a:tailEnd len="sm" w="sm" type="none"/>
-            </a:ln>
-          </p:spPr>
-          <p:txBody>
-            <a:bodyPr anchorCtr="0" anchor="t" bIns="91425" lIns="91425" spcFirstLastPara="1" rIns="91425" wrap="square" tIns="91425">
-              <a:noAutofit/>
-            </a:bodyPr>
-            <a:lstStyle/>
-            <a:p>
-              <a:pPr indent="0" lvl="0" marL="0" rtl="0" algn="l">
-                <a:spcBef>
-                  <a:spcPts val="0"/>
-                </a:spcBef>
-                <a:spcAft>
-                  <a:spcPts val="0"/>
-                </a:spcAft>
-                <a:buNone/>
-              </a:pPr>
-              <a:r>
-                <a:t/>
-              </a:r>
-              <a:endParaRPr sz="1800">
-                <a:solidFill>
-                  <a:schemeClr val="dk2"/>
-                </a:solidFill>
-              </a:endParaRPr>
-            </a:p>
-          </p:txBody>
-        </p:sp>
-        <p:sp>
-          <p:nvSpPr>
-            <p:cNvPr id="208" name="Google Shape;208;p14"/>
-            <p:cNvSpPr txBox="1"/>
-            <p:nvPr/>
-          </p:nvSpPr>
-          <p:spPr>
-            <a:xfrm>
-              <a:off x="4025400" y="2404575"/>
-              <a:ext cx="1096500" cy="451200"/>
-            </a:xfrm>
-            <a:prstGeom prst="rect">
-              <a:avLst/>
-            </a:prstGeom>
-            <a:noFill/>
-            <a:ln>
-              <a:noFill/>
-            </a:ln>
-          </p:spPr>
-          <p:txBody>
-            <a:bodyPr anchorCtr="0" anchor="t" bIns="91425" lIns="91425" spcFirstLastPara="1" rIns="91425" wrap="square" tIns="91425">
-              <a:noAutofit/>
-            </a:bodyPr>
-            <a:lstStyle/>
-            <a:p>
-              <a:pPr indent="0" lvl="0" marL="0" rtl="0" algn="l">
-                <a:spcBef>
-                  <a:spcPts val="0"/>
-                </a:spcBef>
-                <a:spcAft>
-                  <a:spcPts val="0"/>
-                </a:spcAft>
-                <a:buNone/>
-              </a:pPr>
-              <a:r>
-                <a:rPr lang="ja" sz="700">
-                  <a:solidFill>
-                    <a:schemeClr val="dk2"/>
-                  </a:solidFill>
-                </a:rPr>
-                <a:t>・</a:t>
-              </a:r>
-              <a:r>
-                <a:rPr lang="ja" sz="700">
-                  <a:solidFill>
-                    <a:schemeClr val="dk2"/>
-                  </a:solidFill>
-                </a:rPr>
-                <a:t>追加</a:t>
-              </a:r>
-              <a:r>
-                <a:rPr lang="ja" sz="700">
-                  <a:solidFill>
-                    <a:schemeClr val="dk2"/>
-                  </a:solidFill>
-                </a:rPr>
-                <a:t>ボタン</a:t>
-              </a:r>
-              <a:endParaRPr sz="700">
-                <a:solidFill>
-                  <a:schemeClr val="dk2"/>
-                </a:solidFill>
-              </a:endParaRPr>
-            </a:p>
-          </p:txBody>
-        </p:sp>
-      </p:grpSp>
-      <p:grpSp>
-        <p:nvGrpSpPr>
-          <p:cNvPr id="209" name="Google Shape;209;p14"/>
-          <p:cNvGrpSpPr/>
-          <p:nvPr/>
-        </p:nvGrpSpPr>
-        <p:grpSpPr>
-          <a:xfrm>
-            <a:off x="5560425" y="3183925"/>
-            <a:ext cx="1250100" cy="648000"/>
-            <a:chOff x="3946950" y="2247750"/>
-            <a:chExt cx="1250100" cy="648000"/>
-          </a:xfrm>
-        </p:grpSpPr>
-        <p:sp>
-          <p:nvSpPr>
-            <p:cNvPr id="210" name="Google Shape;210;p14"/>
-            <p:cNvSpPr txBox="1"/>
-            <p:nvPr/>
-          </p:nvSpPr>
-          <p:spPr>
-            <a:xfrm>
-              <a:off x="3985200" y="2247750"/>
-              <a:ext cx="1173600" cy="648000"/>
-            </a:xfrm>
-            <a:prstGeom prst="rect">
-              <a:avLst/>
-            </a:prstGeom>
-            <a:solidFill>
-              <a:srgbClr val="EFEFEF"/>
-            </a:solidFill>
-            <a:ln cap="flat" cmpd="sng" w="9525">
-              <a:solidFill>
-                <a:srgbClr val="000000"/>
-              </a:solidFill>
-              <a:prstDash val="solid"/>
-              <a:round/>
-              <a:headEnd len="sm" w="sm" type="none"/>
-              <a:tailEnd len="sm" w="sm" type="none"/>
-            </a:ln>
-          </p:spPr>
-          <p:txBody>
-            <a:bodyPr anchorCtr="0" anchor="t" bIns="91425" lIns="91425" spcFirstLastPara="1" rIns="91425" wrap="square" tIns="91425">
-              <a:noAutofit/>
-            </a:bodyPr>
-            <a:lstStyle/>
-            <a:p>
-              <a:pPr indent="0" lvl="0" marL="0" rtl="0" algn="l">
-                <a:spcBef>
-                  <a:spcPts val="0"/>
-                </a:spcBef>
-                <a:spcAft>
-                  <a:spcPts val="0"/>
-                </a:spcAft>
-                <a:buNone/>
-              </a:pPr>
-              <a:r>
-                <a:t/>
-              </a:r>
-              <a:endParaRPr sz="900">
-                <a:solidFill>
-                  <a:schemeClr val="dk2"/>
-                </a:solidFill>
-              </a:endParaRPr>
-            </a:p>
-          </p:txBody>
-        </p:sp>
-        <p:sp>
-          <p:nvSpPr>
-            <p:cNvPr id="211" name="Google Shape;211;p14"/>
-            <p:cNvSpPr txBox="1"/>
-            <p:nvPr/>
-          </p:nvSpPr>
-          <p:spPr>
-            <a:xfrm>
-              <a:off x="3946950" y="2247750"/>
-              <a:ext cx="1250100" cy="129600"/>
-            </a:xfrm>
-            <a:prstGeom prst="rect">
-              <a:avLst/>
-            </a:prstGeom>
-            <a:noFill/>
-            <a:ln>
-              <a:noFill/>
-            </a:ln>
-          </p:spPr>
-          <p:txBody>
-            <a:bodyPr anchorCtr="0" anchor="ctr" bIns="91425" lIns="91425" spcFirstLastPara="1" rIns="91425" wrap="square" tIns="91425">
-              <a:noAutofit/>
-            </a:bodyPr>
-            <a:lstStyle/>
-            <a:p>
-              <a:pPr indent="0" lvl="0" marL="0" rtl="0" algn="ctr">
-                <a:spcBef>
-                  <a:spcPts val="0"/>
-                </a:spcBef>
-                <a:spcAft>
-                  <a:spcPts val="0"/>
-                </a:spcAft>
-                <a:buNone/>
-              </a:pPr>
-              <a:r>
-                <a:rPr b="1" lang="ja" sz="800">
-                  <a:solidFill>
-                    <a:schemeClr val="dk2"/>
-                  </a:solidFill>
-                </a:rPr>
-                <a:t>お届け先</a:t>
-              </a:r>
-              <a:r>
-                <a:rPr b="1" lang="ja" sz="800">
-                  <a:solidFill>
-                    <a:schemeClr val="dk2"/>
-                  </a:solidFill>
-                </a:rPr>
-                <a:t>情報</a:t>
-              </a:r>
-              <a:r>
-                <a:rPr b="1" lang="ja" sz="800">
-                  <a:solidFill>
-                    <a:schemeClr val="dk2"/>
-                  </a:solidFill>
-                </a:rPr>
-                <a:t>追加</a:t>
-              </a:r>
-              <a:r>
-                <a:rPr b="1" lang="ja" sz="800">
-                  <a:solidFill>
-                    <a:schemeClr val="dk2"/>
-                  </a:solidFill>
-                </a:rPr>
-                <a:t>完了</a:t>
-              </a:r>
-              <a:endParaRPr b="1" sz="800">
-                <a:solidFill>
-                  <a:schemeClr val="dk2"/>
-                </a:solidFill>
-              </a:endParaRPr>
-            </a:p>
-          </p:txBody>
-        </p:sp>
-        <p:sp>
-          <p:nvSpPr>
-            <p:cNvPr id="212" name="Google Shape;212;p14"/>
-            <p:cNvSpPr txBox="1"/>
-            <p:nvPr/>
-          </p:nvSpPr>
-          <p:spPr>
-            <a:xfrm>
-              <a:off x="4025400" y="2404575"/>
-              <a:ext cx="1096500" cy="451200"/>
-            </a:xfrm>
-            <a:prstGeom prst="rect">
-              <a:avLst/>
-            </a:prstGeom>
-            <a:solidFill>
-              <a:schemeClr val="lt1"/>
-            </a:solidFill>
-            <a:ln cap="flat" cmpd="sng" w="9525">
-              <a:solidFill>
-                <a:srgbClr val="000000"/>
-              </a:solidFill>
-              <a:prstDash val="dash"/>
-              <a:round/>
-              <a:headEnd len="sm" w="sm" type="none"/>
-              <a:tailEnd len="sm" w="sm" type="none"/>
-            </a:ln>
-          </p:spPr>
-          <p:txBody>
-            <a:bodyPr anchorCtr="0" anchor="t" bIns="91425" lIns="91425" spcFirstLastPara="1" rIns="91425" wrap="square" tIns="91425">
-              <a:noAutofit/>
-            </a:bodyPr>
-            <a:lstStyle/>
-            <a:p>
-              <a:pPr indent="0" lvl="0" marL="0" rtl="0" algn="l">
-                <a:spcBef>
-                  <a:spcPts val="0"/>
-                </a:spcBef>
-                <a:spcAft>
-                  <a:spcPts val="0"/>
-                </a:spcAft>
-                <a:buNone/>
-              </a:pPr>
-              <a:r>
-                <a:t/>
-              </a:r>
-              <a:endParaRPr sz="1800">
-                <a:solidFill>
-                  <a:schemeClr val="dk2"/>
-                </a:solidFill>
-              </a:endParaRPr>
-            </a:p>
-          </p:txBody>
-        </p:sp>
-        <p:sp>
-          <p:nvSpPr>
-            <p:cNvPr id="213" name="Google Shape;213;p14"/>
-            <p:cNvSpPr txBox="1"/>
-            <p:nvPr/>
-          </p:nvSpPr>
-          <p:spPr>
-            <a:xfrm>
-              <a:off x="4025400" y="2404575"/>
-              <a:ext cx="1096500" cy="451200"/>
-            </a:xfrm>
-            <a:prstGeom prst="rect">
-              <a:avLst/>
-            </a:prstGeom>
-            <a:noFill/>
-            <a:ln>
-              <a:noFill/>
-            </a:ln>
-          </p:spPr>
-          <p:txBody>
-            <a:bodyPr anchorCtr="0" anchor="t" bIns="91425" lIns="91425" spcFirstLastPara="1" rIns="91425" wrap="square" tIns="91425">
-              <a:noAutofit/>
-            </a:bodyPr>
-            <a:lstStyle/>
-            <a:p>
-              <a:pPr indent="0" lvl="0" marL="0" rtl="0" algn="l">
-                <a:spcBef>
-                  <a:spcPts val="0"/>
-                </a:spcBef>
-                <a:spcAft>
-                  <a:spcPts val="0"/>
-                </a:spcAft>
-                <a:buNone/>
-              </a:pPr>
-              <a:r>
-                <a:rPr lang="ja" sz="700">
-                  <a:solidFill>
-                    <a:schemeClr val="dk2"/>
-                  </a:solidFill>
-                </a:rPr>
-                <a:t>・</a:t>
-              </a:r>
-              <a:r>
-                <a:rPr lang="ja" sz="700">
-                  <a:solidFill>
-                    <a:schemeClr val="dk2"/>
-                  </a:solidFill>
-                </a:rPr>
-                <a:t>戻る</a:t>
-              </a:r>
-              <a:r>
-                <a:rPr lang="ja" sz="700">
-                  <a:solidFill>
-                    <a:schemeClr val="dk2"/>
-                  </a:solidFill>
-                </a:rPr>
-                <a:t>ボタン</a:t>
-              </a:r>
-              <a:endParaRPr sz="700">
-                <a:solidFill>
-                  <a:schemeClr val="dk2"/>
-                </a:solidFill>
-              </a:endParaRPr>
-            </a:p>
-          </p:txBody>
-        </p:sp>
-      </p:grpSp>
       <p:cxnSp>
         <p:nvCxnSpPr>
-          <p:cNvPr id="214" name="Google Shape;214;p14"/>
+          <p:cNvPr id="200" name="Google Shape;200;p14"/>
           <p:cNvCxnSpPr>
-            <a:endCxn id="201" idx="0"/>
+            <a:endCxn id="187" idx="0"/>
           </p:cNvCxnSpPr>
           <p:nvPr/>
         </p:nvCxnSpPr>
@@ -12962,9 +12441,9 @@
       </p:cxnSp>
       <p:cxnSp>
         <p:nvCxnSpPr>
-          <p:cNvPr id="215" name="Google Shape;215;p14"/>
+          <p:cNvPr id="201" name="Google Shape;201;p14"/>
           <p:cNvCxnSpPr>
-            <a:endCxn id="205" idx="1"/>
+            <a:endCxn id="191" idx="1"/>
           </p:cNvCxnSpPr>
           <p:nvPr/>
         </p:nvCxnSpPr>
@@ -12990,10 +12469,10 @@
       </p:cxnSp>
       <p:cxnSp>
         <p:nvCxnSpPr>
-          <p:cNvPr id="216" name="Google Shape;216;p14"/>
+          <p:cNvPr id="202" name="Google Shape;202;p14"/>
           <p:cNvCxnSpPr>
-            <a:stCxn id="205" idx="3"/>
-            <a:endCxn id="210" idx="1"/>
+            <a:stCxn id="191" idx="3"/>
+            <a:endCxn id="196" idx="1"/>
           </p:cNvCxnSpPr>
           <p:nvPr/>
         </p:nvCxnSpPr>
@@ -13030,7 +12509,7 @@
   <p:cSld>
     <p:spTree>
       <p:nvGrpSpPr>
-        <p:cNvPr id="220" name="Shape 220"/>
+        <p:cNvPr id="206" name="Shape 206"/>
         <p:cNvGrpSpPr/>
         <p:nvPr/>
       </p:nvGrpSpPr>
@@ -13044,7 +12523,7 @@
       </p:grpSpPr>
       <p:sp>
         <p:nvSpPr>
-          <p:cNvPr id="221" name="Google Shape;221;p15"/>
+          <p:cNvPr id="207" name="Google Shape;207;p15"/>
           <p:cNvSpPr/>
           <p:nvPr/>
         </p:nvSpPr>
@@ -13093,7 +12572,7 @@
       </p:sp>
       <p:grpSp>
         <p:nvGrpSpPr>
-          <p:cNvPr id="222" name="Google Shape;222;p15"/>
+          <p:cNvPr id="208" name="Google Shape;208;p15"/>
           <p:cNvGrpSpPr/>
           <p:nvPr/>
         </p:nvGrpSpPr>
@@ -13107,7 +12586,7 @@
         </p:grpSpPr>
         <p:sp>
           <p:nvSpPr>
-            <p:cNvPr id="223" name="Google Shape;223;p15"/>
+            <p:cNvPr id="209" name="Google Shape;209;p15"/>
             <p:cNvSpPr txBox="1"/>
             <p:nvPr/>
           </p:nvSpPr>
@@ -13160,7 +12639,7 @@
         </p:sp>
         <p:sp>
           <p:nvSpPr>
-            <p:cNvPr id="224" name="Google Shape;224;p15"/>
+            <p:cNvPr id="210" name="Google Shape;210;p15"/>
             <p:cNvSpPr txBox="1"/>
             <p:nvPr/>
           </p:nvSpPr>
@@ -13218,7 +12697,7 @@
         </p:sp>
         <p:sp>
           <p:nvSpPr>
-            <p:cNvPr id="225" name="Google Shape;225;p15"/>
+            <p:cNvPr id="211" name="Google Shape;211;p15"/>
             <p:cNvSpPr txBox="1"/>
             <p:nvPr/>
           </p:nvSpPr>
@@ -13271,7 +12750,7 @@
         </p:sp>
         <p:sp>
           <p:nvSpPr>
-            <p:cNvPr id="226" name="Google Shape;226;p15"/>
+            <p:cNvPr id="212" name="Google Shape;212;p15"/>
             <p:cNvSpPr txBox="1"/>
             <p:nvPr/>
           </p:nvSpPr>
@@ -13322,7 +12801,7 @@
       </p:grpSp>
       <p:grpSp>
         <p:nvGrpSpPr>
-          <p:cNvPr id="227" name="Google Shape;227;p15"/>
+          <p:cNvPr id="213" name="Google Shape;213;p15"/>
           <p:cNvGrpSpPr/>
           <p:nvPr/>
         </p:nvGrpSpPr>
@@ -13336,7 +12815,7 @@
         </p:grpSpPr>
         <p:sp>
           <p:nvSpPr>
-            <p:cNvPr id="228" name="Google Shape;228;p15"/>
+            <p:cNvPr id="214" name="Google Shape;214;p15"/>
             <p:cNvSpPr txBox="1"/>
             <p:nvPr/>
           </p:nvSpPr>
@@ -13389,7 +12868,7 @@
         </p:sp>
         <p:sp>
           <p:nvSpPr>
-            <p:cNvPr id="229" name="Google Shape;229;p15"/>
+            <p:cNvPr id="215" name="Google Shape;215;p15"/>
             <p:cNvSpPr txBox="1"/>
             <p:nvPr/>
           </p:nvSpPr>
@@ -13439,7 +12918,7 @@
         </p:sp>
         <p:sp>
           <p:nvSpPr>
-            <p:cNvPr id="230" name="Google Shape;230;p15"/>
+            <p:cNvPr id="216" name="Google Shape;216;p15"/>
             <p:cNvSpPr txBox="1"/>
             <p:nvPr/>
           </p:nvSpPr>
@@ -13492,7 +12971,7 @@
         </p:sp>
         <p:sp>
           <p:nvSpPr>
-            <p:cNvPr id="231" name="Google Shape;231;p15"/>
+            <p:cNvPr id="217" name="Google Shape;217;p15"/>
             <p:cNvSpPr txBox="1"/>
             <p:nvPr/>
           </p:nvSpPr>
@@ -13567,7 +13046,7 @@
       </p:grpSp>
       <p:sp>
         <p:nvSpPr>
-          <p:cNvPr id="232" name="Google Shape;232;p15"/>
+          <p:cNvPr id="218" name="Google Shape;218;p15"/>
           <p:cNvSpPr txBox="1"/>
           <p:nvPr>
             <p:ph type="title"/>
@@ -13615,7 +13094,7 @@
       </p:sp>
       <p:grpSp>
         <p:nvGrpSpPr>
-          <p:cNvPr id="233" name="Google Shape;233;p15"/>
+          <p:cNvPr id="219" name="Google Shape;219;p15"/>
           <p:cNvGrpSpPr/>
           <p:nvPr/>
         </p:nvGrpSpPr>
@@ -13629,7 +13108,7 @@
         </p:grpSpPr>
         <p:sp>
           <p:nvSpPr>
-            <p:cNvPr id="234" name="Google Shape;234;p15"/>
+            <p:cNvPr id="220" name="Google Shape;220;p15"/>
             <p:cNvSpPr txBox="1"/>
             <p:nvPr/>
           </p:nvSpPr>
@@ -13682,7 +13161,7 @@
         </p:sp>
         <p:sp>
           <p:nvSpPr>
-            <p:cNvPr id="235" name="Google Shape;235;p15"/>
+            <p:cNvPr id="221" name="Google Shape;221;p15"/>
             <p:cNvSpPr txBox="1"/>
             <p:nvPr/>
           </p:nvSpPr>
@@ -13740,7 +13219,7 @@
         </p:sp>
         <p:sp>
           <p:nvSpPr>
-            <p:cNvPr id="236" name="Google Shape;236;p15"/>
+            <p:cNvPr id="222" name="Google Shape;222;p15"/>
             <p:cNvSpPr txBox="1"/>
             <p:nvPr/>
           </p:nvSpPr>
@@ -13793,7 +13272,7 @@
         </p:sp>
         <p:sp>
           <p:nvSpPr>
-            <p:cNvPr id="237" name="Google Shape;237;p15"/>
+            <p:cNvPr id="223" name="Google Shape;223;p15"/>
             <p:cNvSpPr txBox="1"/>
             <p:nvPr/>
           </p:nvSpPr>
@@ -13844,7 +13323,7 @@
       </p:grpSp>
       <p:grpSp>
         <p:nvGrpSpPr>
-          <p:cNvPr id="238" name="Google Shape;238;p15"/>
+          <p:cNvPr id="224" name="Google Shape;224;p15"/>
           <p:cNvGrpSpPr/>
           <p:nvPr/>
         </p:nvGrpSpPr>
@@ -13858,7 +13337,7 @@
         </p:grpSpPr>
         <p:sp>
           <p:nvSpPr>
-            <p:cNvPr id="239" name="Google Shape;239;p15"/>
+            <p:cNvPr id="225" name="Google Shape;225;p15"/>
             <p:cNvSpPr txBox="1"/>
             <p:nvPr/>
           </p:nvSpPr>
@@ -13911,7 +13390,7 @@
         </p:sp>
         <p:sp>
           <p:nvSpPr>
-            <p:cNvPr id="240" name="Google Shape;240;p15"/>
+            <p:cNvPr id="226" name="Google Shape;226;p15"/>
             <p:cNvSpPr txBox="1"/>
             <p:nvPr/>
           </p:nvSpPr>
@@ -13969,7 +13448,7 @@
         </p:sp>
         <p:sp>
           <p:nvSpPr>
-            <p:cNvPr id="241" name="Google Shape;241;p15"/>
+            <p:cNvPr id="227" name="Google Shape;227;p15"/>
             <p:cNvSpPr txBox="1"/>
             <p:nvPr/>
           </p:nvSpPr>
@@ -14022,7 +13501,7 @@
         </p:sp>
         <p:sp>
           <p:nvSpPr>
-            <p:cNvPr id="242" name="Google Shape;242;p15"/>
+            <p:cNvPr id="228" name="Google Shape;228;p15"/>
             <p:cNvSpPr txBox="1"/>
             <p:nvPr/>
           </p:nvSpPr>
@@ -14073,10 +13552,10 @@
       </p:grpSp>
       <p:cxnSp>
         <p:nvCxnSpPr>
-          <p:cNvPr id="243" name="Google Shape;243;p15"/>
+          <p:cNvPr id="229" name="Google Shape;229;p15"/>
           <p:cNvCxnSpPr>
-            <a:stCxn id="244" idx="3"/>
-            <a:endCxn id="228" idx="1"/>
+            <a:stCxn id="230" idx="3"/>
+            <a:endCxn id="214" idx="1"/>
           </p:cNvCxnSpPr>
           <p:nvPr/>
         </p:nvCxnSpPr>
@@ -14102,10 +13581,10 @@
       </p:cxnSp>
       <p:cxnSp>
         <p:nvCxnSpPr>
-          <p:cNvPr id="245" name="Google Shape;245;p15"/>
+          <p:cNvPr id="231" name="Google Shape;231;p15"/>
           <p:cNvCxnSpPr>
-            <a:stCxn id="228" idx="3"/>
-            <a:endCxn id="223" idx="1"/>
+            <a:stCxn id="214" idx="3"/>
+            <a:endCxn id="209" idx="1"/>
           </p:cNvCxnSpPr>
           <p:nvPr/>
         </p:nvCxnSpPr>
@@ -14131,10 +13610,10 @@
       </p:cxnSp>
       <p:cxnSp>
         <p:nvCxnSpPr>
-          <p:cNvPr id="246" name="Google Shape;246;p15"/>
+          <p:cNvPr id="232" name="Google Shape;232;p15"/>
           <p:cNvCxnSpPr>
-            <a:stCxn id="223" idx="3"/>
-            <a:endCxn id="234" idx="1"/>
+            <a:stCxn id="209" idx="3"/>
+            <a:endCxn id="220" idx="1"/>
           </p:cNvCxnSpPr>
           <p:nvPr/>
         </p:nvCxnSpPr>
@@ -14160,9 +13639,9 @@
       </p:cxnSp>
       <p:cxnSp>
         <p:nvCxnSpPr>
-          <p:cNvPr id="247" name="Google Shape;247;p15"/>
+          <p:cNvPr id="233" name="Google Shape;233;p15"/>
           <p:cNvCxnSpPr>
-            <a:endCxn id="239" idx="1"/>
+            <a:endCxn id="225" idx="1"/>
           </p:cNvCxnSpPr>
           <p:nvPr/>
         </p:nvCxnSpPr>
@@ -14188,7 +13667,7 @@
       </p:cxnSp>
       <p:grpSp>
         <p:nvGrpSpPr>
-          <p:cNvPr id="248" name="Google Shape;248;p15"/>
+          <p:cNvPr id="234" name="Google Shape;234;p15"/>
           <p:cNvGrpSpPr/>
           <p:nvPr/>
         </p:nvGrpSpPr>
@@ -14202,7 +13681,7 @@
         </p:grpSpPr>
         <p:sp>
           <p:nvSpPr>
-            <p:cNvPr id="249" name="Google Shape;249;p15"/>
+            <p:cNvPr id="235" name="Google Shape;235;p15"/>
             <p:cNvSpPr txBox="1"/>
             <p:nvPr/>
           </p:nvSpPr>
@@ -14255,7 +13734,7 @@
         </p:sp>
         <p:sp>
           <p:nvSpPr>
-            <p:cNvPr id="250" name="Google Shape;250;p15"/>
+            <p:cNvPr id="236" name="Google Shape;236;p15"/>
             <p:cNvSpPr txBox="1"/>
             <p:nvPr/>
           </p:nvSpPr>
@@ -14313,7 +13792,7 @@
         </p:sp>
         <p:sp>
           <p:nvSpPr>
-            <p:cNvPr id="251" name="Google Shape;251;p15"/>
+            <p:cNvPr id="237" name="Google Shape;237;p15"/>
             <p:cNvSpPr txBox="1"/>
             <p:nvPr/>
           </p:nvSpPr>
@@ -14366,7 +13845,7 @@
         </p:sp>
         <p:sp>
           <p:nvSpPr>
-            <p:cNvPr id="252" name="Google Shape;252;p15"/>
+            <p:cNvPr id="238" name="Google Shape;238;p15"/>
             <p:cNvSpPr txBox="1"/>
             <p:nvPr/>
           </p:nvSpPr>
@@ -14417,7 +13896,7 @@
       </p:grpSp>
       <p:grpSp>
         <p:nvGrpSpPr>
-          <p:cNvPr id="253" name="Google Shape;253;p15"/>
+          <p:cNvPr id="239" name="Google Shape;239;p15"/>
           <p:cNvGrpSpPr/>
           <p:nvPr/>
         </p:nvGrpSpPr>
@@ -14431,7 +13910,7 @@
         </p:grpSpPr>
         <p:sp>
           <p:nvSpPr>
-            <p:cNvPr id="254" name="Google Shape;254;p15"/>
+            <p:cNvPr id="240" name="Google Shape;240;p15"/>
             <p:cNvSpPr txBox="1"/>
             <p:nvPr/>
           </p:nvSpPr>
@@ -14484,7 +13963,7 @@
         </p:sp>
         <p:sp>
           <p:nvSpPr>
-            <p:cNvPr id="255" name="Google Shape;255;p15"/>
+            <p:cNvPr id="241" name="Google Shape;241;p15"/>
             <p:cNvSpPr txBox="1"/>
             <p:nvPr/>
           </p:nvSpPr>
@@ -14542,7 +14021,7 @@
         </p:sp>
         <p:sp>
           <p:nvSpPr>
-            <p:cNvPr id="256" name="Google Shape;256;p15"/>
+            <p:cNvPr id="242" name="Google Shape;242;p15"/>
             <p:cNvSpPr txBox="1"/>
             <p:nvPr/>
           </p:nvSpPr>
@@ -14595,7 +14074,7 @@
         </p:sp>
         <p:sp>
           <p:nvSpPr>
-            <p:cNvPr id="257" name="Google Shape;257;p15"/>
+            <p:cNvPr id="243" name="Google Shape;243;p15"/>
             <p:cNvSpPr txBox="1"/>
             <p:nvPr/>
           </p:nvSpPr>
@@ -14646,7 +14125,7 @@
       </p:grpSp>
       <p:grpSp>
         <p:nvGrpSpPr>
-          <p:cNvPr id="258" name="Google Shape;258;p15"/>
+          <p:cNvPr id="244" name="Google Shape;244;p15"/>
           <p:cNvGrpSpPr/>
           <p:nvPr/>
         </p:nvGrpSpPr>
@@ -14660,7 +14139,7 @@
         </p:grpSpPr>
         <p:sp>
           <p:nvSpPr>
-            <p:cNvPr id="259" name="Google Shape;259;p15"/>
+            <p:cNvPr id="245" name="Google Shape;245;p15"/>
             <p:cNvSpPr txBox="1"/>
             <p:nvPr/>
           </p:nvSpPr>
@@ -14713,7 +14192,7 @@
         </p:sp>
         <p:sp>
           <p:nvSpPr>
-            <p:cNvPr id="260" name="Google Shape;260;p15"/>
+            <p:cNvPr id="246" name="Google Shape;246;p15"/>
             <p:cNvSpPr txBox="1"/>
             <p:nvPr/>
           </p:nvSpPr>
@@ -14771,7 +14250,7 @@
         </p:sp>
         <p:sp>
           <p:nvSpPr>
-            <p:cNvPr id="261" name="Google Shape;261;p15"/>
+            <p:cNvPr id="247" name="Google Shape;247;p15"/>
             <p:cNvSpPr txBox="1"/>
             <p:nvPr/>
           </p:nvSpPr>
@@ -14824,7 +14303,7 @@
         </p:sp>
         <p:sp>
           <p:nvSpPr>
-            <p:cNvPr id="262" name="Google Shape;262;p15"/>
+            <p:cNvPr id="248" name="Google Shape;248;p15"/>
             <p:cNvSpPr txBox="1"/>
             <p:nvPr/>
           </p:nvSpPr>
@@ -14875,10 +14354,10 @@
       </p:grpSp>
       <p:cxnSp>
         <p:nvCxnSpPr>
-          <p:cNvPr id="263" name="Google Shape;263;p15"/>
+          <p:cNvPr id="249" name="Google Shape;249;p15"/>
           <p:cNvCxnSpPr>
-            <a:stCxn id="228" idx="2"/>
-            <a:endCxn id="250" idx="0"/>
+            <a:stCxn id="214" idx="2"/>
+            <a:endCxn id="236" idx="0"/>
           </p:cNvCxnSpPr>
           <p:nvPr/>
         </p:nvCxnSpPr>
@@ -14904,9 +14383,9 @@
       </p:cxnSp>
       <p:cxnSp>
         <p:nvCxnSpPr>
-          <p:cNvPr id="264" name="Google Shape;264;p15"/>
+          <p:cNvPr id="250" name="Google Shape;250;p15"/>
           <p:cNvCxnSpPr>
-            <a:endCxn id="254" idx="1"/>
+            <a:endCxn id="240" idx="1"/>
           </p:cNvCxnSpPr>
           <p:nvPr/>
         </p:nvCxnSpPr>
@@ -14932,10 +14411,10 @@
       </p:cxnSp>
       <p:cxnSp>
         <p:nvCxnSpPr>
-          <p:cNvPr id="265" name="Google Shape;265;p15"/>
+          <p:cNvPr id="251" name="Google Shape;251;p15"/>
           <p:cNvCxnSpPr>
-            <a:stCxn id="254" idx="3"/>
-            <a:endCxn id="259" idx="1"/>
+            <a:stCxn id="240" idx="3"/>
+            <a:endCxn id="245" idx="1"/>
           </p:cNvCxnSpPr>
           <p:nvPr/>
         </p:nvCxnSpPr>
@@ -14961,7 +14440,7 @@
       </p:cxnSp>
       <p:grpSp>
         <p:nvGrpSpPr>
-          <p:cNvPr id="266" name="Google Shape;266;p15"/>
+          <p:cNvPr id="252" name="Google Shape;252;p15"/>
           <p:cNvGrpSpPr/>
           <p:nvPr/>
         </p:nvGrpSpPr>
@@ -14975,7 +14454,7 @@
         </p:grpSpPr>
         <p:sp>
           <p:nvSpPr>
-            <p:cNvPr id="267" name="Google Shape;267;p15"/>
+            <p:cNvPr id="253" name="Google Shape;253;p15"/>
             <p:cNvSpPr txBox="1"/>
             <p:nvPr/>
           </p:nvSpPr>
@@ -15028,7 +14507,7 @@
         </p:sp>
         <p:sp>
           <p:nvSpPr>
-            <p:cNvPr id="268" name="Google Shape;268;p15"/>
+            <p:cNvPr id="254" name="Google Shape;254;p15"/>
             <p:cNvSpPr txBox="1"/>
             <p:nvPr/>
           </p:nvSpPr>
@@ -15083,7 +14562,7 @@
         </p:sp>
         <p:sp>
           <p:nvSpPr>
-            <p:cNvPr id="269" name="Google Shape;269;p15"/>
+            <p:cNvPr id="255" name="Google Shape;255;p15"/>
             <p:cNvSpPr txBox="1"/>
             <p:nvPr/>
           </p:nvSpPr>
@@ -15136,7 +14615,7 @@
         </p:sp>
         <p:sp>
           <p:nvSpPr>
-            <p:cNvPr id="270" name="Google Shape;270;p15"/>
+            <p:cNvPr id="256" name="Google Shape;256;p15"/>
             <p:cNvSpPr txBox="1"/>
             <p:nvPr/>
           </p:nvSpPr>
@@ -15270,7 +14749,7 @@
   <p:cSld>
     <p:spTree>
       <p:nvGrpSpPr>
-        <p:cNvPr id="274" name="Shape 274"/>
+        <p:cNvPr id="260" name="Shape 260"/>
         <p:cNvGrpSpPr/>
         <p:nvPr/>
       </p:nvGrpSpPr>
@@ -15284,7 +14763,7 @@
       </p:grpSpPr>
       <p:sp>
         <p:nvSpPr>
-          <p:cNvPr id="275" name="Google Shape;275;p16"/>
+          <p:cNvPr id="261" name="Google Shape;261;p16"/>
           <p:cNvSpPr/>
           <p:nvPr/>
         </p:nvSpPr>
@@ -15333,7 +14812,7 @@
       </p:sp>
       <p:grpSp>
         <p:nvGrpSpPr>
-          <p:cNvPr id="276" name="Google Shape;276;p16"/>
+          <p:cNvPr id="262" name="Google Shape;262;p16"/>
           <p:cNvGrpSpPr/>
           <p:nvPr/>
         </p:nvGrpSpPr>
@@ -15347,7 +14826,7 @@
         </p:grpSpPr>
         <p:sp>
           <p:nvSpPr>
-            <p:cNvPr id="277" name="Google Shape;277;p16"/>
+            <p:cNvPr id="263" name="Google Shape;263;p16"/>
             <p:cNvSpPr txBox="1"/>
             <p:nvPr/>
           </p:nvSpPr>
@@ -15400,7 +14879,7 @@
         </p:sp>
         <p:sp>
           <p:nvSpPr>
-            <p:cNvPr id="278" name="Google Shape;278;p16"/>
+            <p:cNvPr id="264" name="Google Shape;264;p16"/>
             <p:cNvSpPr txBox="1"/>
             <p:nvPr/>
           </p:nvSpPr>
@@ -15450,7 +14929,7 @@
         </p:sp>
         <p:sp>
           <p:nvSpPr>
-            <p:cNvPr id="279" name="Google Shape;279;p16"/>
+            <p:cNvPr id="265" name="Google Shape;265;p16"/>
             <p:cNvSpPr txBox="1"/>
             <p:nvPr/>
           </p:nvSpPr>
@@ -15503,7 +14982,7 @@
         </p:sp>
         <p:sp>
           <p:nvSpPr>
-            <p:cNvPr id="280" name="Google Shape;280;p16"/>
+            <p:cNvPr id="266" name="Google Shape;266;p16"/>
             <p:cNvSpPr txBox="1"/>
             <p:nvPr/>
           </p:nvSpPr>
@@ -15554,7 +15033,7 @@
       </p:grpSp>
       <p:grpSp>
         <p:nvGrpSpPr>
-          <p:cNvPr id="281" name="Google Shape;281;p16"/>
+          <p:cNvPr id="267" name="Google Shape;267;p16"/>
           <p:cNvGrpSpPr/>
           <p:nvPr/>
         </p:nvGrpSpPr>
@@ -15568,7 +15047,7 @@
         </p:grpSpPr>
         <p:sp>
           <p:nvSpPr>
-            <p:cNvPr id="282" name="Google Shape;282;p16"/>
+            <p:cNvPr id="268" name="Google Shape;268;p16"/>
             <p:cNvSpPr txBox="1"/>
             <p:nvPr/>
           </p:nvSpPr>
@@ -15621,7 +15100,7 @@
         </p:sp>
         <p:sp>
           <p:nvSpPr>
-            <p:cNvPr id="283" name="Google Shape;283;p16"/>
+            <p:cNvPr id="269" name="Google Shape;269;p16"/>
             <p:cNvSpPr txBox="1"/>
             <p:nvPr/>
           </p:nvSpPr>
@@ -15671,7 +15150,7 @@
         </p:sp>
         <p:sp>
           <p:nvSpPr>
-            <p:cNvPr id="284" name="Google Shape;284;p16"/>
+            <p:cNvPr id="270" name="Google Shape;270;p16"/>
             <p:cNvSpPr txBox="1"/>
             <p:nvPr/>
           </p:nvSpPr>
@@ -15724,7 +15203,7 @@
         </p:sp>
         <p:sp>
           <p:nvSpPr>
-            <p:cNvPr id="285" name="Google Shape;285;p16"/>
+            <p:cNvPr id="271" name="Google Shape;271;p16"/>
             <p:cNvSpPr txBox="1"/>
             <p:nvPr/>
           </p:nvSpPr>
@@ -15831,7 +15310,7 @@
       </p:grpSp>
       <p:sp>
         <p:nvSpPr>
-          <p:cNvPr id="286" name="Google Shape;286;p16"/>
+          <p:cNvPr id="272" name="Google Shape;272;p16"/>
           <p:cNvSpPr txBox="1"/>
           <p:nvPr>
             <p:ph type="title"/>
@@ -15871,7 +15350,7 @@
       </p:sp>
       <p:grpSp>
         <p:nvGrpSpPr>
-          <p:cNvPr id="287" name="Google Shape;287;p16"/>
+          <p:cNvPr id="273" name="Google Shape;273;p16"/>
           <p:cNvGrpSpPr/>
           <p:nvPr/>
         </p:nvGrpSpPr>
@@ -15885,7 +15364,7 @@
         </p:grpSpPr>
         <p:sp>
           <p:nvSpPr>
-            <p:cNvPr id="288" name="Google Shape;288;p16"/>
+            <p:cNvPr id="274" name="Google Shape;274;p16"/>
             <p:cNvSpPr txBox="1"/>
             <p:nvPr/>
           </p:nvSpPr>
@@ -15938,7 +15417,7 @@
         </p:sp>
         <p:sp>
           <p:nvSpPr>
-            <p:cNvPr id="289" name="Google Shape;289;p16"/>
+            <p:cNvPr id="275" name="Google Shape;275;p16"/>
             <p:cNvSpPr txBox="1"/>
             <p:nvPr/>
           </p:nvSpPr>
@@ -15988,7 +15467,7 @@
         </p:sp>
         <p:sp>
           <p:nvSpPr>
-            <p:cNvPr id="290" name="Google Shape;290;p16"/>
+            <p:cNvPr id="276" name="Google Shape;276;p16"/>
             <p:cNvSpPr txBox="1"/>
             <p:nvPr/>
           </p:nvSpPr>
@@ -16041,7 +15520,7 @@
         </p:sp>
         <p:sp>
           <p:nvSpPr>
-            <p:cNvPr id="291" name="Google Shape;291;p16"/>
+            <p:cNvPr id="277" name="Google Shape;277;p16"/>
             <p:cNvSpPr txBox="1"/>
             <p:nvPr/>
           </p:nvSpPr>
@@ -16100,7 +15579,7 @@
       </p:grpSp>
       <p:grpSp>
         <p:nvGrpSpPr>
-          <p:cNvPr id="292" name="Google Shape;292;p16"/>
+          <p:cNvPr id="278" name="Google Shape;278;p16"/>
           <p:cNvGrpSpPr/>
           <p:nvPr/>
         </p:nvGrpSpPr>
@@ -16114,7 +15593,7 @@
         </p:grpSpPr>
         <p:sp>
           <p:nvSpPr>
-            <p:cNvPr id="293" name="Google Shape;293;p16"/>
+            <p:cNvPr id="279" name="Google Shape;279;p16"/>
             <p:cNvSpPr txBox="1"/>
             <p:nvPr/>
           </p:nvSpPr>
@@ -16167,7 +15646,7 @@
         </p:sp>
         <p:sp>
           <p:nvSpPr>
-            <p:cNvPr id="294" name="Google Shape;294;p16"/>
+            <p:cNvPr id="280" name="Google Shape;280;p16"/>
             <p:cNvSpPr txBox="1"/>
             <p:nvPr/>
           </p:nvSpPr>
@@ -16225,7 +15704,7 @@
         </p:sp>
         <p:sp>
           <p:nvSpPr>
-            <p:cNvPr id="295" name="Google Shape;295;p16"/>
+            <p:cNvPr id="281" name="Google Shape;281;p16"/>
             <p:cNvSpPr txBox="1"/>
             <p:nvPr/>
           </p:nvSpPr>
@@ -16278,7 +15757,7 @@
         </p:sp>
         <p:sp>
           <p:nvSpPr>
-            <p:cNvPr id="296" name="Google Shape;296;p16"/>
+            <p:cNvPr id="282" name="Google Shape;282;p16"/>
             <p:cNvSpPr txBox="1"/>
             <p:nvPr/>
           </p:nvSpPr>
@@ -16337,7 +15816,7 @@
       </p:grpSp>
       <p:grpSp>
         <p:nvGrpSpPr>
-          <p:cNvPr id="297" name="Google Shape;297;p16"/>
+          <p:cNvPr id="283" name="Google Shape;283;p16"/>
           <p:cNvGrpSpPr/>
           <p:nvPr/>
         </p:nvGrpSpPr>
@@ -16351,7 +15830,7 @@
         </p:grpSpPr>
         <p:sp>
           <p:nvSpPr>
-            <p:cNvPr id="298" name="Google Shape;298;p16"/>
+            <p:cNvPr id="284" name="Google Shape;284;p16"/>
             <p:cNvSpPr txBox="1"/>
             <p:nvPr/>
           </p:nvSpPr>
@@ -16404,7 +15883,7 @@
         </p:sp>
         <p:sp>
           <p:nvSpPr>
-            <p:cNvPr id="299" name="Google Shape;299;p16"/>
+            <p:cNvPr id="285" name="Google Shape;285;p16"/>
             <p:cNvSpPr txBox="1"/>
             <p:nvPr/>
           </p:nvSpPr>
@@ -16454,7 +15933,7 @@
         </p:sp>
         <p:sp>
           <p:nvSpPr>
-            <p:cNvPr id="300" name="Google Shape;300;p16"/>
+            <p:cNvPr id="286" name="Google Shape;286;p16"/>
             <p:cNvSpPr txBox="1"/>
             <p:nvPr/>
           </p:nvSpPr>
@@ -16507,7 +15986,7 @@
         </p:sp>
         <p:sp>
           <p:nvSpPr>
-            <p:cNvPr id="301" name="Google Shape;301;p16"/>
+            <p:cNvPr id="287" name="Google Shape;287;p16"/>
             <p:cNvSpPr txBox="1"/>
             <p:nvPr/>
           </p:nvSpPr>
@@ -16577,7 +16056,7 @@
       </p:grpSp>
       <p:grpSp>
         <p:nvGrpSpPr>
-          <p:cNvPr id="302" name="Google Shape;302;p16"/>
+          <p:cNvPr id="288" name="Google Shape;288;p16"/>
           <p:cNvGrpSpPr/>
           <p:nvPr/>
         </p:nvGrpSpPr>
@@ -16591,7 +16070,7 @@
         </p:grpSpPr>
         <p:sp>
           <p:nvSpPr>
-            <p:cNvPr id="303" name="Google Shape;303;p16"/>
+            <p:cNvPr id="289" name="Google Shape;289;p16"/>
             <p:cNvSpPr txBox="1"/>
             <p:nvPr/>
           </p:nvSpPr>
@@ -16644,7 +16123,7 @@
         </p:sp>
         <p:sp>
           <p:nvSpPr>
-            <p:cNvPr id="304" name="Google Shape;304;p16"/>
+            <p:cNvPr id="290" name="Google Shape;290;p16"/>
             <p:cNvSpPr txBox="1"/>
             <p:nvPr/>
           </p:nvSpPr>
@@ -16702,7 +16181,7 @@
         </p:sp>
         <p:sp>
           <p:nvSpPr>
-            <p:cNvPr id="305" name="Google Shape;305;p16"/>
+            <p:cNvPr id="291" name="Google Shape;291;p16"/>
             <p:cNvSpPr txBox="1"/>
             <p:nvPr/>
           </p:nvSpPr>
@@ -16755,7 +16234,7 @@
         </p:sp>
         <p:sp>
           <p:nvSpPr>
-            <p:cNvPr id="306" name="Google Shape;306;p16"/>
+            <p:cNvPr id="292" name="Google Shape;292;p16"/>
             <p:cNvSpPr txBox="1"/>
             <p:nvPr/>
           </p:nvSpPr>
@@ -16814,10 +16293,10 @@
       </p:grpSp>
       <p:cxnSp>
         <p:nvCxnSpPr>
-          <p:cNvPr id="307" name="Google Shape;307;p16"/>
+          <p:cNvPr id="293" name="Google Shape;293;p16"/>
           <p:cNvCxnSpPr>
-            <a:stCxn id="288" idx="3"/>
-            <a:endCxn id="293" idx="1"/>
+            <a:stCxn id="274" idx="3"/>
+            <a:endCxn id="279" idx="1"/>
           </p:cNvCxnSpPr>
           <p:nvPr/>
         </p:nvCxnSpPr>
@@ -16843,9 +16322,9 @@
       </p:cxnSp>
       <p:cxnSp>
         <p:nvCxnSpPr>
-          <p:cNvPr id="308" name="Google Shape;308;p16"/>
+          <p:cNvPr id="294" name="Google Shape;294;p16"/>
           <p:cNvCxnSpPr>
-            <a:endCxn id="304" idx="0"/>
+            <a:endCxn id="290" idx="0"/>
           </p:cNvCxnSpPr>
           <p:nvPr/>
         </p:nvCxnSpPr>
@@ -16871,10 +16350,10 @@
       </p:cxnSp>
       <p:cxnSp>
         <p:nvCxnSpPr>
-          <p:cNvPr id="309" name="Google Shape;309;p16"/>
+          <p:cNvPr id="295" name="Google Shape;295;p16"/>
           <p:cNvCxnSpPr>
-            <a:stCxn id="288" idx="2"/>
-            <a:endCxn id="299" idx="0"/>
+            <a:stCxn id="274" idx="2"/>
+            <a:endCxn id="285" idx="0"/>
           </p:cNvCxnSpPr>
           <p:nvPr/>
         </p:nvCxnSpPr>
@@ -16900,10 +16379,10 @@
       </p:cxnSp>
       <p:cxnSp>
         <p:nvCxnSpPr>
-          <p:cNvPr id="310" name="Google Shape;310;p16"/>
+          <p:cNvPr id="296" name="Google Shape;296;p16"/>
           <p:cNvCxnSpPr>
-            <a:stCxn id="282" idx="3"/>
-            <a:endCxn id="311" idx="1"/>
+            <a:stCxn id="268" idx="3"/>
+            <a:endCxn id="297" idx="1"/>
           </p:cNvCxnSpPr>
           <p:nvPr/>
         </p:nvCxnSpPr>
@@ -16929,9 +16408,9 @@
       </p:cxnSp>
       <p:cxnSp>
         <p:nvCxnSpPr>
-          <p:cNvPr id="312" name="Google Shape;312;p16"/>
+          <p:cNvPr id="298" name="Google Shape;298;p16"/>
           <p:cNvCxnSpPr>
-            <a:endCxn id="282" idx="1"/>
+            <a:endCxn id="268" idx="1"/>
           </p:cNvCxnSpPr>
           <p:nvPr/>
         </p:nvCxnSpPr>
@@ -16957,7 +16436,7 @@
       </p:cxnSp>
       <p:grpSp>
         <p:nvGrpSpPr>
-          <p:cNvPr id="313" name="Google Shape;313;p16"/>
+          <p:cNvPr id="299" name="Google Shape;299;p16"/>
           <p:cNvGrpSpPr/>
           <p:nvPr/>
         </p:nvGrpSpPr>
@@ -16971,7 +16450,7 @@
         </p:grpSpPr>
         <p:sp>
           <p:nvSpPr>
-            <p:cNvPr id="314" name="Google Shape;314;p16"/>
+            <p:cNvPr id="300" name="Google Shape;300;p16"/>
             <p:cNvSpPr txBox="1"/>
             <p:nvPr/>
           </p:nvSpPr>
@@ -17024,7 +16503,7 @@
         </p:sp>
         <p:sp>
           <p:nvSpPr>
-            <p:cNvPr id="315" name="Google Shape;315;p16"/>
+            <p:cNvPr id="301" name="Google Shape;301;p16"/>
             <p:cNvSpPr txBox="1"/>
             <p:nvPr/>
           </p:nvSpPr>
@@ -17074,7 +16553,7 @@
         </p:sp>
         <p:sp>
           <p:nvSpPr>
-            <p:cNvPr id="316" name="Google Shape;316;p16"/>
+            <p:cNvPr id="302" name="Google Shape;302;p16"/>
             <p:cNvSpPr txBox="1"/>
             <p:nvPr/>
           </p:nvSpPr>
@@ -17127,7 +16606,7 @@
         </p:sp>
         <p:sp>
           <p:nvSpPr>
-            <p:cNvPr id="317" name="Google Shape;317;p16"/>
+            <p:cNvPr id="303" name="Google Shape;303;p16"/>
             <p:cNvSpPr txBox="1"/>
             <p:nvPr/>
           </p:nvSpPr>
@@ -17226,9 +16705,9 @@
       </p:grpSp>
       <p:cxnSp>
         <p:nvCxnSpPr>
-          <p:cNvPr id="318" name="Google Shape;318;p16"/>
+          <p:cNvPr id="304" name="Google Shape;304;p16"/>
           <p:cNvCxnSpPr>
-            <a:endCxn id="314" idx="2"/>
+            <a:endCxn id="300" idx="2"/>
           </p:cNvCxnSpPr>
           <p:nvPr/>
         </p:nvCxnSpPr>
@@ -17254,10 +16733,10 @@
       </p:cxnSp>
       <p:cxnSp>
         <p:nvCxnSpPr>
-          <p:cNvPr id="319" name="Google Shape;319;p16"/>
+          <p:cNvPr id="305" name="Google Shape;305;p16"/>
           <p:cNvCxnSpPr>
-            <a:stCxn id="288" idx="3"/>
-            <a:endCxn id="303" idx="1"/>
+            <a:stCxn id="274" idx="3"/>
+            <a:endCxn id="289" idx="1"/>
           </p:cNvCxnSpPr>
           <p:nvPr/>
         </p:nvCxnSpPr>
@@ -17283,7 +16762,7 @@
       </p:cxnSp>
       <p:grpSp>
         <p:nvGrpSpPr>
-          <p:cNvPr id="320" name="Google Shape;320;p16"/>
+          <p:cNvPr id="306" name="Google Shape;306;p16"/>
           <p:cNvGrpSpPr/>
           <p:nvPr/>
         </p:nvGrpSpPr>
@@ -17297,7 +16776,7 @@
         </p:grpSpPr>
         <p:sp>
           <p:nvSpPr>
-            <p:cNvPr id="321" name="Google Shape;321;p16"/>
+            <p:cNvPr id="307" name="Google Shape;307;p16"/>
             <p:cNvSpPr txBox="1"/>
             <p:nvPr/>
           </p:nvSpPr>
@@ -17350,7 +16829,7 @@
         </p:sp>
         <p:sp>
           <p:nvSpPr>
-            <p:cNvPr id="322" name="Google Shape;322;p16"/>
+            <p:cNvPr id="308" name="Google Shape;308;p16"/>
             <p:cNvSpPr txBox="1"/>
             <p:nvPr/>
           </p:nvSpPr>
@@ -17408,7 +16887,7 @@
         </p:sp>
         <p:sp>
           <p:nvSpPr>
-            <p:cNvPr id="323" name="Google Shape;323;p16"/>
+            <p:cNvPr id="309" name="Google Shape;309;p16"/>
             <p:cNvSpPr txBox="1"/>
             <p:nvPr/>
           </p:nvSpPr>
@@ -17461,7 +16940,7 @@
         </p:sp>
         <p:sp>
           <p:nvSpPr>
-            <p:cNvPr id="324" name="Google Shape;324;p16"/>
+            <p:cNvPr id="310" name="Google Shape;310;p16"/>
             <p:cNvSpPr txBox="1"/>
             <p:nvPr/>
           </p:nvSpPr>
@@ -17528,7 +17007,7 @@
       </p:grpSp>
       <p:grpSp>
         <p:nvGrpSpPr>
-          <p:cNvPr id="325" name="Google Shape;325;p16"/>
+          <p:cNvPr id="311" name="Google Shape;311;p16"/>
           <p:cNvGrpSpPr/>
           <p:nvPr/>
         </p:nvGrpSpPr>
@@ -17542,7 +17021,7 @@
         </p:grpSpPr>
         <p:sp>
           <p:nvSpPr>
-            <p:cNvPr id="326" name="Google Shape;326;p16"/>
+            <p:cNvPr id="312" name="Google Shape;312;p16"/>
             <p:cNvSpPr txBox="1"/>
             <p:nvPr/>
           </p:nvSpPr>
@@ -17595,7 +17074,7 @@
         </p:sp>
         <p:sp>
           <p:nvSpPr>
-            <p:cNvPr id="327" name="Google Shape;327;p16"/>
+            <p:cNvPr id="313" name="Google Shape;313;p16"/>
             <p:cNvSpPr txBox="1"/>
             <p:nvPr/>
           </p:nvSpPr>
@@ -17653,7 +17132,7 @@
         </p:sp>
         <p:sp>
           <p:nvSpPr>
-            <p:cNvPr id="328" name="Google Shape;328;p16"/>
+            <p:cNvPr id="314" name="Google Shape;314;p16"/>
             <p:cNvSpPr txBox="1"/>
             <p:nvPr/>
           </p:nvSpPr>
@@ -17706,7 +17185,7 @@
         </p:sp>
         <p:sp>
           <p:nvSpPr>
-            <p:cNvPr id="329" name="Google Shape;329;p16"/>
+            <p:cNvPr id="315" name="Google Shape;315;p16"/>
             <p:cNvSpPr txBox="1"/>
             <p:nvPr/>
           </p:nvSpPr>
@@ -17773,9 +17252,9 @@
       </p:grpSp>
       <p:cxnSp>
         <p:nvCxnSpPr>
-          <p:cNvPr id="330" name="Google Shape;330;p16"/>
+          <p:cNvPr id="316" name="Google Shape;316;p16"/>
           <p:cNvCxnSpPr>
-            <a:endCxn id="322" idx="0"/>
+            <a:endCxn id="308" idx="0"/>
           </p:cNvCxnSpPr>
           <p:nvPr/>
         </p:nvCxnSpPr>
@@ -17801,9 +17280,9 @@
       </p:cxnSp>
       <p:cxnSp>
         <p:nvCxnSpPr>
-          <p:cNvPr id="331" name="Google Shape;331;p16"/>
+          <p:cNvPr id="317" name="Google Shape;317;p16"/>
           <p:cNvCxnSpPr>
-            <a:endCxn id="327" idx="0"/>
+            <a:endCxn id="313" idx="0"/>
           </p:cNvCxnSpPr>
           <p:nvPr/>
         </p:nvCxnSpPr>
@@ -17840,7 +17319,7 @@
   <p:cSld>
     <p:spTree>
       <p:nvGrpSpPr>
-        <p:cNvPr id="335" name="Shape 335"/>
+        <p:cNvPr id="321" name="Shape 321"/>
         <p:cNvGrpSpPr/>
         <p:nvPr/>
       </p:nvGrpSpPr>
@@ -17854,7 +17333,7 @@
       </p:grpSpPr>
       <p:sp>
         <p:nvSpPr>
-          <p:cNvPr id="336" name="Google Shape;336;p17"/>
+          <p:cNvPr id="322" name="Google Shape;322;p17"/>
           <p:cNvSpPr/>
           <p:nvPr/>
         </p:nvSpPr>
@@ -17903,7 +17382,7 @@
       </p:sp>
       <p:grpSp>
         <p:nvGrpSpPr>
-          <p:cNvPr id="337" name="Google Shape;337;p17"/>
+          <p:cNvPr id="323" name="Google Shape;323;p17"/>
           <p:cNvGrpSpPr/>
           <p:nvPr/>
         </p:nvGrpSpPr>
@@ -17917,7 +17396,7 @@
         </p:grpSpPr>
         <p:sp>
           <p:nvSpPr>
-            <p:cNvPr id="338" name="Google Shape;338;p17"/>
+            <p:cNvPr id="324" name="Google Shape;324;p17"/>
             <p:cNvSpPr txBox="1"/>
             <p:nvPr/>
           </p:nvSpPr>
@@ -17970,7 +17449,7 @@
         </p:sp>
         <p:sp>
           <p:nvSpPr>
-            <p:cNvPr id="339" name="Google Shape;339;p17"/>
+            <p:cNvPr id="325" name="Google Shape;325;p17"/>
             <p:cNvSpPr txBox="1"/>
             <p:nvPr/>
           </p:nvSpPr>
@@ -18020,7 +17499,7 @@
         </p:sp>
         <p:sp>
           <p:nvSpPr>
-            <p:cNvPr id="340" name="Google Shape;340;p17"/>
+            <p:cNvPr id="326" name="Google Shape;326;p17"/>
             <p:cNvSpPr txBox="1"/>
             <p:nvPr/>
           </p:nvSpPr>
@@ -18073,7 +17552,7 @@
         </p:sp>
         <p:sp>
           <p:nvSpPr>
-            <p:cNvPr id="341" name="Google Shape;341;p17"/>
+            <p:cNvPr id="327" name="Google Shape;327;p17"/>
             <p:cNvSpPr txBox="1"/>
             <p:nvPr/>
           </p:nvSpPr>
@@ -18124,7 +17603,7 @@
       </p:grpSp>
       <p:grpSp>
         <p:nvGrpSpPr>
-          <p:cNvPr id="342" name="Google Shape;342;p17"/>
+          <p:cNvPr id="328" name="Google Shape;328;p17"/>
           <p:cNvGrpSpPr/>
           <p:nvPr/>
         </p:nvGrpSpPr>
@@ -18138,7 +17617,7 @@
         </p:grpSpPr>
         <p:sp>
           <p:nvSpPr>
-            <p:cNvPr id="343" name="Google Shape;343;p17"/>
+            <p:cNvPr id="329" name="Google Shape;329;p17"/>
             <p:cNvSpPr txBox="1"/>
             <p:nvPr/>
           </p:nvSpPr>
@@ -18191,7 +17670,7 @@
         </p:sp>
         <p:sp>
           <p:nvSpPr>
-            <p:cNvPr id="344" name="Google Shape;344;p17"/>
+            <p:cNvPr id="330" name="Google Shape;330;p17"/>
             <p:cNvSpPr txBox="1"/>
             <p:nvPr/>
           </p:nvSpPr>
@@ -18241,7 +17720,7 @@
         </p:sp>
         <p:sp>
           <p:nvSpPr>
-            <p:cNvPr id="345" name="Google Shape;345;p17"/>
+            <p:cNvPr id="331" name="Google Shape;331;p17"/>
             <p:cNvSpPr txBox="1"/>
             <p:nvPr/>
           </p:nvSpPr>
@@ -18294,7 +17773,7 @@
         </p:sp>
         <p:sp>
           <p:nvSpPr>
-            <p:cNvPr id="346" name="Google Shape;346;p17"/>
+            <p:cNvPr id="332" name="Google Shape;332;p17"/>
             <p:cNvSpPr txBox="1"/>
             <p:nvPr/>
           </p:nvSpPr>
@@ -18393,7 +17872,7 @@
       </p:grpSp>
       <p:sp>
         <p:nvSpPr>
-          <p:cNvPr id="347" name="Google Shape;347;p17"/>
+          <p:cNvPr id="333" name="Google Shape;333;p17"/>
           <p:cNvSpPr txBox="1"/>
           <p:nvPr>
             <p:ph type="title"/>
@@ -18437,7 +17916,7 @@
       </p:sp>
       <p:grpSp>
         <p:nvGrpSpPr>
-          <p:cNvPr id="348" name="Google Shape;348;p17"/>
+          <p:cNvPr id="334" name="Google Shape;334;p17"/>
           <p:cNvGrpSpPr/>
           <p:nvPr/>
         </p:nvGrpSpPr>
@@ -18451,7 +17930,7 @@
         </p:grpSpPr>
         <p:sp>
           <p:nvSpPr>
-            <p:cNvPr id="349" name="Google Shape;349;p17"/>
+            <p:cNvPr id="335" name="Google Shape;335;p17"/>
             <p:cNvSpPr txBox="1"/>
             <p:nvPr/>
           </p:nvSpPr>
@@ -18504,7 +17983,7 @@
         </p:sp>
         <p:sp>
           <p:nvSpPr>
-            <p:cNvPr id="350" name="Google Shape;350;p17"/>
+            <p:cNvPr id="336" name="Google Shape;336;p17"/>
             <p:cNvSpPr txBox="1"/>
             <p:nvPr/>
           </p:nvSpPr>
@@ -18554,7 +18033,7 @@
         </p:sp>
         <p:sp>
           <p:nvSpPr>
-            <p:cNvPr id="351" name="Google Shape;351;p17"/>
+            <p:cNvPr id="337" name="Google Shape;337;p17"/>
             <p:cNvSpPr txBox="1"/>
             <p:nvPr/>
           </p:nvSpPr>
@@ -18607,7 +18086,7 @@
         </p:sp>
         <p:sp>
           <p:nvSpPr>
-            <p:cNvPr id="352" name="Google Shape;352;p17"/>
+            <p:cNvPr id="338" name="Google Shape;338;p17"/>
             <p:cNvSpPr txBox="1"/>
             <p:nvPr/>
           </p:nvSpPr>
@@ -18677,7 +18156,7 @@
       </p:grpSp>
       <p:grpSp>
         <p:nvGrpSpPr>
-          <p:cNvPr id="353" name="Google Shape;353;p17"/>
+          <p:cNvPr id="339" name="Google Shape;339;p17"/>
           <p:cNvGrpSpPr/>
           <p:nvPr/>
         </p:nvGrpSpPr>
@@ -18685,6 +18164,562 @@
           <a:xfrm>
             <a:off x="4821888" y="1305950"/>
             <a:ext cx="1173600" cy="648000"/>
+            <a:chOff x="3985200" y="2247750"/>
+            <a:chExt cx="1173600" cy="648000"/>
+          </a:xfrm>
+        </p:grpSpPr>
+        <p:sp>
+          <p:nvSpPr>
+            <p:cNvPr id="340" name="Google Shape;340;p17"/>
+            <p:cNvSpPr txBox="1"/>
+            <p:nvPr/>
+          </p:nvSpPr>
+          <p:spPr>
+            <a:xfrm>
+              <a:off x="3985200" y="2247750"/>
+              <a:ext cx="1173600" cy="648000"/>
+            </a:xfrm>
+            <a:prstGeom prst="rect">
+              <a:avLst/>
+            </a:prstGeom>
+            <a:solidFill>
+              <a:srgbClr val="EFEFEF"/>
+            </a:solidFill>
+            <a:ln cap="flat" cmpd="sng" w="9525">
+              <a:solidFill>
+                <a:srgbClr val="000000"/>
+              </a:solidFill>
+              <a:prstDash val="solid"/>
+              <a:round/>
+              <a:headEnd len="sm" w="sm" type="none"/>
+              <a:tailEnd len="sm" w="sm" type="none"/>
+            </a:ln>
+          </p:spPr>
+          <p:txBody>
+            <a:bodyPr anchorCtr="0" anchor="t" bIns="91425" lIns="91425" spcFirstLastPara="1" rIns="91425" wrap="square" tIns="91425">
+              <a:noAutofit/>
+            </a:bodyPr>
+            <a:lstStyle/>
+            <a:p>
+              <a:pPr indent="0" lvl="0" marL="0" rtl="0" algn="l">
+                <a:spcBef>
+                  <a:spcPts val="0"/>
+                </a:spcBef>
+                <a:spcAft>
+                  <a:spcPts val="0"/>
+                </a:spcAft>
+                <a:buNone/>
+              </a:pPr>
+              <a:r>
+                <a:t/>
+              </a:r>
+              <a:endParaRPr sz="900">
+                <a:solidFill>
+                  <a:schemeClr val="dk2"/>
+                </a:solidFill>
+              </a:endParaRPr>
+            </a:p>
+          </p:txBody>
+        </p:sp>
+        <p:sp>
+          <p:nvSpPr>
+            <p:cNvPr id="341" name="Google Shape;341;p17"/>
+            <p:cNvSpPr txBox="1"/>
+            <p:nvPr/>
+          </p:nvSpPr>
+          <p:spPr>
+            <a:xfrm>
+              <a:off x="3985200" y="2247750"/>
+              <a:ext cx="1173600" cy="129600"/>
+            </a:xfrm>
+            <a:prstGeom prst="rect">
+              <a:avLst/>
+            </a:prstGeom>
+            <a:noFill/>
+            <a:ln>
+              <a:noFill/>
+            </a:ln>
+          </p:spPr>
+          <p:txBody>
+            <a:bodyPr anchorCtr="0" anchor="ctr" bIns="91425" lIns="91425" spcFirstLastPara="1" rIns="91425" wrap="square" tIns="91425">
+              <a:noAutofit/>
+            </a:bodyPr>
+            <a:lstStyle/>
+            <a:p>
+              <a:pPr indent="0" lvl="0" marL="0" rtl="0" algn="ctr">
+                <a:spcBef>
+                  <a:spcPts val="0"/>
+                </a:spcBef>
+                <a:spcAft>
+                  <a:spcPts val="0"/>
+                </a:spcAft>
+                <a:buNone/>
+              </a:pPr>
+              <a:r>
+                <a:rPr b="1" lang="ja" sz="800">
+                  <a:solidFill>
+                    <a:schemeClr val="dk2"/>
+                  </a:solidFill>
+                </a:rPr>
+                <a:t>商品一覧</a:t>
+              </a:r>
+              <a:endParaRPr b="1" sz="800">
+                <a:solidFill>
+                  <a:schemeClr val="dk2"/>
+                </a:solidFill>
+              </a:endParaRPr>
+            </a:p>
+          </p:txBody>
+        </p:sp>
+        <p:sp>
+          <p:nvSpPr>
+            <p:cNvPr id="342" name="Google Shape;342;p17"/>
+            <p:cNvSpPr txBox="1"/>
+            <p:nvPr/>
+          </p:nvSpPr>
+          <p:spPr>
+            <a:xfrm>
+              <a:off x="4025400" y="2404575"/>
+              <a:ext cx="1096500" cy="451200"/>
+            </a:xfrm>
+            <a:prstGeom prst="rect">
+              <a:avLst/>
+            </a:prstGeom>
+            <a:solidFill>
+              <a:schemeClr val="lt1"/>
+            </a:solidFill>
+            <a:ln cap="flat" cmpd="sng" w="9525">
+              <a:solidFill>
+                <a:srgbClr val="000000"/>
+              </a:solidFill>
+              <a:prstDash val="dash"/>
+              <a:round/>
+              <a:headEnd len="sm" w="sm" type="none"/>
+              <a:tailEnd len="sm" w="sm" type="none"/>
+            </a:ln>
+          </p:spPr>
+          <p:txBody>
+            <a:bodyPr anchorCtr="0" anchor="t" bIns="91425" lIns="91425" spcFirstLastPara="1" rIns="91425" wrap="square" tIns="91425">
+              <a:noAutofit/>
+            </a:bodyPr>
+            <a:lstStyle/>
+            <a:p>
+              <a:pPr indent="0" lvl="0" marL="0" rtl="0" algn="l">
+                <a:spcBef>
+                  <a:spcPts val="0"/>
+                </a:spcBef>
+                <a:spcAft>
+                  <a:spcPts val="0"/>
+                </a:spcAft>
+                <a:buNone/>
+              </a:pPr>
+              <a:r>
+                <a:t/>
+              </a:r>
+              <a:endParaRPr sz="1800">
+                <a:solidFill>
+                  <a:schemeClr val="dk2"/>
+                </a:solidFill>
+              </a:endParaRPr>
+            </a:p>
+          </p:txBody>
+        </p:sp>
+        <p:sp>
+          <p:nvSpPr>
+            <p:cNvPr id="343" name="Google Shape;343;p17"/>
+            <p:cNvSpPr txBox="1"/>
+            <p:nvPr/>
+          </p:nvSpPr>
+          <p:spPr>
+            <a:xfrm>
+              <a:off x="4025400" y="2404575"/>
+              <a:ext cx="1096500" cy="451200"/>
+            </a:xfrm>
+            <a:prstGeom prst="rect">
+              <a:avLst/>
+            </a:prstGeom>
+            <a:noFill/>
+            <a:ln>
+              <a:noFill/>
+            </a:ln>
+          </p:spPr>
+          <p:txBody>
+            <a:bodyPr anchorCtr="0" anchor="t" bIns="91425" lIns="91425" spcFirstLastPara="1" rIns="91425" wrap="square" tIns="91425">
+              <a:noAutofit/>
+            </a:bodyPr>
+            <a:lstStyle/>
+            <a:p>
+              <a:pPr indent="0" lvl="0" marL="0" rtl="0" algn="l">
+                <a:spcBef>
+                  <a:spcPts val="0"/>
+                </a:spcBef>
+                <a:spcAft>
+                  <a:spcPts val="0"/>
+                </a:spcAft>
+                <a:buNone/>
+              </a:pPr>
+              <a:r>
+                <a:rPr lang="ja" sz="700">
+                  <a:solidFill>
+                    <a:schemeClr val="dk2"/>
+                  </a:solidFill>
+                </a:rPr>
+                <a:t>・商品詳細</a:t>
+              </a:r>
+              <a:endParaRPr sz="700">
+                <a:solidFill>
+                  <a:schemeClr val="dk2"/>
+                </a:solidFill>
+              </a:endParaRPr>
+            </a:p>
+          </p:txBody>
+        </p:sp>
+      </p:grpSp>
+      <p:cxnSp>
+        <p:nvCxnSpPr>
+          <p:cNvPr id="344" name="Google Shape;344;p17"/>
+          <p:cNvCxnSpPr>
+            <a:stCxn id="336" idx="0"/>
+            <a:endCxn id="340" idx="2"/>
+          </p:cNvCxnSpPr>
+          <p:nvPr/>
+        </p:nvCxnSpPr>
+        <p:spPr>
+          <a:xfrm rot="10800000">
+            <a:off x="5408688" y="1954050"/>
+            <a:ext cx="0" cy="293700"/>
+          </a:xfrm>
+          <a:prstGeom prst="straightConnector1">
+            <a:avLst/>
+          </a:prstGeom>
+          <a:noFill/>
+          <a:ln cap="flat" cmpd="sng" w="9525">
+            <a:solidFill>
+              <a:schemeClr val="dk2"/>
+            </a:solidFill>
+            <a:prstDash val="solid"/>
+            <a:round/>
+            <a:headEnd len="med" w="med" type="none"/>
+            <a:tailEnd len="med" w="med" type="triangle"/>
+          </a:ln>
+        </p:spPr>
+      </p:cxnSp>
+      <p:grpSp>
+        <p:nvGrpSpPr>
+          <p:cNvPr id="345" name="Google Shape;345;p17"/>
+          <p:cNvGrpSpPr/>
+          <p:nvPr/>
+        </p:nvGrpSpPr>
+        <p:grpSpPr>
+          <a:xfrm>
+            <a:off x="6569013" y="1305950"/>
+            <a:ext cx="1173600" cy="648000"/>
+            <a:chOff x="3985200" y="2247750"/>
+            <a:chExt cx="1173600" cy="648000"/>
+          </a:xfrm>
+        </p:grpSpPr>
+        <p:sp>
+          <p:nvSpPr>
+            <p:cNvPr id="346" name="Google Shape;346;p17"/>
+            <p:cNvSpPr txBox="1"/>
+            <p:nvPr/>
+          </p:nvSpPr>
+          <p:spPr>
+            <a:xfrm>
+              <a:off x="3985200" y="2247750"/>
+              <a:ext cx="1173600" cy="648000"/>
+            </a:xfrm>
+            <a:prstGeom prst="rect">
+              <a:avLst/>
+            </a:prstGeom>
+            <a:solidFill>
+              <a:srgbClr val="EFEFEF"/>
+            </a:solidFill>
+            <a:ln cap="flat" cmpd="sng" w="9525">
+              <a:solidFill>
+                <a:srgbClr val="000000"/>
+              </a:solidFill>
+              <a:prstDash val="solid"/>
+              <a:round/>
+              <a:headEnd len="sm" w="sm" type="none"/>
+              <a:tailEnd len="sm" w="sm" type="none"/>
+            </a:ln>
+          </p:spPr>
+          <p:txBody>
+            <a:bodyPr anchorCtr="0" anchor="t" bIns="91425" lIns="91425" spcFirstLastPara="1" rIns="91425" wrap="square" tIns="91425">
+              <a:noAutofit/>
+            </a:bodyPr>
+            <a:lstStyle/>
+            <a:p>
+              <a:pPr indent="0" lvl="0" marL="0" rtl="0" algn="l">
+                <a:spcBef>
+                  <a:spcPts val="0"/>
+                </a:spcBef>
+                <a:spcAft>
+                  <a:spcPts val="0"/>
+                </a:spcAft>
+                <a:buNone/>
+              </a:pPr>
+              <a:r>
+                <a:t/>
+              </a:r>
+              <a:endParaRPr sz="900">
+                <a:solidFill>
+                  <a:schemeClr val="dk2"/>
+                </a:solidFill>
+              </a:endParaRPr>
+            </a:p>
+          </p:txBody>
+        </p:sp>
+        <p:sp>
+          <p:nvSpPr>
+            <p:cNvPr id="347" name="Google Shape;347;p17"/>
+            <p:cNvSpPr txBox="1"/>
+            <p:nvPr/>
+          </p:nvSpPr>
+          <p:spPr>
+            <a:xfrm>
+              <a:off x="3985200" y="2247750"/>
+              <a:ext cx="1173600" cy="129600"/>
+            </a:xfrm>
+            <a:prstGeom prst="rect">
+              <a:avLst/>
+            </a:prstGeom>
+            <a:noFill/>
+            <a:ln>
+              <a:noFill/>
+            </a:ln>
+          </p:spPr>
+          <p:txBody>
+            <a:bodyPr anchorCtr="0" anchor="ctr" bIns="91425" lIns="91425" spcFirstLastPara="1" rIns="91425" wrap="square" tIns="91425">
+              <a:noAutofit/>
+            </a:bodyPr>
+            <a:lstStyle/>
+            <a:p>
+              <a:pPr indent="0" lvl="0" marL="0" rtl="0" algn="ctr">
+                <a:spcBef>
+                  <a:spcPts val="0"/>
+                </a:spcBef>
+                <a:spcAft>
+                  <a:spcPts val="0"/>
+                </a:spcAft>
+                <a:buNone/>
+              </a:pPr>
+              <a:r>
+                <a:rPr b="1" lang="ja" sz="800">
+                  <a:solidFill>
+                    <a:schemeClr val="dk2"/>
+                  </a:solidFill>
+                </a:rPr>
+                <a:t>商品詳細</a:t>
+              </a:r>
+              <a:endParaRPr b="1" sz="800">
+                <a:solidFill>
+                  <a:schemeClr val="dk2"/>
+                </a:solidFill>
+              </a:endParaRPr>
+            </a:p>
+          </p:txBody>
+        </p:sp>
+        <p:sp>
+          <p:nvSpPr>
+            <p:cNvPr id="348" name="Google Shape;348;p17"/>
+            <p:cNvSpPr txBox="1"/>
+            <p:nvPr/>
+          </p:nvSpPr>
+          <p:spPr>
+            <a:xfrm>
+              <a:off x="4025400" y="2404575"/>
+              <a:ext cx="1096500" cy="451200"/>
+            </a:xfrm>
+            <a:prstGeom prst="rect">
+              <a:avLst/>
+            </a:prstGeom>
+            <a:solidFill>
+              <a:schemeClr val="lt1"/>
+            </a:solidFill>
+            <a:ln cap="flat" cmpd="sng" w="9525">
+              <a:solidFill>
+                <a:srgbClr val="000000"/>
+              </a:solidFill>
+              <a:prstDash val="dash"/>
+              <a:round/>
+              <a:headEnd len="sm" w="sm" type="none"/>
+              <a:tailEnd len="sm" w="sm" type="none"/>
+            </a:ln>
+          </p:spPr>
+          <p:txBody>
+            <a:bodyPr anchorCtr="0" anchor="t" bIns="91425" lIns="91425" spcFirstLastPara="1" rIns="91425" wrap="square" tIns="91425">
+              <a:noAutofit/>
+            </a:bodyPr>
+            <a:lstStyle/>
+            <a:p>
+              <a:pPr indent="0" lvl="0" marL="0" rtl="0" algn="l">
+                <a:spcBef>
+                  <a:spcPts val="0"/>
+                </a:spcBef>
+                <a:spcAft>
+                  <a:spcPts val="0"/>
+                </a:spcAft>
+                <a:buNone/>
+              </a:pPr>
+              <a:r>
+                <a:t/>
+              </a:r>
+              <a:endParaRPr sz="1800">
+                <a:solidFill>
+                  <a:schemeClr val="dk2"/>
+                </a:solidFill>
+              </a:endParaRPr>
+            </a:p>
+          </p:txBody>
+        </p:sp>
+        <p:sp>
+          <p:nvSpPr>
+            <p:cNvPr id="349" name="Google Shape;349;p17"/>
+            <p:cNvSpPr txBox="1"/>
+            <p:nvPr/>
+          </p:nvSpPr>
+          <p:spPr>
+            <a:xfrm>
+              <a:off x="4025400" y="2404575"/>
+              <a:ext cx="1096500" cy="451200"/>
+            </a:xfrm>
+            <a:prstGeom prst="rect">
+              <a:avLst/>
+            </a:prstGeom>
+            <a:noFill/>
+            <a:ln>
+              <a:noFill/>
+            </a:ln>
+          </p:spPr>
+          <p:txBody>
+            <a:bodyPr anchorCtr="0" anchor="t" bIns="91425" lIns="91425" spcFirstLastPara="1" rIns="91425" wrap="square" tIns="91425">
+              <a:noAutofit/>
+            </a:bodyPr>
+            <a:lstStyle/>
+            <a:p>
+              <a:pPr indent="0" lvl="0" marL="0" rtl="0" algn="l">
+                <a:spcBef>
+                  <a:spcPts val="0"/>
+                </a:spcBef>
+                <a:spcAft>
+                  <a:spcPts val="0"/>
+                </a:spcAft>
+                <a:buNone/>
+              </a:pPr>
+              <a:r>
+                <a:rPr lang="ja" sz="700">
+                  <a:solidFill>
+                    <a:schemeClr val="dk2"/>
+                  </a:solidFill>
+                </a:rPr>
+                <a:t>・商品編集</a:t>
+              </a:r>
+              <a:endParaRPr sz="700">
+                <a:solidFill>
+                  <a:schemeClr val="dk2"/>
+                </a:solidFill>
+              </a:endParaRPr>
+            </a:p>
+          </p:txBody>
+        </p:sp>
+      </p:grpSp>
+      <p:cxnSp>
+        <p:nvCxnSpPr>
+          <p:cNvPr id="350" name="Google Shape;350;p17"/>
+          <p:cNvCxnSpPr>
+            <a:endCxn id="346" idx="1"/>
+          </p:cNvCxnSpPr>
+          <p:nvPr/>
+        </p:nvCxnSpPr>
+        <p:spPr>
+          <a:xfrm>
+            <a:off x="5995413" y="1629950"/>
+            <a:ext cx="573600" cy="0"/>
+          </a:xfrm>
+          <a:prstGeom prst="straightConnector1">
+            <a:avLst/>
+          </a:prstGeom>
+          <a:noFill/>
+          <a:ln cap="flat" cmpd="sng" w="9525">
+            <a:solidFill>
+              <a:schemeClr val="dk2"/>
+            </a:solidFill>
+            <a:prstDash val="solid"/>
+            <a:round/>
+            <a:headEnd len="med" w="med" type="none"/>
+            <a:tailEnd len="med" w="med" type="triangle"/>
+          </a:ln>
+        </p:spPr>
+      </p:cxnSp>
+      <p:cxnSp>
+        <p:nvCxnSpPr>
+          <p:cNvPr id="351" name="Google Shape;351;p17"/>
+          <p:cNvCxnSpPr>
+            <a:stCxn id="329" idx="3"/>
+            <a:endCxn id="335" idx="1"/>
+          </p:cNvCxnSpPr>
+          <p:nvPr/>
+        </p:nvCxnSpPr>
+        <p:spPr>
+          <a:xfrm>
+            <a:off x="4285213" y="2571750"/>
+            <a:ext cx="536700" cy="0"/>
+          </a:xfrm>
+          <a:prstGeom prst="straightConnector1">
+            <a:avLst/>
+          </a:prstGeom>
+          <a:noFill/>
+          <a:ln cap="flat" cmpd="sng" w="9525">
+            <a:solidFill>
+              <a:schemeClr val="dk2"/>
+            </a:solidFill>
+            <a:prstDash val="solid"/>
+            <a:round/>
+            <a:headEnd len="med" w="med" type="none"/>
+            <a:tailEnd len="med" w="med" type="triangle"/>
+          </a:ln>
+        </p:spPr>
+      </p:cxnSp>
+      <p:cxnSp>
+        <p:nvCxnSpPr>
+          <p:cNvPr id="352" name="Google Shape;352;p17"/>
+          <p:cNvCxnSpPr>
+            <a:endCxn id="329" idx="1"/>
+          </p:cNvCxnSpPr>
+          <p:nvPr/>
+        </p:nvCxnSpPr>
+        <p:spPr>
+          <a:xfrm>
+            <a:off x="2574913" y="2566050"/>
+            <a:ext cx="536700" cy="5700"/>
+          </a:xfrm>
+          <a:prstGeom prst="straightConnector1">
+            <a:avLst/>
+          </a:prstGeom>
+          <a:noFill/>
+          <a:ln cap="flat" cmpd="sng" w="9525">
+            <a:solidFill>
+              <a:schemeClr val="dk2"/>
+            </a:solidFill>
+            <a:prstDash val="solid"/>
+            <a:round/>
+            <a:headEnd len="med" w="med" type="none"/>
+            <a:tailEnd len="med" w="med" type="triangle"/>
+          </a:ln>
+        </p:spPr>
+      </p:cxnSp>
+      <p:grpSp>
+        <p:nvGrpSpPr>
+          <p:cNvPr id="353" name="Google Shape;353;p17"/>
+          <p:cNvGrpSpPr/>
+          <p:nvPr/>
+        </p:nvGrpSpPr>
+        <p:grpSpPr>
+          <a:xfrm>
+            <a:off x="2264030" y="151100"/>
+            <a:ext cx="4594292" cy="648000"/>
             <a:chOff x="3985200" y="2247750"/>
             <a:chExt cx="1173600" cy="648000"/>
           </a:xfrm>
@@ -18782,7 +18817,7 @@
                     <a:schemeClr val="dk2"/>
                   </a:solidFill>
                 </a:rPr>
-                <a:t>商品一覧</a:t>
+                <a:t>ヘッダーメニュー</a:t>
               </a:r>
               <a:endParaRPr b="1" sz="800">
                 <a:solidFill>
@@ -18885,11 +18920,59 @@
                     <a:schemeClr val="dk2"/>
                   </a:solidFill>
                 </a:rPr>
-                <a:t>・商品詳細</a:t>
+                <a:t>・ホーム</a:t>
               </a:r>
               <a:endParaRPr sz="700">
                 <a:solidFill>
                   <a:schemeClr val="dk2"/>
+                </a:solidFill>
+              </a:endParaRPr>
+            </a:p>
+            <a:p>
+              <a:pPr indent="0" lvl="0" marL="0" rtl="0" algn="l">
+                <a:spcBef>
+                  <a:spcPts val="0"/>
+                </a:spcBef>
+                <a:spcAft>
+                  <a:spcPts val="0"/>
+                </a:spcAft>
+                <a:buNone/>
+              </a:pPr>
+              <a:r>
+                <a:rPr lang="ja" sz="700">
+                  <a:solidFill>
+                    <a:srgbClr val="999999"/>
+                  </a:solidFill>
+                </a:rPr>
+                <a:t>・マイページ</a:t>
+              </a:r>
+              <a:endParaRPr sz="700">
+                <a:solidFill>
+                  <a:srgbClr val="999999"/>
+                </a:solidFill>
+              </a:endParaRPr>
+            </a:p>
+            <a:p>
+              <a:pPr indent="0" lvl="0" marL="0" rtl="0" algn="l">
+                <a:spcBef>
+                  <a:spcPts val="0"/>
+                </a:spcBef>
+                <a:spcAft>
+                  <a:spcPts val="0"/>
+                </a:spcAft>
+                <a:buNone/>
+              </a:pPr>
+              <a:r>
+                <a:rPr lang="ja" sz="700">
+                  <a:solidFill>
+                    <a:srgbClr val="999999"/>
+                  </a:solidFill>
+                </a:rPr>
+                <a:t>・カート</a:t>
+              </a:r>
+              <a:endParaRPr sz="700">
+                <a:solidFill>
+                  <a:srgbClr val="999999"/>
                 </a:solidFill>
               </a:endParaRPr>
             </a:p>
@@ -18900,612 +18983,8 @@
         <p:nvCxnSpPr>
           <p:cNvPr id="358" name="Google Shape;358;p17"/>
           <p:cNvCxnSpPr>
-            <a:stCxn id="350" idx="0"/>
+            <a:stCxn id="322" idx="0"/>
             <a:endCxn id="354" idx="2"/>
-          </p:cNvCxnSpPr>
-          <p:nvPr/>
-        </p:nvCxnSpPr>
-        <p:spPr>
-          <a:xfrm rot="10800000">
-            <a:off x="5408688" y="1954050"/>
-            <a:ext cx="0" cy="293700"/>
-          </a:xfrm>
-          <a:prstGeom prst="straightConnector1">
-            <a:avLst/>
-          </a:prstGeom>
-          <a:noFill/>
-          <a:ln cap="flat" cmpd="sng" w="9525">
-            <a:solidFill>
-              <a:schemeClr val="dk2"/>
-            </a:solidFill>
-            <a:prstDash val="solid"/>
-            <a:round/>
-            <a:headEnd len="med" w="med" type="none"/>
-            <a:tailEnd len="med" w="med" type="triangle"/>
-          </a:ln>
-        </p:spPr>
-      </p:cxnSp>
-      <p:grpSp>
-        <p:nvGrpSpPr>
-          <p:cNvPr id="359" name="Google Shape;359;p17"/>
-          <p:cNvGrpSpPr/>
-          <p:nvPr/>
-        </p:nvGrpSpPr>
-        <p:grpSpPr>
-          <a:xfrm>
-            <a:off x="6569013" y="1305950"/>
-            <a:ext cx="1173600" cy="648000"/>
-            <a:chOff x="3985200" y="2247750"/>
-            <a:chExt cx="1173600" cy="648000"/>
-          </a:xfrm>
-        </p:grpSpPr>
-        <p:sp>
-          <p:nvSpPr>
-            <p:cNvPr id="360" name="Google Shape;360;p17"/>
-            <p:cNvSpPr txBox="1"/>
-            <p:nvPr/>
-          </p:nvSpPr>
-          <p:spPr>
-            <a:xfrm>
-              <a:off x="3985200" y="2247750"/>
-              <a:ext cx="1173600" cy="648000"/>
-            </a:xfrm>
-            <a:prstGeom prst="rect">
-              <a:avLst/>
-            </a:prstGeom>
-            <a:solidFill>
-              <a:srgbClr val="EFEFEF"/>
-            </a:solidFill>
-            <a:ln cap="flat" cmpd="sng" w="9525">
-              <a:solidFill>
-                <a:srgbClr val="000000"/>
-              </a:solidFill>
-              <a:prstDash val="solid"/>
-              <a:round/>
-              <a:headEnd len="sm" w="sm" type="none"/>
-              <a:tailEnd len="sm" w="sm" type="none"/>
-            </a:ln>
-          </p:spPr>
-          <p:txBody>
-            <a:bodyPr anchorCtr="0" anchor="t" bIns="91425" lIns="91425" spcFirstLastPara="1" rIns="91425" wrap="square" tIns="91425">
-              <a:noAutofit/>
-            </a:bodyPr>
-            <a:lstStyle/>
-            <a:p>
-              <a:pPr indent="0" lvl="0" marL="0" rtl="0" algn="l">
-                <a:spcBef>
-                  <a:spcPts val="0"/>
-                </a:spcBef>
-                <a:spcAft>
-                  <a:spcPts val="0"/>
-                </a:spcAft>
-                <a:buNone/>
-              </a:pPr>
-              <a:r>
-                <a:t/>
-              </a:r>
-              <a:endParaRPr sz="900">
-                <a:solidFill>
-                  <a:schemeClr val="dk2"/>
-                </a:solidFill>
-              </a:endParaRPr>
-            </a:p>
-          </p:txBody>
-        </p:sp>
-        <p:sp>
-          <p:nvSpPr>
-            <p:cNvPr id="361" name="Google Shape;361;p17"/>
-            <p:cNvSpPr txBox="1"/>
-            <p:nvPr/>
-          </p:nvSpPr>
-          <p:spPr>
-            <a:xfrm>
-              <a:off x="3985200" y="2247750"/>
-              <a:ext cx="1173600" cy="129600"/>
-            </a:xfrm>
-            <a:prstGeom prst="rect">
-              <a:avLst/>
-            </a:prstGeom>
-            <a:noFill/>
-            <a:ln>
-              <a:noFill/>
-            </a:ln>
-          </p:spPr>
-          <p:txBody>
-            <a:bodyPr anchorCtr="0" anchor="ctr" bIns="91425" lIns="91425" spcFirstLastPara="1" rIns="91425" wrap="square" tIns="91425">
-              <a:noAutofit/>
-            </a:bodyPr>
-            <a:lstStyle/>
-            <a:p>
-              <a:pPr indent="0" lvl="0" marL="0" rtl="0" algn="ctr">
-                <a:spcBef>
-                  <a:spcPts val="0"/>
-                </a:spcBef>
-                <a:spcAft>
-                  <a:spcPts val="0"/>
-                </a:spcAft>
-                <a:buNone/>
-              </a:pPr>
-              <a:r>
-                <a:rPr b="1" lang="ja" sz="800">
-                  <a:solidFill>
-                    <a:schemeClr val="dk2"/>
-                  </a:solidFill>
-                </a:rPr>
-                <a:t>商品詳細</a:t>
-              </a:r>
-              <a:endParaRPr b="1" sz="800">
-                <a:solidFill>
-                  <a:schemeClr val="dk2"/>
-                </a:solidFill>
-              </a:endParaRPr>
-            </a:p>
-          </p:txBody>
-        </p:sp>
-        <p:sp>
-          <p:nvSpPr>
-            <p:cNvPr id="362" name="Google Shape;362;p17"/>
-            <p:cNvSpPr txBox="1"/>
-            <p:nvPr/>
-          </p:nvSpPr>
-          <p:spPr>
-            <a:xfrm>
-              <a:off x="4025400" y="2404575"/>
-              <a:ext cx="1096500" cy="451200"/>
-            </a:xfrm>
-            <a:prstGeom prst="rect">
-              <a:avLst/>
-            </a:prstGeom>
-            <a:solidFill>
-              <a:schemeClr val="lt1"/>
-            </a:solidFill>
-            <a:ln cap="flat" cmpd="sng" w="9525">
-              <a:solidFill>
-                <a:srgbClr val="000000"/>
-              </a:solidFill>
-              <a:prstDash val="dash"/>
-              <a:round/>
-              <a:headEnd len="sm" w="sm" type="none"/>
-              <a:tailEnd len="sm" w="sm" type="none"/>
-            </a:ln>
-          </p:spPr>
-          <p:txBody>
-            <a:bodyPr anchorCtr="0" anchor="t" bIns="91425" lIns="91425" spcFirstLastPara="1" rIns="91425" wrap="square" tIns="91425">
-              <a:noAutofit/>
-            </a:bodyPr>
-            <a:lstStyle/>
-            <a:p>
-              <a:pPr indent="0" lvl="0" marL="0" rtl="0" algn="l">
-                <a:spcBef>
-                  <a:spcPts val="0"/>
-                </a:spcBef>
-                <a:spcAft>
-                  <a:spcPts val="0"/>
-                </a:spcAft>
-                <a:buNone/>
-              </a:pPr>
-              <a:r>
-                <a:t/>
-              </a:r>
-              <a:endParaRPr sz="1800">
-                <a:solidFill>
-                  <a:schemeClr val="dk2"/>
-                </a:solidFill>
-              </a:endParaRPr>
-            </a:p>
-          </p:txBody>
-        </p:sp>
-        <p:sp>
-          <p:nvSpPr>
-            <p:cNvPr id="363" name="Google Shape;363;p17"/>
-            <p:cNvSpPr txBox="1"/>
-            <p:nvPr/>
-          </p:nvSpPr>
-          <p:spPr>
-            <a:xfrm>
-              <a:off x="4025400" y="2404575"/>
-              <a:ext cx="1096500" cy="451200"/>
-            </a:xfrm>
-            <a:prstGeom prst="rect">
-              <a:avLst/>
-            </a:prstGeom>
-            <a:noFill/>
-            <a:ln>
-              <a:noFill/>
-            </a:ln>
-          </p:spPr>
-          <p:txBody>
-            <a:bodyPr anchorCtr="0" anchor="t" bIns="91425" lIns="91425" spcFirstLastPara="1" rIns="91425" wrap="square" tIns="91425">
-              <a:noAutofit/>
-            </a:bodyPr>
-            <a:lstStyle/>
-            <a:p>
-              <a:pPr indent="0" lvl="0" marL="0" rtl="0" algn="l">
-                <a:spcBef>
-                  <a:spcPts val="0"/>
-                </a:spcBef>
-                <a:spcAft>
-                  <a:spcPts val="0"/>
-                </a:spcAft>
-                <a:buNone/>
-              </a:pPr>
-              <a:r>
-                <a:rPr lang="ja" sz="700">
-                  <a:solidFill>
-                    <a:schemeClr val="dk2"/>
-                  </a:solidFill>
-                </a:rPr>
-                <a:t>・商品編集</a:t>
-              </a:r>
-              <a:endParaRPr sz="700">
-                <a:solidFill>
-                  <a:schemeClr val="dk2"/>
-                </a:solidFill>
-              </a:endParaRPr>
-            </a:p>
-          </p:txBody>
-        </p:sp>
-      </p:grpSp>
-      <p:cxnSp>
-        <p:nvCxnSpPr>
-          <p:cNvPr id="364" name="Google Shape;364;p17"/>
-          <p:cNvCxnSpPr>
-            <a:endCxn id="360" idx="1"/>
-          </p:cNvCxnSpPr>
-          <p:nvPr/>
-        </p:nvCxnSpPr>
-        <p:spPr>
-          <a:xfrm>
-            <a:off x="5995413" y="1629950"/>
-            <a:ext cx="573600" cy="0"/>
-          </a:xfrm>
-          <a:prstGeom prst="straightConnector1">
-            <a:avLst/>
-          </a:prstGeom>
-          <a:noFill/>
-          <a:ln cap="flat" cmpd="sng" w="9525">
-            <a:solidFill>
-              <a:schemeClr val="dk2"/>
-            </a:solidFill>
-            <a:prstDash val="solid"/>
-            <a:round/>
-            <a:headEnd len="med" w="med" type="none"/>
-            <a:tailEnd len="med" w="med" type="triangle"/>
-          </a:ln>
-        </p:spPr>
-      </p:cxnSp>
-      <p:cxnSp>
-        <p:nvCxnSpPr>
-          <p:cNvPr id="365" name="Google Shape;365;p17"/>
-          <p:cNvCxnSpPr>
-            <a:stCxn id="343" idx="3"/>
-            <a:endCxn id="349" idx="1"/>
-          </p:cNvCxnSpPr>
-          <p:nvPr/>
-        </p:nvCxnSpPr>
-        <p:spPr>
-          <a:xfrm>
-            <a:off x="4285213" y="2571750"/>
-            <a:ext cx="536700" cy="0"/>
-          </a:xfrm>
-          <a:prstGeom prst="straightConnector1">
-            <a:avLst/>
-          </a:prstGeom>
-          <a:noFill/>
-          <a:ln cap="flat" cmpd="sng" w="9525">
-            <a:solidFill>
-              <a:schemeClr val="dk2"/>
-            </a:solidFill>
-            <a:prstDash val="solid"/>
-            <a:round/>
-            <a:headEnd len="med" w="med" type="none"/>
-            <a:tailEnd len="med" w="med" type="triangle"/>
-          </a:ln>
-        </p:spPr>
-      </p:cxnSp>
-      <p:cxnSp>
-        <p:nvCxnSpPr>
-          <p:cNvPr id="366" name="Google Shape;366;p17"/>
-          <p:cNvCxnSpPr>
-            <a:endCxn id="343" idx="1"/>
-          </p:cNvCxnSpPr>
-          <p:nvPr/>
-        </p:nvCxnSpPr>
-        <p:spPr>
-          <a:xfrm>
-            <a:off x="2574913" y="2566050"/>
-            <a:ext cx="536700" cy="5700"/>
-          </a:xfrm>
-          <a:prstGeom prst="straightConnector1">
-            <a:avLst/>
-          </a:prstGeom>
-          <a:noFill/>
-          <a:ln cap="flat" cmpd="sng" w="9525">
-            <a:solidFill>
-              <a:schemeClr val="dk2"/>
-            </a:solidFill>
-            <a:prstDash val="solid"/>
-            <a:round/>
-            <a:headEnd len="med" w="med" type="none"/>
-            <a:tailEnd len="med" w="med" type="triangle"/>
-          </a:ln>
-        </p:spPr>
-      </p:cxnSp>
-      <p:grpSp>
-        <p:nvGrpSpPr>
-          <p:cNvPr id="367" name="Google Shape;367;p17"/>
-          <p:cNvGrpSpPr/>
-          <p:nvPr/>
-        </p:nvGrpSpPr>
-        <p:grpSpPr>
-          <a:xfrm>
-            <a:off x="2264030" y="151100"/>
-            <a:ext cx="4594292" cy="648000"/>
-            <a:chOff x="3985200" y="2247750"/>
-            <a:chExt cx="1173600" cy="648000"/>
-          </a:xfrm>
-        </p:grpSpPr>
-        <p:sp>
-          <p:nvSpPr>
-            <p:cNvPr id="368" name="Google Shape;368;p17"/>
-            <p:cNvSpPr txBox="1"/>
-            <p:nvPr/>
-          </p:nvSpPr>
-          <p:spPr>
-            <a:xfrm>
-              <a:off x="3985200" y="2247750"/>
-              <a:ext cx="1173600" cy="648000"/>
-            </a:xfrm>
-            <a:prstGeom prst="rect">
-              <a:avLst/>
-            </a:prstGeom>
-            <a:solidFill>
-              <a:srgbClr val="EFEFEF"/>
-            </a:solidFill>
-            <a:ln cap="flat" cmpd="sng" w="9525">
-              <a:solidFill>
-                <a:srgbClr val="000000"/>
-              </a:solidFill>
-              <a:prstDash val="solid"/>
-              <a:round/>
-              <a:headEnd len="sm" w="sm" type="none"/>
-              <a:tailEnd len="sm" w="sm" type="none"/>
-            </a:ln>
-          </p:spPr>
-          <p:txBody>
-            <a:bodyPr anchorCtr="0" anchor="t" bIns="91425" lIns="91425" spcFirstLastPara="1" rIns="91425" wrap="square" tIns="91425">
-              <a:noAutofit/>
-            </a:bodyPr>
-            <a:lstStyle/>
-            <a:p>
-              <a:pPr indent="0" lvl="0" marL="0" rtl="0" algn="l">
-                <a:spcBef>
-                  <a:spcPts val="0"/>
-                </a:spcBef>
-                <a:spcAft>
-                  <a:spcPts val="0"/>
-                </a:spcAft>
-                <a:buNone/>
-              </a:pPr>
-              <a:r>
-                <a:t/>
-              </a:r>
-              <a:endParaRPr sz="900">
-                <a:solidFill>
-                  <a:schemeClr val="dk2"/>
-                </a:solidFill>
-              </a:endParaRPr>
-            </a:p>
-          </p:txBody>
-        </p:sp>
-        <p:sp>
-          <p:nvSpPr>
-            <p:cNvPr id="369" name="Google Shape;369;p17"/>
-            <p:cNvSpPr txBox="1"/>
-            <p:nvPr/>
-          </p:nvSpPr>
-          <p:spPr>
-            <a:xfrm>
-              <a:off x="3985200" y="2247750"/>
-              <a:ext cx="1173600" cy="129600"/>
-            </a:xfrm>
-            <a:prstGeom prst="rect">
-              <a:avLst/>
-            </a:prstGeom>
-            <a:noFill/>
-            <a:ln>
-              <a:noFill/>
-            </a:ln>
-          </p:spPr>
-          <p:txBody>
-            <a:bodyPr anchorCtr="0" anchor="ctr" bIns="91425" lIns="91425" spcFirstLastPara="1" rIns="91425" wrap="square" tIns="91425">
-              <a:noAutofit/>
-            </a:bodyPr>
-            <a:lstStyle/>
-            <a:p>
-              <a:pPr indent="0" lvl="0" marL="0" rtl="0" algn="ctr">
-                <a:spcBef>
-                  <a:spcPts val="0"/>
-                </a:spcBef>
-                <a:spcAft>
-                  <a:spcPts val="0"/>
-                </a:spcAft>
-                <a:buNone/>
-              </a:pPr>
-              <a:r>
-                <a:rPr b="1" lang="ja" sz="800">
-                  <a:solidFill>
-                    <a:schemeClr val="dk2"/>
-                  </a:solidFill>
-                </a:rPr>
-                <a:t>ヘッダーメニュー</a:t>
-              </a:r>
-              <a:endParaRPr b="1" sz="800">
-                <a:solidFill>
-                  <a:schemeClr val="dk2"/>
-                </a:solidFill>
-              </a:endParaRPr>
-            </a:p>
-          </p:txBody>
-        </p:sp>
-        <p:sp>
-          <p:nvSpPr>
-            <p:cNvPr id="370" name="Google Shape;370;p17"/>
-            <p:cNvSpPr txBox="1"/>
-            <p:nvPr/>
-          </p:nvSpPr>
-          <p:spPr>
-            <a:xfrm>
-              <a:off x="4025400" y="2404575"/>
-              <a:ext cx="1096500" cy="451200"/>
-            </a:xfrm>
-            <a:prstGeom prst="rect">
-              <a:avLst/>
-            </a:prstGeom>
-            <a:solidFill>
-              <a:schemeClr val="lt1"/>
-            </a:solidFill>
-            <a:ln cap="flat" cmpd="sng" w="9525">
-              <a:solidFill>
-                <a:srgbClr val="000000"/>
-              </a:solidFill>
-              <a:prstDash val="dash"/>
-              <a:round/>
-              <a:headEnd len="sm" w="sm" type="none"/>
-              <a:tailEnd len="sm" w="sm" type="none"/>
-            </a:ln>
-          </p:spPr>
-          <p:txBody>
-            <a:bodyPr anchorCtr="0" anchor="t" bIns="91425" lIns="91425" spcFirstLastPara="1" rIns="91425" wrap="square" tIns="91425">
-              <a:noAutofit/>
-            </a:bodyPr>
-            <a:lstStyle/>
-            <a:p>
-              <a:pPr indent="0" lvl="0" marL="0" rtl="0" algn="l">
-                <a:spcBef>
-                  <a:spcPts val="0"/>
-                </a:spcBef>
-                <a:spcAft>
-                  <a:spcPts val="0"/>
-                </a:spcAft>
-                <a:buNone/>
-              </a:pPr>
-              <a:r>
-                <a:t/>
-              </a:r>
-              <a:endParaRPr sz="1800">
-                <a:solidFill>
-                  <a:schemeClr val="dk2"/>
-                </a:solidFill>
-              </a:endParaRPr>
-            </a:p>
-          </p:txBody>
-        </p:sp>
-        <p:sp>
-          <p:nvSpPr>
-            <p:cNvPr id="371" name="Google Shape;371;p17"/>
-            <p:cNvSpPr txBox="1"/>
-            <p:nvPr/>
-          </p:nvSpPr>
-          <p:spPr>
-            <a:xfrm>
-              <a:off x="4025400" y="2404575"/>
-              <a:ext cx="1096500" cy="451200"/>
-            </a:xfrm>
-            <a:prstGeom prst="rect">
-              <a:avLst/>
-            </a:prstGeom>
-            <a:noFill/>
-            <a:ln>
-              <a:noFill/>
-            </a:ln>
-          </p:spPr>
-          <p:txBody>
-            <a:bodyPr anchorCtr="0" anchor="t" bIns="91425" lIns="91425" spcFirstLastPara="1" rIns="91425" wrap="square" tIns="91425">
-              <a:noAutofit/>
-            </a:bodyPr>
-            <a:lstStyle/>
-            <a:p>
-              <a:pPr indent="0" lvl="0" marL="0" rtl="0" algn="l">
-                <a:spcBef>
-                  <a:spcPts val="0"/>
-                </a:spcBef>
-                <a:spcAft>
-                  <a:spcPts val="0"/>
-                </a:spcAft>
-                <a:buNone/>
-              </a:pPr>
-              <a:r>
-                <a:rPr lang="ja" sz="700">
-                  <a:solidFill>
-                    <a:schemeClr val="dk2"/>
-                  </a:solidFill>
-                </a:rPr>
-                <a:t>・ホーム</a:t>
-              </a:r>
-              <a:endParaRPr sz="700">
-                <a:solidFill>
-                  <a:schemeClr val="dk2"/>
-                </a:solidFill>
-              </a:endParaRPr>
-            </a:p>
-            <a:p>
-              <a:pPr indent="0" lvl="0" marL="0" rtl="0" algn="l">
-                <a:spcBef>
-                  <a:spcPts val="0"/>
-                </a:spcBef>
-                <a:spcAft>
-                  <a:spcPts val="0"/>
-                </a:spcAft>
-                <a:buNone/>
-              </a:pPr>
-              <a:r>
-                <a:rPr lang="ja" sz="700">
-                  <a:solidFill>
-                    <a:srgbClr val="999999"/>
-                  </a:solidFill>
-                </a:rPr>
-                <a:t>・マイページ</a:t>
-              </a:r>
-              <a:endParaRPr sz="700">
-                <a:solidFill>
-                  <a:srgbClr val="999999"/>
-                </a:solidFill>
-              </a:endParaRPr>
-            </a:p>
-            <a:p>
-              <a:pPr indent="0" lvl="0" marL="0" rtl="0" algn="l">
-                <a:spcBef>
-                  <a:spcPts val="0"/>
-                </a:spcBef>
-                <a:spcAft>
-                  <a:spcPts val="0"/>
-                </a:spcAft>
-                <a:buNone/>
-              </a:pPr>
-              <a:r>
-                <a:rPr lang="ja" sz="700">
-                  <a:solidFill>
-                    <a:srgbClr val="999999"/>
-                  </a:solidFill>
-                </a:rPr>
-                <a:t>・カート</a:t>
-              </a:r>
-              <a:endParaRPr sz="700">
-                <a:solidFill>
-                  <a:srgbClr val="999999"/>
-                </a:solidFill>
-              </a:endParaRPr>
-            </a:p>
-          </p:txBody>
-        </p:sp>
-      </p:grpSp>
-      <p:cxnSp>
-        <p:nvCxnSpPr>
-          <p:cNvPr id="372" name="Google Shape;372;p17"/>
-          <p:cNvCxnSpPr>
-            <a:stCxn id="336" idx="0"/>
-            <a:endCxn id="368" idx="2"/>
           </p:cNvCxnSpPr>
           <p:nvPr/>
         </p:nvCxnSpPr>
